--- a/PresentacionKobol.pptx
+++ b/PresentacionKobol.pptx
@@ -2,7 +2,7 @@
 <file path=ppt/presentation.xml><?xml version="1.0" encoding="utf-8"?>
 <p:presentation xmlns:a="http://schemas.openxmlformats.org/drawingml/2006/main" xmlns:r="http://schemas.openxmlformats.org/officeDocument/2006/relationships" xmlns:p="http://schemas.openxmlformats.org/presentationml/2006/main" saveSubsetFonts="1">
   <p:sldMasterIdLst>
-    <p:sldMasterId id="2147483648" r:id="rId1"/>
+    <p:sldMasterId id="2147483660" r:id="rId1"/>
   </p:sldMasterIdLst>
   <p:sldIdLst>
     <p:sldId id="258" r:id="rId2"/>
@@ -121,7 +121,7 @@
 </file>
 
 <file path=ppt/slideLayouts/slideLayout1.xml><?xml version="1.0" encoding="utf-8"?>
-<p:sldLayout xmlns:a="http://schemas.openxmlformats.org/drawingml/2006/main" xmlns:r="http://schemas.openxmlformats.org/officeDocument/2006/relationships" xmlns:p="http://schemas.openxmlformats.org/presentationml/2006/main" type="title" preserve="1">
+<p:sldLayout xmlns:a="http://schemas.openxmlformats.org/drawingml/2006/main" xmlns:r="http://schemas.openxmlformats.org/officeDocument/2006/relationships" xmlns:p="http://schemas.openxmlformats.org/presentationml/2006/main" showMasterSp="0" type="title" preserve="1">
   <p:cSld name="Diapositiva de título">
     <p:spTree>
       <p:nvGrpSpPr>
@@ -139,154 +139,7 @@
       </p:grpSpPr>
       <p:sp>
         <p:nvSpPr>
-          <p:cNvPr id="2" name="1 Título"/>
-          <p:cNvSpPr>
-            <a:spLocks noGrp="1"/>
-          </p:cNvSpPr>
-          <p:nvPr>
-            <p:ph type="ctrTitle"/>
-          </p:nvPr>
-        </p:nvSpPr>
-        <p:spPr>
-          <a:xfrm>
-            <a:off x="685800" y="2130425"/>
-            <a:ext cx="7772400" cy="1470025"/>
-          </a:xfrm>
-        </p:spPr>
-        <p:txBody>
-          <a:bodyPr/>
-          <a:lstStyle/>
-          <a:p>
-            <a:r>
-              <a:rPr lang="es-ES" smtClean="0"/>
-              <a:t>Haga clic para modificar el estilo de título del patrón</a:t>
-            </a:r>
-            <a:endParaRPr lang="es-ES"/>
-          </a:p>
-        </p:txBody>
-      </p:sp>
-      <p:sp>
-        <p:nvSpPr>
-          <p:cNvPr id="3" name="2 Subtítulo"/>
-          <p:cNvSpPr>
-            <a:spLocks noGrp="1"/>
-          </p:cNvSpPr>
-          <p:nvPr>
-            <p:ph type="subTitle" idx="1"/>
-          </p:nvPr>
-        </p:nvSpPr>
-        <p:spPr>
-          <a:xfrm>
-            <a:off x="1371600" y="3886200"/>
-            <a:ext cx="6400800" cy="1752600"/>
-          </a:xfrm>
-        </p:spPr>
-        <p:txBody>
-          <a:bodyPr/>
-          <a:lstStyle>
-            <a:lvl1pPr marL="0" indent="0" algn="ctr">
-              <a:buNone/>
-              <a:defRPr>
-                <a:solidFill>
-                  <a:schemeClr val="tx1">
-                    <a:tint val="75000"/>
-                  </a:schemeClr>
-                </a:solidFill>
-              </a:defRPr>
-            </a:lvl1pPr>
-            <a:lvl2pPr marL="457200" indent="0" algn="ctr">
-              <a:buNone/>
-              <a:defRPr>
-                <a:solidFill>
-                  <a:schemeClr val="tx1">
-                    <a:tint val="75000"/>
-                  </a:schemeClr>
-                </a:solidFill>
-              </a:defRPr>
-            </a:lvl2pPr>
-            <a:lvl3pPr marL="914400" indent="0" algn="ctr">
-              <a:buNone/>
-              <a:defRPr>
-                <a:solidFill>
-                  <a:schemeClr val="tx1">
-                    <a:tint val="75000"/>
-                  </a:schemeClr>
-                </a:solidFill>
-              </a:defRPr>
-            </a:lvl3pPr>
-            <a:lvl4pPr marL="1371600" indent="0" algn="ctr">
-              <a:buNone/>
-              <a:defRPr>
-                <a:solidFill>
-                  <a:schemeClr val="tx1">
-                    <a:tint val="75000"/>
-                  </a:schemeClr>
-                </a:solidFill>
-              </a:defRPr>
-            </a:lvl4pPr>
-            <a:lvl5pPr marL="1828800" indent="0" algn="ctr">
-              <a:buNone/>
-              <a:defRPr>
-                <a:solidFill>
-                  <a:schemeClr val="tx1">
-                    <a:tint val="75000"/>
-                  </a:schemeClr>
-                </a:solidFill>
-              </a:defRPr>
-            </a:lvl5pPr>
-            <a:lvl6pPr marL="2286000" indent="0" algn="ctr">
-              <a:buNone/>
-              <a:defRPr>
-                <a:solidFill>
-                  <a:schemeClr val="tx1">
-                    <a:tint val="75000"/>
-                  </a:schemeClr>
-                </a:solidFill>
-              </a:defRPr>
-            </a:lvl6pPr>
-            <a:lvl7pPr marL="2743200" indent="0" algn="ctr">
-              <a:buNone/>
-              <a:defRPr>
-                <a:solidFill>
-                  <a:schemeClr val="tx1">
-                    <a:tint val="75000"/>
-                  </a:schemeClr>
-                </a:solidFill>
-              </a:defRPr>
-            </a:lvl7pPr>
-            <a:lvl8pPr marL="3200400" indent="0" algn="ctr">
-              <a:buNone/>
-              <a:defRPr>
-                <a:solidFill>
-                  <a:schemeClr val="tx1">
-                    <a:tint val="75000"/>
-                  </a:schemeClr>
-                </a:solidFill>
-              </a:defRPr>
-            </a:lvl8pPr>
-            <a:lvl9pPr marL="3657600" indent="0" algn="ctr">
-              <a:buNone/>
-              <a:defRPr>
-                <a:solidFill>
-                  <a:schemeClr val="tx1">
-                    <a:tint val="75000"/>
-                  </a:schemeClr>
-                </a:solidFill>
-              </a:defRPr>
-            </a:lvl9pPr>
-          </a:lstStyle>
-          <a:p>
-            <a:r>
-              <a:rPr lang="es-ES" smtClean="0"/>
-              <a:t>Haga clic para modificar el estilo de subtítulo del patrón</a:t>
-            </a:r>
-            <a:endParaRPr lang="es-ES"/>
-          </a:p>
-        </p:txBody>
-      </p:sp>
-      <p:sp>
-        <p:nvSpPr>
-          <p:cNvPr id="4" name="3 Marcador de fecha"/>
+          <p:cNvPr id="28" name="27 Marcador de fecha"/>
           <p:cNvSpPr>
             <a:spLocks noGrp="1"/>
           </p:cNvSpPr>
@@ -297,12 +150,14 @@
         <p:spPr/>
         <p:txBody>
           <a:bodyPr/>
-          <a:lstStyle/>
+          <a:lstStyle>
+            <a:extLst/>
+          </a:lstStyle>
           <a:p>
             <a:fld id="{A1ADFC2C-B67E-4D32-A492-8D7D1ED6CD5F}" type="datetimeFigureOut">
               <a:rPr lang="es-ES" smtClean="0"/>
               <a:pPr/>
-              <a:t>07/05/2024</a:t>
+              <a:t>08/05/2024</a:t>
             </a:fld>
             <a:endParaRPr lang="es-ES"/>
           </a:p>
@@ -310,7 +165,7 @@
       </p:sp>
       <p:sp>
         <p:nvSpPr>
-          <p:cNvPr id="5" name="4 Marcador de pie de página"/>
+          <p:cNvPr id="17" name="16 Marcador de pie de página"/>
           <p:cNvSpPr>
             <a:spLocks noGrp="1"/>
           </p:cNvSpPr>
@@ -321,7 +176,9 @@
         <p:spPr/>
         <p:txBody>
           <a:bodyPr/>
-          <a:lstStyle/>
+          <a:lstStyle>
+            <a:extLst/>
+          </a:lstStyle>
           <a:p>
             <a:endParaRPr lang="es-ES"/>
           </a:p>
@@ -329,7 +186,7 @@
       </p:sp>
       <p:sp>
         <p:nvSpPr>
-          <p:cNvPr id="6" name="5 Marcador de número de diapositiva"/>
+          <p:cNvPr id="29" name="28 Marcador de número de diapositiva"/>
           <p:cNvSpPr>
             <a:spLocks noGrp="1"/>
           </p:cNvSpPr>
@@ -340,7 +197,9 @@
         <p:spPr/>
         <p:txBody>
           <a:bodyPr/>
-          <a:lstStyle/>
+          <a:lstStyle>
+            <a:extLst/>
+          </a:lstStyle>
           <a:p>
             <a:fld id="{2F400C75-B74F-4F90-9B92-CEC5EF3B6A5E}" type="slidenum">
               <a:rPr lang="es-ES" smtClean="0"/>
@@ -348,6 +207,548 @@
               <a:t>‹Nº›</a:t>
             </a:fld>
             <a:endParaRPr lang="es-ES"/>
+          </a:p>
+        </p:txBody>
+      </p:sp>
+      <p:sp>
+        <p:nvSpPr>
+          <p:cNvPr id="32" name="31 Rectángulo"/>
+          <p:cNvSpPr/>
+          <p:nvPr/>
+        </p:nvSpPr>
+        <p:spPr>
+          <a:xfrm>
+            <a:off x="0" y="-1"/>
+            <a:ext cx="365760" cy="6854456"/>
+          </a:xfrm>
+          <a:prstGeom prst="rect">
+            <a:avLst/>
+          </a:prstGeom>
+          <a:solidFill>
+            <a:srgbClr val="FFFFFF">
+              <a:alpha val="100000"/>
+            </a:srgbClr>
+          </a:solidFill>
+          <a:ln w="50800" cap="rnd" cmpd="dbl" algn="ctr">
+            <a:noFill/>
+            <a:prstDash val="solid"/>
+          </a:ln>
+          <a:effectLst/>
+        </p:spPr>
+        <p:style>
+          <a:lnRef idx="3">
+            <a:schemeClr val="lt1"/>
+          </a:lnRef>
+          <a:fillRef idx="1">
+            <a:schemeClr val="accent1"/>
+          </a:fillRef>
+          <a:effectRef idx="1">
+            <a:schemeClr val="accent1"/>
+          </a:effectRef>
+          <a:fontRef idx="minor">
+            <a:schemeClr val="lt1"/>
+          </a:fontRef>
+        </p:style>
+        <p:txBody>
+          <a:bodyPr anchor="ctr"/>
+          <a:lstStyle>
+            <a:extLst/>
+          </a:lstStyle>
+          <a:p>
+            <a:pPr algn="ctr" eaLnBrk="1" latinLnBrk="0" hangingPunct="1"/>
+            <a:endParaRPr kumimoji="0" lang="en-US"/>
+          </a:p>
+        </p:txBody>
+      </p:sp>
+      <p:sp>
+        <p:nvSpPr>
+          <p:cNvPr id="39" name="38 Rectángulo"/>
+          <p:cNvSpPr/>
+          <p:nvPr/>
+        </p:nvSpPr>
+        <p:spPr>
+          <a:xfrm>
+            <a:off x="309558" y="680477"/>
+            <a:ext cx="45720" cy="365760"/>
+          </a:xfrm>
+          <a:prstGeom prst="rect">
+            <a:avLst/>
+          </a:prstGeom>
+          <a:solidFill>
+            <a:srgbClr val="000000"/>
+          </a:solidFill>
+          <a:ln w="50800" cap="rnd" cmpd="thickThin" algn="ctr">
+            <a:noFill/>
+            <a:prstDash val="solid"/>
+          </a:ln>
+          <a:effectLst/>
+        </p:spPr>
+        <p:style>
+          <a:lnRef idx="3">
+            <a:schemeClr val="lt1"/>
+          </a:lnRef>
+          <a:fillRef idx="1">
+            <a:schemeClr val="accent1"/>
+          </a:fillRef>
+          <a:effectRef idx="1">
+            <a:schemeClr val="accent1"/>
+          </a:effectRef>
+          <a:fontRef idx="minor">
+            <a:schemeClr val="lt1"/>
+          </a:fontRef>
+        </p:style>
+        <p:txBody>
+          <a:bodyPr anchor="ctr"/>
+          <a:lstStyle>
+            <a:extLst/>
+          </a:lstStyle>
+          <a:p>
+            <a:pPr algn="ctr" eaLnBrk="1" latinLnBrk="0" hangingPunct="1"/>
+            <a:endParaRPr kumimoji="0" lang="en-US" dirty="0"/>
+          </a:p>
+        </p:txBody>
+      </p:sp>
+      <p:sp>
+        <p:nvSpPr>
+          <p:cNvPr id="40" name="39 Rectángulo"/>
+          <p:cNvSpPr/>
+          <p:nvPr/>
+        </p:nvSpPr>
+        <p:spPr>
+          <a:xfrm>
+            <a:off x="269073" y="680477"/>
+            <a:ext cx="27432" cy="365760"/>
+          </a:xfrm>
+          <a:prstGeom prst="rect">
+            <a:avLst/>
+          </a:prstGeom>
+          <a:solidFill>
+            <a:srgbClr val="000000"/>
+          </a:solidFill>
+          <a:ln w="50800" cap="rnd" cmpd="thickThin" algn="ctr">
+            <a:noFill/>
+            <a:prstDash val="solid"/>
+          </a:ln>
+          <a:effectLst/>
+        </p:spPr>
+        <p:style>
+          <a:lnRef idx="3">
+            <a:schemeClr val="lt1"/>
+          </a:lnRef>
+          <a:fillRef idx="1">
+            <a:schemeClr val="accent1"/>
+          </a:fillRef>
+          <a:effectRef idx="1">
+            <a:schemeClr val="accent1"/>
+          </a:effectRef>
+          <a:fontRef idx="minor">
+            <a:schemeClr val="lt1"/>
+          </a:fontRef>
+        </p:style>
+        <p:txBody>
+          <a:bodyPr anchor="ctr"/>
+          <a:lstStyle>
+            <a:extLst/>
+          </a:lstStyle>
+          <a:p>
+            <a:pPr algn="ctr" eaLnBrk="1" latinLnBrk="0" hangingPunct="1"/>
+            <a:endParaRPr kumimoji="0" lang="en-US" dirty="0"/>
+          </a:p>
+        </p:txBody>
+      </p:sp>
+      <p:sp>
+        <p:nvSpPr>
+          <p:cNvPr id="41" name="40 Rectángulo"/>
+          <p:cNvSpPr/>
+          <p:nvPr/>
+        </p:nvSpPr>
+        <p:spPr>
+          <a:xfrm>
+            <a:off x="250020" y="680477"/>
+            <a:ext cx="9144" cy="365760"/>
+          </a:xfrm>
+          <a:prstGeom prst="rect">
+            <a:avLst/>
+          </a:prstGeom>
+          <a:solidFill>
+            <a:srgbClr val="000000"/>
+          </a:solidFill>
+          <a:ln w="50800" cap="rnd" cmpd="thickThin" algn="ctr">
+            <a:noFill/>
+            <a:prstDash val="solid"/>
+          </a:ln>
+          <a:effectLst/>
+        </p:spPr>
+        <p:style>
+          <a:lnRef idx="3">
+            <a:schemeClr val="lt1"/>
+          </a:lnRef>
+          <a:fillRef idx="1">
+            <a:schemeClr val="accent1"/>
+          </a:fillRef>
+          <a:effectRef idx="1">
+            <a:schemeClr val="accent1"/>
+          </a:effectRef>
+          <a:fontRef idx="minor">
+            <a:schemeClr val="lt1"/>
+          </a:fontRef>
+        </p:style>
+        <p:txBody>
+          <a:bodyPr anchor="ctr"/>
+          <a:lstStyle>
+            <a:extLst/>
+          </a:lstStyle>
+          <a:p>
+            <a:pPr algn="ctr" eaLnBrk="1" latinLnBrk="0" hangingPunct="1"/>
+            <a:endParaRPr kumimoji="0" lang="en-US"/>
+          </a:p>
+        </p:txBody>
+      </p:sp>
+      <p:sp>
+        <p:nvSpPr>
+          <p:cNvPr id="42" name="41 Rectángulo"/>
+          <p:cNvSpPr/>
+          <p:nvPr/>
+        </p:nvSpPr>
+        <p:spPr>
+          <a:xfrm>
+            <a:off x="221768" y="680477"/>
+            <a:ext cx="9144" cy="365760"/>
+          </a:xfrm>
+          <a:prstGeom prst="rect">
+            <a:avLst/>
+          </a:prstGeom>
+          <a:solidFill>
+            <a:srgbClr val="000000"/>
+          </a:solidFill>
+          <a:ln w="50800" cap="rnd" cmpd="thickThin" algn="ctr">
+            <a:noFill/>
+            <a:prstDash val="solid"/>
+          </a:ln>
+          <a:effectLst/>
+        </p:spPr>
+        <p:style>
+          <a:lnRef idx="3">
+            <a:schemeClr val="lt1"/>
+          </a:lnRef>
+          <a:fillRef idx="1">
+            <a:schemeClr val="accent1"/>
+          </a:fillRef>
+          <a:effectRef idx="1">
+            <a:schemeClr val="accent1"/>
+          </a:effectRef>
+          <a:fontRef idx="minor">
+            <a:schemeClr val="lt1"/>
+          </a:fontRef>
+        </p:style>
+        <p:txBody>
+          <a:bodyPr anchor="ctr"/>
+          <a:lstStyle>
+            <a:extLst/>
+          </a:lstStyle>
+          <a:p>
+            <a:pPr algn="ctr" eaLnBrk="1" latinLnBrk="0" hangingPunct="1"/>
+            <a:endParaRPr kumimoji="0" lang="en-US" dirty="0"/>
+          </a:p>
+        </p:txBody>
+      </p:sp>
+      <p:sp>
+        <p:nvSpPr>
+          <p:cNvPr id="8" name="7 Título"/>
+          <p:cNvSpPr>
+            <a:spLocks noGrp="1"/>
+          </p:cNvSpPr>
+          <p:nvPr>
+            <p:ph type="ctrTitle"/>
+          </p:nvPr>
+        </p:nvSpPr>
+        <p:spPr>
+          <a:xfrm>
+            <a:off x="914400" y="4343400"/>
+            <a:ext cx="7772400" cy="1975104"/>
+          </a:xfrm>
+        </p:spPr>
+        <p:txBody>
+          <a:bodyPr/>
+          <a:lstStyle>
+            <a:lvl1pPr marR="9144" algn="l">
+              <a:defRPr sz="4000" b="1" cap="all" spc="0" baseline="0">
+                <a:effectLst>
+                  <a:reflection blurRad="12700" stA="34000" endA="740" endPos="53000" dir="5400000" sy="-100000" algn="bl" rotWithShape="0"/>
+                </a:effectLst>
+              </a:defRPr>
+            </a:lvl1pPr>
+            <a:extLst/>
+          </a:lstStyle>
+          <a:p>
+            <a:r>
+              <a:rPr kumimoji="0" lang="es-ES" smtClean="0"/>
+              <a:t>Haga clic para modificar el estilo de título del patrón</a:t>
+            </a:r>
+            <a:endParaRPr kumimoji="0" lang="en-US"/>
+          </a:p>
+        </p:txBody>
+      </p:sp>
+      <p:sp>
+        <p:nvSpPr>
+          <p:cNvPr id="9" name="8 Subtítulo"/>
+          <p:cNvSpPr>
+            <a:spLocks noGrp="1"/>
+          </p:cNvSpPr>
+          <p:nvPr>
+            <p:ph type="subTitle" idx="1"/>
+          </p:nvPr>
+        </p:nvSpPr>
+        <p:spPr>
+          <a:xfrm>
+            <a:off x="914400" y="2834640"/>
+            <a:ext cx="7772400" cy="1508760"/>
+          </a:xfrm>
+        </p:spPr>
+        <p:txBody>
+          <a:bodyPr lIns="100584" tIns="45720" anchor="b"/>
+          <a:lstStyle>
+            <a:lvl1pPr marL="0" indent="0" algn="l">
+              <a:spcBef>
+                <a:spcPts val="0"/>
+              </a:spcBef>
+              <a:buNone/>
+              <a:defRPr sz="2000">
+                <a:solidFill>
+                  <a:schemeClr val="tx1"/>
+                </a:solidFill>
+              </a:defRPr>
+            </a:lvl1pPr>
+            <a:lvl2pPr marL="457200" indent="0" algn="ctr">
+              <a:buNone/>
+            </a:lvl2pPr>
+            <a:lvl3pPr marL="914400" indent="0" algn="ctr">
+              <a:buNone/>
+            </a:lvl3pPr>
+            <a:lvl4pPr marL="1371600" indent="0" algn="ctr">
+              <a:buNone/>
+            </a:lvl4pPr>
+            <a:lvl5pPr marL="1828800" indent="0" algn="ctr">
+              <a:buNone/>
+            </a:lvl5pPr>
+            <a:lvl6pPr marL="2286000" indent="0" algn="ctr">
+              <a:buNone/>
+            </a:lvl6pPr>
+            <a:lvl7pPr marL="2743200" indent="0" algn="ctr">
+              <a:buNone/>
+            </a:lvl7pPr>
+            <a:lvl8pPr marL="3200400" indent="0" algn="ctr">
+              <a:buNone/>
+            </a:lvl8pPr>
+            <a:lvl9pPr marL="3657600" indent="0" algn="ctr">
+              <a:buNone/>
+            </a:lvl9pPr>
+            <a:extLst/>
+          </a:lstStyle>
+          <a:p>
+            <a:r>
+              <a:rPr kumimoji="0" lang="es-ES" smtClean="0"/>
+              <a:t>Haga clic para modificar el estilo de subtítulo del patrón</a:t>
+            </a:r>
+            <a:endParaRPr kumimoji="0" lang="en-US"/>
+          </a:p>
+        </p:txBody>
+      </p:sp>
+      <p:sp>
+        <p:nvSpPr>
+          <p:cNvPr id="56" name="55 Rectángulo"/>
+          <p:cNvSpPr/>
+          <p:nvPr/>
+        </p:nvSpPr>
+        <p:spPr>
+          <a:xfrm>
+            <a:off x="255291" y="5047394"/>
+            <a:ext cx="73152" cy="1691640"/>
+          </a:xfrm>
+          <a:prstGeom prst="rect">
+            <a:avLst/>
+          </a:prstGeom>
+          <a:solidFill>
+            <a:schemeClr val="accent2">
+              <a:alpha val="100000"/>
+            </a:schemeClr>
+          </a:solidFill>
+          <a:ln w="50800" cap="rnd" cmpd="dbl" algn="ctr">
+            <a:noFill/>
+            <a:prstDash val="solid"/>
+          </a:ln>
+          <a:effectLst/>
+        </p:spPr>
+        <p:style>
+          <a:lnRef idx="3">
+            <a:schemeClr val="lt1"/>
+          </a:lnRef>
+          <a:fillRef idx="1">
+            <a:schemeClr val="accent1"/>
+          </a:fillRef>
+          <a:effectRef idx="1">
+            <a:schemeClr val="accent1"/>
+          </a:effectRef>
+          <a:fontRef idx="minor">
+            <a:schemeClr val="lt1"/>
+          </a:fontRef>
+        </p:style>
+        <p:txBody>
+          <a:bodyPr anchor="ctr"/>
+          <a:lstStyle>
+            <a:extLst/>
+          </a:lstStyle>
+          <a:p>
+            <a:pPr algn="ctr" eaLnBrk="1" latinLnBrk="0" hangingPunct="1"/>
+            <a:endParaRPr kumimoji="0" lang="en-US"/>
+          </a:p>
+        </p:txBody>
+      </p:sp>
+      <p:sp>
+        <p:nvSpPr>
+          <p:cNvPr id="65" name="64 Rectángulo"/>
+          <p:cNvSpPr/>
+          <p:nvPr/>
+        </p:nvSpPr>
+        <p:spPr>
+          <a:xfrm>
+            <a:off x="255291" y="4796819"/>
+            <a:ext cx="73152" cy="228600"/>
+          </a:xfrm>
+          <a:prstGeom prst="rect">
+            <a:avLst/>
+          </a:prstGeom>
+          <a:solidFill>
+            <a:schemeClr val="accent3">
+              <a:alpha val="100000"/>
+            </a:schemeClr>
+          </a:solidFill>
+          <a:ln w="50800" cap="rnd" cmpd="dbl" algn="ctr">
+            <a:noFill/>
+            <a:prstDash val="solid"/>
+          </a:ln>
+          <a:effectLst/>
+        </p:spPr>
+        <p:style>
+          <a:lnRef idx="3">
+            <a:schemeClr val="lt1"/>
+          </a:lnRef>
+          <a:fillRef idx="1">
+            <a:schemeClr val="accent1"/>
+          </a:fillRef>
+          <a:effectRef idx="1">
+            <a:schemeClr val="accent1"/>
+          </a:effectRef>
+          <a:fontRef idx="minor">
+            <a:schemeClr val="lt1"/>
+          </a:fontRef>
+        </p:style>
+        <p:txBody>
+          <a:bodyPr anchor="ctr"/>
+          <a:lstStyle>
+            <a:extLst/>
+          </a:lstStyle>
+          <a:p>
+            <a:pPr algn="ctr" eaLnBrk="1" latinLnBrk="0" hangingPunct="1"/>
+            <a:endParaRPr kumimoji="0" lang="en-US"/>
+          </a:p>
+        </p:txBody>
+      </p:sp>
+      <p:sp>
+        <p:nvSpPr>
+          <p:cNvPr id="66" name="65 Rectángulo"/>
+          <p:cNvSpPr/>
+          <p:nvPr/>
+        </p:nvSpPr>
+        <p:spPr>
+          <a:xfrm>
+            <a:off x="255291" y="4637685"/>
+            <a:ext cx="73152" cy="137160"/>
+          </a:xfrm>
+          <a:prstGeom prst="rect">
+            <a:avLst/>
+          </a:prstGeom>
+          <a:solidFill>
+            <a:schemeClr val="bg2"/>
+          </a:solidFill>
+          <a:ln w="50800" cap="rnd" cmpd="dbl" algn="ctr">
+            <a:noFill/>
+            <a:prstDash val="solid"/>
+          </a:ln>
+          <a:effectLst/>
+        </p:spPr>
+        <p:style>
+          <a:lnRef idx="3">
+            <a:schemeClr val="lt1"/>
+          </a:lnRef>
+          <a:fillRef idx="1">
+            <a:schemeClr val="accent1"/>
+          </a:fillRef>
+          <a:effectRef idx="1">
+            <a:schemeClr val="accent1"/>
+          </a:effectRef>
+          <a:fontRef idx="minor">
+            <a:schemeClr val="lt1"/>
+          </a:fontRef>
+        </p:style>
+        <p:txBody>
+          <a:bodyPr anchor="ctr"/>
+          <a:lstStyle>
+            <a:extLst/>
+          </a:lstStyle>
+          <a:p>
+            <a:pPr algn="ctr" eaLnBrk="1" latinLnBrk="0" hangingPunct="1"/>
+            <a:endParaRPr kumimoji="0" lang="en-US"/>
+          </a:p>
+        </p:txBody>
+      </p:sp>
+      <p:sp>
+        <p:nvSpPr>
+          <p:cNvPr id="67" name="66 Rectángulo"/>
+          <p:cNvSpPr/>
+          <p:nvPr/>
+        </p:nvSpPr>
+        <p:spPr>
+          <a:xfrm>
+            <a:off x="255291" y="4542559"/>
+            <a:ext cx="73152" cy="73152"/>
+          </a:xfrm>
+          <a:prstGeom prst="rect">
+            <a:avLst/>
+          </a:prstGeom>
+          <a:solidFill>
+            <a:schemeClr val="accent2">
+              <a:alpha val="100000"/>
+            </a:schemeClr>
+          </a:solidFill>
+          <a:ln w="50800" cap="rnd" cmpd="dbl" algn="ctr">
+            <a:noFill/>
+            <a:prstDash val="solid"/>
+          </a:ln>
+          <a:effectLst/>
+        </p:spPr>
+        <p:style>
+          <a:lnRef idx="3">
+            <a:schemeClr val="lt1"/>
+          </a:lnRef>
+          <a:fillRef idx="1">
+            <a:schemeClr val="accent1"/>
+          </a:fillRef>
+          <a:effectRef idx="1">
+            <a:schemeClr val="accent1"/>
+          </a:effectRef>
+          <a:fontRef idx="minor">
+            <a:schemeClr val="lt1"/>
+          </a:fontRef>
+        </p:style>
+        <p:txBody>
+          <a:bodyPr anchor="ctr"/>
+          <a:lstStyle>
+            <a:extLst/>
+          </a:lstStyle>
+          <a:p>
+            <a:pPr algn="ctr" eaLnBrk="1" latinLnBrk="0" hangingPunct="1"/>
+            <a:endParaRPr kumimoji="0" lang="en-US" dirty="0"/>
           </a:p>
         </p:txBody>
       </p:sp>
@@ -389,13 +790,15 @@
         <p:spPr/>
         <p:txBody>
           <a:bodyPr/>
-          <a:lstStyle/>
-          <a:p>
-            <a:r>
-              <a:rPr lang="es-ES" smtClean="0"/>
+          <a:lstStyle>
+            <a:extLst/>
+          </a:lstStyle>
+          <a:p>
+            <a:r>
+              <a:rPr kumimoji="0" lang="es-ES" smtClean="0"/>
               <a:t>Haga clic para modificar el estilo de título del patrón</a:t>
             </a:r>
-            <a:endParaRPr lang="es-ES"/>
+            <a:endParaRPr kumimoji="0" lang="en-US"/>
           </a:p>
         </p:txBody>
       </p:sp>
@@ -412,42 +815,44 @@
         <p:spPr/>
         <p:txBody>
           <a:bodyPr vert="eaVert"/>
-          <a:lstStyle/>
-          <a:p>
-            <a:pPr lvl="0"/>
+          <a:lstStyle>
+            <a:extLst/>
+          </a:lstStyle>
+          <a:p>
+            <a:pPr lvl="0" eaLnBrk="1" latinLnBrk="0" hangingPunct="1"/>
             <a:r>
               <a:rPr lang="es-ES" smtClean="0"/>
               <a:t>Haga clic para modificar el estilo de texto del patrón</a:t>
             </a:r>
           </a:p>
           <a:p>
-            <a:pPr lvl="1"/>
+            <a:pPr lvl="1" eaLnBrk="1" latinLnBrk="0" hangingPunct="1"/>
             <a:r>
               <a:rPr lang="es-ES" smtClean="0"/>
               <a:t>Segundo nivel</a:t>
             </a:r>
           </a:p>
           <a:p>
-            <a:pPr lvl="2"/>
+            <a:pPr lvl="2" eaLnBrk="1" latinLnBrk="0" hangingPunct="1"/>
             <a:r>
               <a:rPr lang="es-ES" smtClean="0"/>
               <a:t>Tercer nivel</a:t>
             </a:r>
           </a:p>
           <a:p>
-            <a:pPr lvl="3"/>
+            <a:pPr lvl="3" eaLnBrk="1" latinLnBrk="0" hangingPunct="1"/>
             <a:r>
               <a:rPr lang="es-ES" smtClean="0"/>
               <a:t>Cuarto nivel</a:t>
             </a:r>
           </a:p>
           <a:p>
-            <a:pPr lvl="4"/>
+            <a:pPr lvl="4" eaLnBrk="1" latinLnBrk="0" hangingPunct="1"/>
             <a:r>
               <a:rPr lang="es-ES" smtClean="0"/>
               <a:t>Quinto nivel</a:t>
             </a:r>
-            <a:endParaRPr lang="es-ES"/>
+            <a:endParaRPr kumimoji="0" lang="en-US"/>
           </a:p>
         </p:txBody>
       </p:sp>
@@ -464,12 +869,14 @@
         <p:spPr/>
         <p:txBody>
           <a:bodyPr/>
-          <a:lstStyle/>
+          <a:lstStyle>
+            <a:extLst/>
+          </a:lstStyle>
           <a:p>
             <a:fld id="{A1ADFC2C-B67E-4D32-A492-8D7D1ED6CD5F}" type="datetimeFigureOut">
               <a:rPr lang="es-ES" smtClean="0"/>
               <a:pPr/>
-              <a:t>07/05/2024</a:t>
+              <a:t>08/05/2024</a:t>
             </a:fld>
             <a:endParaRPr lang="es-ES"/>
           </a:p>
@@ -488,7 +895,9 @@
         <p:spPr/>
         <p:txBody>
           <a:bodyPr/>
-          <a:lstStyle/>
+          <a:lstStyle>
+            <a:extLst/>
+          </a:lstStyle>
           <a:p>
             <a:endParaRPr lang="es-ES"/>
           </a:p>
@@ -507,7 +916,9 @@
         <p:spPr/>
         <p:txBody>
           <a:bodyPr/>
-          <a:lstStyle/>
+          <a:lstStyle>
+            <a:extLst/>
+          </a:lstStyle>
           <a:p>
             <a:fld id="{2F400C75-B74F-4F90-9B92-CEC5EF3B6A5E}" type="slidenum">
               <a:rPr lang="es-ES" smtClean="0"/>
@@ -555,19 +966,21 @@
         </p:nvSpPr>
         <p:spPr>
           <a:xfrm>
-            <a:off x="6629400" y="274638"/>
-            <a:ext cx="2057400" cy="5851525"/>
-          </a:xfrm>
-        </p:spPr>
-        <p:txBody>
-          <a:bodyPr vert="eaVert"/>
-          <a:lstStyle/>
-          <a:p>
-            <a:r>
-              <a:rPr lang="es-ES" smtClean="0"/>
+            <a:off x="6629400" y="274639"/>
+            <a:ext cx="1981200" cy="5851525"/>
+          </a:xfrm>
+        </p:spPr>
+        <p:txBody>
+          <a:bodyPr vert="eaVert" anchor="ctr"/>
+          <a:lstStyle>
+            <a:extLst/>
+          </a:lstStyle>
+          <a:p>
+            <a:r>
+              <a:rPr kumimoji="0" lang="es-ES" smtClean="0"/>
               <a:t>Haga clic para modificar el estilo de título del patrón</a:t>
             </a:r>
-            <a:endParaRPr lang="es-ES"/>
+            <a:endParaRPr kumimoji="0" lang="en-US"/>
           </a:p>
         </p:txBody>
       </p:sp>
@@ -583,48 +996,50 @@
         </p:nvSpPr>
         <p:spPr>
           <a:xfrm>
-            <a:off x="457200" y="274638"/>
-            <a:ext cx="6019800" cy="5851525"/>
+            <a:off x="609600" y="274639"/>
+            <a:ext cx="5867400" cy="5851525"/>
           </a:xfrm>
         </p:spPr>
         <p:txBody>
           <a:bodyPr vert="eaVert"/>
-          <a:lstStyle/>
-          <a:p>
-            <a:pPr lvl="0"/>
+          <a:lstStyle>
+            <a:extLst/>
+          </a:lstStyle>
+          <a:p>
+            <a:pPr lvl="0" eaLnBrk="1" latinLnBrk="0" hangingPunct="1"/>
             <a:r>
               <a:rPr lang="es-ES" smtClean="0"/>
               <a:t>Haga clic para modificar el estilo de texto del patrón</a:t>
             </a:r>
           </a:p>
           <a:p>
-            <a:pPr lvl="1"/>
+            <a:pPr lvl="1" eaLnBrk="1" latinLnBrk="0" hangingPunct="1"/>
             <a:r>
               <a:rPr lang="es-ES" smtClean="0"/>
               <a:t>Segundo nivel</a:t>
             </a:r>
           </a:p>
           <a:p>
-            <a:pPr lvl="2"/>
+            <a:pPr lvl="2" eaLnBrk="1" latinLnBrk="0" hangingPunct="1"/>
             <a:r>
               <a:rPr lang="es-ES" smtClean="0"/>
               <a:t>Tercer nivel</a:t>
             </a:r>
           </a:p>
           <a:p>
-            <a:pPr lvl="3"/>
+            <a:pPr lvl="3" eaLnBrk="1" latinLnBrk="0" hangingPunct="1"/>
             <a:r>
               <a:rPr lang="es-ES" smtClean="0"/>
               <a:t>Cuarto nivel</a:t>
             </a:r>
           </a:p>
           <a:p>
-            <a:pPr lvl="4"/>
+            <a:pPr lvl="4" eaLnBrk="1" latinLnBrk="0" hangingPunct="1"/>
             <a:r>
               <a:rPr lang="es-ES" smtClean="0"/>
               <a:t>Quinto nivel</a:t>
             </a:r>
-            <a:endParaRPr lang="es-ES"/>
+            <a:endParaRPr kumimoji="0" lang="en-US"/>
           </a:p>
         </p:txBody>
       </p:sp>
@@ -641,12 +1056,14 @@
         <p:spPr/>
         <p:txBody>
           <a:bodyPr/>
-          <a:lstStyle/>
+          <a:lstStyle>
+            <a:extLst/>
+          </a:lstStyle>
           <a:p>
             <a:fld id="{A1ADFC2C-B67E-4D32-A492-8D7D1ED6CD5F}" type="datetimeFigureOut">
               <a:rPr lang="es-ES" smtClean="0"/>
               <a:pPr/>
-              <a:t>07/05/2024</a:t>
+              <a:t>08/05/2024</a:t>
             </a:fld>
             <a:endParaRPr lang="es-ES"/>
           </a:p>
@@ -665,7 +1082,9 @@
         <p:spPr/>
         <p:txBody>
           <a:bodyPr/>
-          <a:lstStyle/>
+          <a:lstStyle>
+            <a:extLst/>
+          </a:lstStyle>
           <a:p>
             <a:endParaRPr lang="es-ES"/>
           </a:p>
@@ -684,7 +1103,9 @@
         <p:spPr/>
         <p:txBody>
           <a:bodyPr/>
-          <a:lstStyle/>
+          <a:lstStyle>
+            <a:extLst/>
+          </a:lstStyle>
           <a:p>
             <a:fld id="{2F400C75-B74F-4F90-9B92-CEC5EF3B6A5E}" type="slidenum">
               <a:rPr lang="es-ES" smtClean="0"/>
@@ -733,13 +1154,15 @@
         <p:spPr/>
         <p:txBody>
           <a:bodyPr/>
-          <a:lstStyle/>
-          <a:p>
-            <a:r>
-              <a:rPr lang="es-ES" smtClean="0"/>
+          <a:lstStyle>
+            <a:extLst/>
+          </a:lstStyle>
+          <a:p>
+            <a:r>
+              <a:rPr kumimoji="0" lang="es-ES" smtClean="0"/>
               <a:t>Haga clic para modificar el estilo de título del patrón</a:t>
             </a:r>
-            <a:endParaRPr lang="es-ES"/>
+            <a:endParaRPr kumimoji="0" lang="en-US"/>
           </a:p>
         </p:txBody>
       </p:sp>
@@ -756,42 +1179,44 @@
         <p:spPr/>
         <p:txBody>
           <a:bodyPr/>
-          <a:lstStyle/>
-          <a:p>
-            <a:pPr lvl="0"/>
+          <a:lstStyle>
+            <a:extLst/>
+          </a:lstStyle>
+          <a:p>
+            <a:pPr lvl="0" eaLnBrk="1" latinLnBrk="0" hangingPunct="1"/>
             <a:r>
               <a:rPr lang="es-ES" smtClean="0"/>
               <a:t>Haga clic para modificar el estilo de texto del patrón</a:t>
             </a:r>
           </a:p>
           <a:p>
-            <a:pPr lvl="1"/>
+            <a:pPr lvl="1" eaLnBrk="1" latinLnBrk="0" hangingPunct="1"/>
             <a:r>
               <a:rPr lang="es-ES" smtClean="0"/>
               <a:t>Segundo nivel</a:t>
             </a:r>
           </a:p>
           <a:p>
-            <a:pPr lvl="2"/>
+            <a:pPr lvl="2" eaLnBrk="1" latinLnBrk="0" hangingPunct="1"/>
             <a:r>
               <a:rPr lang="es-ES" smtClean="0"/>
               <a:t>Tercer nivel</a:t>
             </a:r>
           </a:p>
           <a:p>
-            <a:pPr lvl="3"/>
+            <a:pPr lvl="3" eaLnBrk="1" latinLnBrk="0" hangingPunct="1"/>
             <a:r>
               <a:rPr lang="es-ES" smtClean="0"/>
               <a:t>Cuarto nivel</a:t>
             </a:r>
           </a:p>
           <a:p>
-            <a:pPr lvl="4"/>
+            <a:pPr lvl="4" eaLnBrk="1" latinLnBrk="0" hangingPunct="1"/>
             <a:r>
               <a:rPr lang="es-ES" smtClean="0"/>
               <a:t>Quinto nivel</a:t>
             </a:r>
-            <a:endParaRPr lang="es-ES"/>
+            <a:endParaRPr kumimoji="0" lang="en-US"/>
           </a:p>
         </p:txBody>
       </p:sp>
@@ -808,12 +1233,14 @@
         <p:spPr/>
         <p:txBody>
           <a:bodyPr/>
-          <a:lstStyle/>
+          <a:lstStyle>
+            <a:extLst/>
+          </a:lstStyle>
           <a:p>
             <a:fld id="{A1ADFC2C-B67E-4D32-A492-8D7D1ED6CD5F}" type="datetimeFigureOut">
               <a:rPr lang="es-ES" smtClean="0"/>
               <a:pPr/>
-              <a:t>07/05/2024</a:t>
+              <a:t>08/05/2024</a:t>
             </a:fld>
             <a:endParaRPr lang="es-ES"/>
           </a:p>
@@ -832,7 +1259,9 @@
         <p:spPr/>
         <p:txBody>
           <a:bodyPr/>
-          <a:lstStyle/>
+          <a:lstStyle>
+            <a:extLst/>
+          </a:lstStyle>
           <a:p>
             <a:endParaRPr lang="es-ES"/>
           </a:p>
@@ -851,7 +1280,9 @@
         <p:spPr/>
         <p:txBody>
           <a:bodyPr/>
-          <a:lstStyle/>
+          <a:lstStyle>
+            <a:extLst/>
+          </a:lstStyle>
           <a:p>
             <a:fld id="{2F400C75-B74F-4F90-9B92-CEC5EF3B6A5E}" type="slidenum">
               <a:rPr lang="es-ES" smtClean="0"/>
@@ -889,33 +1320,1308 @@
       </p:grpSpPr>
       <p:sp>
         <p:nvSpPr>
-          <p:cNvPr id="2" name="1 Título"/>
-          <p:cNvSpPr>
-            <a:spLocks noGrp="1"/>
-          </p:cNvSpPr>
-          <p:nvPr>
-            <p:ph type="title"/>
-          </p:nvPr>
-        </p:nvSpPr>
-        <p:spPr>
-          <a:xfrm>
-            <a:off x="722313" y="4406900"/>
-            <a:ext cx="7772400" cy="1362075"/>
-          </a:xfrm>
-        </p:spPr>
-        <p:txBody>
-          <a:bodyPr anchor="t"/>
-          <a:lstStyle>
-            <a:lvl1pPr algn="l">
-              <a:defRPr sz="4000" b="1" cap="all"/>
-            </a:lvl1pPr>
-          </a:lstStyle>
-          <a:p>
-            <a:r>
-              <a:rPr lang="es-ES" smtClean="0"/>
-              <a:t>Haga clic para modificar el estilo de título del patrón</a:t>
-            </a:r>
-            <a:endParaRPr lang="es-ES"/>
+          <p:cNvPr id="14" name="13 Forma libre"/>
+          <p:cNvSpPr>
+            <a:spLocks/>
+          </p:cNvSpPr>
+          <p:nvPr/>
+        </p:nvSpPr>
+        <p:spPr bwMode="auto">
+          <a:xfrm>
+            <a:off x="4828952" y="1073888"/>
+            <a:ext cx="4322136" cy="5791200"/>
+          </a:xfrm>
+          <a:custGeom>
+            <a:avLst>
+              <a:gd name="A1" fmla="val 0"/>
+              <a:gd name="A2" fmla="val 0"/>
+              <a:gd name="A3" fmla="val 0"/>
+              <a:gd name="A4" fmla="val 0"/>
+              <a:gd name="A5" fmla="val 0"/>
+              <a:gd name="A6" fmla="val 0"/>
+              <a:gd name="A7" fmla="val 0"/>
+              <a:gd name="A8" fmla="val 0"/>
+            </a:avLst>
+            <a:gdLst/>
+            <a:ahLst/>
+            <a:cxnLst>
+              <a:cxn ang="0">
+                <a:pos x="0" y="3648"/>
+              </a:cxn>
+              <a:cxn ang="0">
+                <a:pos x="720" y="2016"/>
+              </a:cxn>
+              <a:cxn ang="0">
+                <a:pos x="2736" y="0"/>
+              </a:cxn>
+              <a:cxn ang="0">
+                <a:pos x="2736" y="96"/>
+              </a:cxn>
+              <a:cxn ang="0">
+                <a:pos x="744" y="2038"/>
+              </a:cxn>
+              <a:cxn ang="0">
+                <a:pos x="48" y="3648"/>
+              </a:cxn>
+              <a:cxn ang="0">
+                <a:pos x="0" y="3648"/>
+              </a:cxn>
+            </a:cxnLst>
+            <a:rect l="0" t="0" r="0" b="0"/>
+            <a:pathLst>
+              <a:path w="2736" h="3648">
+                <a:moveTo>
+                  <a:pt x="0" y="3648"/>
+                </a:moveTo>
+                <a:lnTo>
+                  <a:pt x="720" y="2016"/>
+                </a:lnTo>
+                <a:lnTo>
+                  <a:pt x="2736" y="672"/>
+                </a:lnTo>
+                <a:lnTo>
+                  <a:pt x="2736" y="720"/>
+                </a:lnTo>
+                <a:lnTo>
+                  <a:pt x="744" y="2038"/>
+                </a:lnTo>
+                <a:lnTo>
+                  <a:pt x="48" y="3648"/>
+                </a:lnTo>
+                <a:lnTo>
+                  <a:pt x="48" y="3648"/>
+                </a:lnTo>
+                <a:close/>
+              </a:path>
+            </a:pathLst>
+          </a:custGeom>
+          <a:noFill/>
+          <a:ln w="3175" cap="flat" cmpd="sng" algn="ctr">
+            <a:solidFill>
+              <a:schemeClr val="accent2">
+                <a:alpha val="53000"/>
+              </a:schemeClr>
+            </a:solidFill>
+            <a:prstDash val="solid"/>
+            <a:round/>
+            <a:headEnd type="none" w="med" len="med"/>
+            <a:tailEnd type="none" w="med" len="med"/>
+          </a:ln>
+          <a:effectLst/>
+        </p:spPr>
+        <p:txBody>
+          <a:bodyPr vert="horz" wrap="square" lIns="91440" tIns="45720" rIns="91440" bIns="45720" anchor="t" compatLnSpc="1"/>
+          <a:lstStyle>
+            <a:extLst/>
+          </a:lstStyle>
+          <a:p>
+            <a:endParaRPr kumimoji="0" lang="en-US"/>
+          </a:p>
+        </p:txBody>
+      </p:sp>
+      <p:sp>
+        <p:nvSpPr>
+          <p:cNvPr id="15" name="14 Forma libre"/>
+          <p:cNvSpPr>
+            <a:spLocks/>
+          </p:cNvSpPr>
+          <p:nvPr/>
+        </p:nvSpPr>
+        <p:spPr bwMode="auto">
+          <a:xfrm>
+            <a:off x="373966" y="0"/>
+            <a:ext cx="5514536" cy="6615332"/>
+          </a:xfrm>
+          <a:custGeom>
+            <a:avLst>
+              <a:gd name="A1" fmla="val 0"/>
+              <a:gd name="A2" fmla="val 0"/>
+              <a:gd name="A3" fmla="val 0"/>
+              <a:gd name="A4" fmla="val 0"/>
+              <a:gd name="A5" fmla="val 0"/>
+              <a:gd name="A6" fmla="val 0"/>
+              <a:gd name="A7" fmla="val 0"/>
+              <a:gd name="A8" fmla="val 0"/>
+            </a:avLst>
+            <a:gdLst/>
+            <a:ahLst/>
+            <a:cxnLst>
+              <a:cxn ang="0">
+                <a:pos x="0" y="4080"/>
+              </a:cxn>
+              <a:cxn ang="0">
+                <a:pos x="0" y="4128"/>
+              </a:cxn>
+              <a:cxn ang="0">
+                <a:pos x="3504" y="2640"/>
+              </a:cxn>
+              <a:cxn ang="0">
+                <a:pos x="2880" y="0"/>
+              </a:cxn>
+              <a:cxn ang="0">
+                <a:pos x="2832" y="0"/>
+              </a:cxn>
+              <a:cxn ang="0">
+                <a:pos x="3465" y="2619"/>
+              </a:cxn>
+              <a:cxn ang="0">
+                <a:pos x="0" y="4080"/>
+              </a:cxn>
+            </a:cxnLst>
+            <a:rect l="0" t="0" r="0" b="0"/>
+            <a:pathLst>
+              <a:path w="3504" h="4128">
+                <a:moveTo>
+                  <a:pt x="0" y="4080"/>
+                </a:moveTo>
+                <a:lnTo>
+                  <a:pt x="0" y="4128"/>
+                </a:lnTo>
+                <a:lnTo>
+                  <a:pt x="3504" y="2640"/>
+                </a:lnTo>
+                <a:lnTo>
+                  <a:pt x="2880" y="0"/>
+                </a:lnTo>
+                <a:lnTo>
+                  <a:pt x="2832" y="0"/>
+                </a:lnTo>
+                <a:lnTo>
+                  <a:pt x="3465" y="2619"/>
+                </a:lnTo>
+                <a:lnTo>
+                  <a:pt x="0" y="4080"/>
+                </a:lnTo>
+                <a:close/>
+              </a:path>
+            </a:pathLst>
+          </a:custGeom>
+          <a:noFill/>
+          <a:ln w="3175" cap="flat" cmpd="sng" algn="ctr">
+            <a:solidFill>
+              <a:schemeClr val="accent2">
+                <a:alpha val="53000"/>
+              </a:schemeClr>
+            </a:solidFill>
+            <a:prstDash val="solid"/>
+            <a:round/>
+            <a:headEnd type="none" w="med" len="med"/>
+            <a:tailEnd type="none" w="med" len="med"/>
+          </a:ln>
+          <a:effectLst/>
+        </p:spPr>
+        <p:txBody>
+          <a:bodyPr vert="horz" wrap="square" lIns="91440" tIns="45720" rIns="91440" bIns="45720" anchor="t" compatLnSpc="1"/>
+          <a:lstStyle>
+            <a:extLst/>
+          </a:lstStyle>
+          <a:p>
+            <a:endParaRPr kumimoji="0" lang="en-US"/>
+          </a:p>
+        </p:txBody>
+      </p:sp>
+      <p:sp>
+        <p:nvSpPr>
+          <p:cNvPr id="13" name="12 Forma libre"/>
+          <p:cNvSpPr>
+            <a:spLocks/>
+          </p:cNvSpPr>
+          <p:nvPr/>
+        </p:nvSpPr>
+        <p:spPr bwMode="auto">
+          <a:xfrm rot="5236414">
+            <a:off x="4462128" y="1483600"/>
+            <a:ext cx="4114800" cy="1188720"/>
+          </a:xfrm>
+          <a:custGeom>
+            <a:avLst>
+              <a:gd name="A1" fmla="val 0"/>
+              <a:gd name="A2" fmla="val 0"/>
+              <a:gd name="A3" fmla="val 0"/>
+              <a:gd name="A4" fmla="val 0"/>
+              <a:gd name="A5" fmla="val 0"/>
+              <a:gd name="A6" fmla="val 0"/>
+              <a:gd name="A7" fmla="val 0"/>
+              <a:gd name="A8" fmla="val 0"/>
+            </a:avLst>
+            <a:gdLst/>
+            <a:ahLst/>
+            <a:cxnLst>
+              <a:cxn ang="0">
+                <a:pos x="0" y="0"/>
+              </a:cxn>
+              <a:cxn ang="0">
+                <a:pos x="3552" y="1344"/>
+              </a:cxn>
+              <a:cxn ang="0">
+                <a:pos x="0" y="48"/>
+              </a:cxn>
+              <a:cxn ang="0">
+                <a:pos x="0" y="0"/>
+              </a:cxn>
+            </a:cxnLst>
+            <a:rect l="0" t="0" r="0" b="0"/>
+            <a:pathLst>
+              <a:path w="3552" h="1344">
+                <a:moveTo>
+                  <a:pt x="0" y="0"/>
+                </a:moveTo>
+                <a:lnTo>
+                  <a:pt x="3552" y="1344"/>
+                </a:lnTo>
+                <a:lnTo>
+                  <a:pt x="0" y="48"/>
+                </a:lnTo>
+                <a:lnTo>
+                  <a:pt x="0" y="0"/>
+                </a:lnTo>
+                <a:close/>
+              </a:path>
+            </a:pathLst>
+          </a:custGeom>
+          <a:solidFill>
+            <a:schemeClr val="bg2">
+              <a:tint val="95000"/>
+              <a:satMod val="180000"/>
+              <a:alpha val="30000"/>
+            </a:schemeClr>
+          </a:solidFill>
+          <a:ln w="9525" cap="flat" cmpd="sng" algn="ctr">
+            <a:noFill/>
+            <a:prstDash val="solid"/>
+            <a:round/>
+            <a:headEnd type="none" w="med" len="med"/>
+            <a:tailEnd type="none" w="med" len="med"/>
+          </a:ln>
+          <a:effectLst/>
+        </p:spPr>
+        <p:txBody>
+          <a:bodyPr vert="horz" wrap="square" lIns="91440" tIns="45720" rIns="91440" bIns="45720" anchor="t" compatLnSpc="1"/>
+          <a:lstStyle>
+            <a:extLst/>
+          </a:lstStyle>
+          <a:p>
+            <a:endParaRPr kumimoji="0" lang="en-US"/>
+          </a:p>
+        </p:txBody>
+      </p:sp>
+      <p:sp>
+        <p:nvSpPr>
+          <p:cNvPr id="16" name="15 Forma libre"/>
+          <p:cNvSpPr>
+            <a:spLocks/>
+          </p:cNvSpPr>
+          <p:nvPr/>
+        </p:nvSpPr>
+        <p:spPr bwMode="auto">
+          <a:xfrm>
+            <a:off x="5943600" y="0"/>
+            <a:ext cx="2743200" cy="4267200"/>
+          </a:xfrm>
+          <a:custGeom>
+            <a:avLst>
+              <a:gd name="A1" fmla="val 0"/>
+              <a:gd name="A2" fmla="val 0"/>
+              <a:gd name="A3" fmla="val 0"/>
+              <a:gd name="A4" fmla="val 0"/>
+              <a:gd name="A5" fmla="val 0"/>
+              <a:gd name="A6" fmla="val 0"/>
+              <a:gd name="A7" fmla="val 0"/>
+              <a:gd name="A8" fmla="val 0"/>
+            </a:avLst>
+            <a:gdLst/>
+            <a:ahLst/>
+            <a:cxnLst>
+              <a:cxn ang="0">
+                <a:pos x="1104" y="0"/>
+              </a:cxn>
+              <a:cxn ang="0">
+                <a:pos x="1728" y="0"/>
+              </a:cxn>
+              <a:cxn ang="0">
+                <a:pos x="0" y="2688"/>
+              </a:cxn>
+              <a:cxn ang="0">
+                <a:pos x="1104" y="0"/>
+              </a:cxn>
+            </a:cxnLst>
+            <a:rect l="0" t="0" r="0" b="0"/>
+            <a:pathLst>
+              <a:path w="1728" h="2688">
+                <a:moveTo>
+                  <a:pt x="1104" y="0"/>
+                </a:moveTo>
+                <a:lnTo>
+                  <a:pt x="1728" y="0"/>
+                </a:lnTo>
+                <a:lnTo>
+                  <a:pt x="0" y="2688"/>
+                </a:lnTo>
+                <a:lnTo>
+                  <a:pt x="1104" y="0"/>
+                </a:lnTo>
+                <a:close/>
+              </a:path>
+            </a:pathLst>
+          </a:custGeom>
+          <a:solidFill>
+            <a:schemeClr val="bg2">
+              <a:tint val="95000"/>
+              <a:satMod val="200000"/>
+              <a:alpha val="30000"/>
+            </a:schemeClr>
+          </a:solidFill>
+          <a:ln w="9525" cap="flat" cmpd="sng" algn="ctr">
+            <a:noFill/>
+            <a:prstDash val="solid"/>
+            <a:round/>
+            <a:headEnd type="none" w="med" len="med"/>
+            <a:tailEnd type="none" w="med" len="med"/>
+          </a:ln>
+          <a:effectLst/>
+        </p:spPr>
+        <p:txBody>
+          <a:bodyPr vert="horz" wrap="square" lIns="91440" tIns="45720" rIns="91440" bIns="45720" anchor="t" compatLnSpc="1"/>
+          <a:lstStyle>
+            <a:extLst/>
+          </a:lstStyle>
+          <a:p>
+            <a:endParaRPr kumimoji="0" lang="en-US"/>
+          </a:p>
+        </p:txBody>
+      </p:sp>
+      <p:sp>
+        <p:nvSpPr>
+          <p:cNvPr id="17" name="16 Forma libre"/>
+          <p:cNvSpPr>
+            <a:spLocks/>
+          </p:cNvSpPr>
+          <p:nvPr/>
+        </p:nvSpPr>
+        <p:spPr bwMode="auto">
+          <a:xfrm>
+            <a:off x="5943600" y="4267200"/>
+            <a:ext cx="3200400" cy="1143000"/>
+          </a:xfrm>
+          <a:custGeom>
+            <a:avLst>
+              <a:gd name="A1" fmla="val 0"/>
+              <a:gd name="A2" fmla="val 0"/>
+              <a:gd name="A3" fmla="val 0"/>
+              <a:gd name="A4" fmla="val 0"/>
+              <a:gd name="A5" fmla="val 0"/>
+              <a:gd name="A6" fmla="val 0"/>
+              <a:gd name="A7" fmla="val 0"/>
+              <a:gd name="A8" fmla="val 0"/>
+            </a:avLst>
+            <a:gdLst/>
+            <a:ahLst/>
+            <a:cxnLst>
+              <a:cxn ang="0">
+                <a:pos x="0" y="0"/>
+              </a:cxn>
+              <a:cxn ang="0">
+                <a:pos x="2016" y="240"/>
+              </a:cxn>
+              <a:cxn ang="0">
+                <a:pos x="2016" y="720"/>
+              </a:cxn>
+              <a:cxn ang="0">
+                <a:pos x="0" y="0"/>
+              </a:cxn>
+            </a:cxnLst>
+            <a:rect l="0" t="0" r="0" b="0"/>
+            <a:pathLst>
+              <a:path w="2016" h="720">
+                <a:moveTo>
+                  <a:pt x="0" y="0"/>
+                </a:moveTo>
+                <a:lnTo>
+                  <a:pt x="2016" y="240"/>
+                </a:lnTo>
+                <a:lnTo>
+                  <a:pt x="2016" y="720"/>
+                </a:lnTo>
+                <a:lnTo>
+                  <a:pt x="0" y="0"/>
+                </a:lnTo>
+                <a:close/>
+              </a:path>
+            </a:pathLst>
+          </a:custGeom>
+          <a:solidFill>
+            <a:schemeClr val="bg2">
+              <a:tint val="95000"/>
+              <a:satMod val="200000"/>
+              <a:alpha val="30000"/>
+            </a:schemeClr>
+          </a:solidFill>
+          <a:ln w="9525" cap="flat" cmpd="sng" algn="ctr">
+            <a:noFill/>
+            <a:prstDash val="solid"/>
+            <a:round/>
+            <a:headEnd type="none" w="med" len="med"/>
+            <a:tailEnd type="none" w="med" len="med"/>
+          </a:ln>
+          <a:effectLst/>
+        </p:spPr>
+        <p:txBody>
+          <a:bodyPr vert="horz" wrap="square" lIns="91440" tIns="45720" rIns="91440" bIns="45720" anchor="t" compatLnSpc="1"/>
+          <a:lstStyle>
+            <a:extLst/>
+          </a:lstStyle>
+          <a:p>
+            <a:endParaRPr kumimoji="0" lang="en-US"/>
+          </a:p>
+        </p:txBody>
+      </p:sp>
+      <p:sp>
+        <p:nvSpPr>
+          <p:cNvPr id="18" name="17 Forma libre"/>
+          <p:cNvSpPr>
+            <a:spLocks/>
+          </p:cNvSpPr>
+          <p:nvPr/>
+        </p:nvSpPr>
+        <p:spPr bwMode="auto">
+          <a:xfrm>
+            <a:off x="5943600" y="0"/>
+            <a:ext cx="1371600" cy="4267200"/>
+          </a:xfrm>
+          <a:custGeom>
+            <a:avLst>
+              <a:gd name="A1" fmla="val 0"/>
+              <a:gd name="A2" fmla="val 0"/>
+              <a:gd name="A3" fmla="val 0"/>
+              <a:gd name="A4" fmla="val 0"/>
+              <a:gd name="A5" fmla="val 0"/>
+              <a:gd name="A6" fmla="val 0"/>
+              <a:gd name="A7" fmla="val 0"/>
+              <a:gd name="A8" fmla="val 0"/>
+            </a:avLst>
+            <a:gdLst/>
+            <a:ahLst/>
+            <a:cxnLst>
+              <a:cxn ang="0">
+                <a:pos x="864" y="0"/>
+              </a:cxn>
+              <a:cxn ang="0">
+                <a:pos x="0" y="2688"/>
+              </a:cxn>
+              <a:cxn ang="0">
+                <a:pos x="768" y="0"/>
+              </a:cxn>
+              <a:cxn ang="0">
+                <a:pos x="864" y="0"/>
+              </a:cxn>
+            </a:cxnLst>
+            <a:rect l="0" t="0" r="0" b="0"/>
+            <a:pathLst>
+              <a:path w="864" h="2688">
+                <a:moveTo>
+                  <a:pt x="864" y="0"/>
+                </a:moveTo>
+                <a:lnTo>
+                  <a:pt x="0" y="2688"/>
+                </a:lnTo>
+                <a:lnTo>
+                  <a:pt x="768" y="0"/>
+                </a:lnTo>
+                <a:lnTo>
+                  <a:pt x="864" y="0"/>
+                </a:lnTo>
+                <a:close/>
+              </a:path>
+            </a:pathLst>
+          </a:custGeom>
+          <a:solidFill>
+            <a:schemeClr val="bg2">
+              <a:tint val="95000"/>
+              <a:satMod val="200000"/>
+              <a:alpha val="30000"/>
+            </a:schemeClr>
+          </a:solidFill>
+          <a:ln w="9525" cap="flat" cmpd="sng" algn="ctr">
+            <a:noFill/>
+            <a:prstDash val="solid"/>
+            <a:round/>
+            <a:headEnd type="none" w="med" len="med"/>
+            <a:tailEnd type="none" w="med" len="med"/>
+          </a:ln>
+          <a:effectLst/>
+        </p:spPr>
+        <p:txBody>
+          <a:bodyPr vert="horz" wrap="square" lIns="91440" tIns="45720" rIns="91440" bIns="45720" anchor="t" compatLnSpc="1"/>
+          <a:lstStyle>
+            <a:extLst/>
+          </a:lstStyle>
+          <a:p>
+            <a:endParaRPr kumimoji="0" lang="en-US"/>
+          </a:p>
+        </p:txBody>
+      </p:sp>
+      <p:sp>
+        <p:nvSpPr>
+          <p:cNvPr id="19" name="18 Forma libre"/>
+          <p:cNvSpPr>
+            <a:spLocks/>
+          </p:cNvSpPr>
+          <p:nvPr/>
+        </p:nvSpPr>
+        <p:spPr bwMode="auto">
+          <a:xfrm>
+            <a:off x="5948363" y="4246563"/>
+            <a:ext cx="2090737" cy="2611437"/>
+          </a:xfrm>
+          <a:custGeom>
+            <a:avLst>
+              <a:gd name="A1" fmla="val 0"/>
+              <a:gd name="A2" fmla="val 0"/>
+              <a:gd name="A3" fmla="val 0"/>
+              <a:gd name="A4" fmla="val 0"/>
+              <a:gd name="A5" fmla="val 0"/>
+              <a:gd name="A6" fmla="val 0"/>
+              <a:gd name="A7" fmla="val 0"/>
+              <a:gd name="A8" fmla="val 0"/>
+            </a:avLst>
+            <a:gdLst/>
+            <a:ahLst/>
+            <a:cxnLst>
+              <a:cxn ang="0">
+                <a:pos x="1071" y="1645"/>
+              </a:cxn>
+              <a:cxn ang="0">
+                <a:pos x="1317" y="1645"/>
+              </a:cxn>
+              <a:cxn ang="0">
+                <a:pos x="0" y="0"/>
+              </a:cxn>
+              <a:cxn ang="0">
+                <a:pos x="1071" y="1645"/>
+              </a:cxn>
+            </a:cxnLst>
+            <a:rect l="0" t="0" r="0" b="0"/>
+            <a:pathLst>
+              <a:path w="1317" h="1645">
+                <a:moveTo>
+                  <a:pt x="1071" y="1645"/>
+                </a:moveTo>
+                <a:lnTo>
+                  <a:pt x="1317" y="1645"/>
+                </a:lnTo>
+                <a:lnTo>
+                  <a:pt x="0" y="0"/>
+                </a:lnTo>
+                <a:lnTo>
+                  <a:pt x="1071" y="1645"/>
+                </a:lnTo>
+                <a:close/>
+              </a:path>
+            </a:pathLst>
+          </a:custGeom>
+          <a:solidFill>
+            <a:schemeClr val="bg2">
+              <a:tint val="95000"/>
+              <a:satMod val="200000"/>
+              <a:alpha val="30000"/>
+            </a:schemeClr>
+          </a:solidFill>
+          <a:ln w="9525" cap="flat" cmpd="sng" algn="ctr">
+            <a:noFill/>
+            <a:prstDash val="solid"/>
+            <a:round/>
+            <a:headEnd type="none" w="med" len="med"/>
+            <a:tailEnd type="none" w="med" len="med"/>
+          </a:ln>
+          <a:effectLst/>
+        </p:spPr>
+        <p:txBody>
+          <a:bodyPr vert="horz" wrap="square" lIns="91440" tIns="45720" rIns="91440" bIns="45720" anchor="t" compatLnSpc="1"/>
+          <a:lstStyle>
+            <a:extLst/>
+          </a:lstStyle>
+          <a:p>
+            <a:endParaRPr kumimoji="0" lang="en-US"/>
+          </a:p>
+        </p:txBody>
+      </p:sp>
+      <p:sp>
+        <p:nvSpPr>
+          <p:cNvPr id="20" name="19 Forma libre"/>
+          <p:cNvSpPr>
+            <a:spLocks/>
+          </p:cNvSpPr>
+          <p:nvPr/>
+        </p:nvSpPr>
+        <p:spPr bwMode="auto">
+          <a:xfrm>
+            <a:off x="5943600" y="4267200"/>
+            <a:ext cx="1600200" cy="2590800"/>
+          </a:xfrm>
+          <a:custGeom>
+            <a:avLst>
+              <a:gd name="A1" fmla="val 0"/>
+              <a:gd name="A2" fmla="val 0"/>
+              <a:gd name="A3" fmla="val 0"/>
+              <a:gd name="A4" fmla="val 0"/>
+              <a:gd name="A5" fmla="val 0"/>
+              <a:gd name="A6" fmla="val 0"/>
+              <a:gd name="A7" fmla="val 0"/>
+              <a:gd name="A8" fmla="val 0"/>
+            </a:avLst>
+            <a:gdLst/>
+            <a:ahLst/>
+            <a:cxnLst>
+              <a:cxn ang="0">
+                <a:pos x="1008" y="1632"/>
+              </a:cxn>
+              <a:cxn ang="0">
+                <a:pos x="0" y="0"/>
+              </a:cxn>
+              <a:cxn ang="0">
+                <a:pos x="960" y="1632"/>
+              </a:cxn>
+              <a:cxn ang="0">
+                <a:pos x="1008" y="1632"/>
+              </a:cxn>
+            </a:cxnLst>
+            <a:rect l="0" t="0" r="0" b="0"/>
+            <a:pathLst>
+              <a:path w="1008" h="1632">
+                <a:moveTo>
+                  <a:pt x="1008" y="1632"/>
+                </a:moveTo>
+                <a:lnTo>
+                  <a:pt x="0" y="0"/>
+                </a:lnTo>
+                <a:lnTo>
+                  <a:pt x="960" y="1632"/>
+                </a:lnTo>
+                <a:lnTo>
+                  <a:pt x="1008" y="1632"/>
+                </a:lnTo>
+                <a:close/>
+              </a:path>
+            </a:pathLst>
+          </a:custGeom>
+          <a:solidFill>
+            <a:schemeClr val="bg2">
+              <a:tint val="95000"/>
+              <a:satMod val="200000"/>
+              <a:alpha val="30000"/>
+            </a:schemeClr>
+          </a:solidFill>
+          <a:ln w="9525" cap="flat" cmpd="sng" algn="ctr">
+            <a:noFill/>
+            <a:prstDash val="solid"/>
+            <a:round/>
+            <a:headEnd type="none" w="med" len="med"/>
+            <a:tailEnd type="none" w="med" len="med"/>
+          </a:ln>
+          <a:effectLst/>
+        </p:spPr>
+        <p:txBody>
+          <a:bodyPr vert="horz" wrap="square" lIns="91440" tIns="45720" rIns="91440" bIns="45720" anchor="t" compatLnSpc="1"/>
+          <a:lstStyle>
+            <a:extLst/>
+          </a:lstStyle>
+          <a:p>
+            <a:endParaRPr kumimoji="0" lang="en-US"/>
+          </a:p>
+        </p:txBody>
+      </p:sp>
+      <p:sp>
+        <p:nvSpPr>
+          <p:cNvPr id="21" name="20 Forma libre"/>
+          <p:cNvSpPr>
+            <a:spLocks/>
+          </p:cNvSpPr>
+          <p:nvPr/>
+        </p:nvSpPr>
+        <p:spPr bwMode="auto">
+          <a:xfrm>
+            <a:off x="5943600" y="1371600"/>
+            <a:ext cx="3200400" cy="2895600"/>
+          </a:xfrm>
+          <a:custGeom>
+            <a:avLst>
+              <a:gd name="A1" fmla="val 0"/>
+              <a:gd name="A2" fmla="val 0"/>
+              <a:gd name="A3" fmla="val 0"/>
+              <a:gd name="A4" fmla="val 0"/>
+              <a:gd name="A5" fmla="val 0"/>
+              <a:gd name="A6" fmla="val 0"/>
+              <a:gd name="A7" fmla="val 0"/>
+              <a:gd name="A8" fmla="val 0"/>
+            </a:avLst>
+            <a:gdLst/>
+            <a:ahLst/>
+            <a:cxnLst>
+              <a:cxn ang="0">
+                <a:pos x="2016" y="0"/>
+              </a:cxn>
+              <a:cxn ang="0">
+                <a:pos x="2016" y="144"/>
+              </a:cxn>
+              <a:cxn ang="0">
+                <a:pos x="0" y="1824"/>
+              </a:cxn>
+              <a:cxn ang="0">
+                <a:pos x="2016" y="0"/>
+              </a:cxn>
+            </a:cxnLst>
+            <a:rect l="0" t="0" r="0" b="0"/>
+            <a:pathLst>
+              <a:path w="2016" h="1824">
+                <a:moveTo>
+                  <a:pt x="2016" y="0"/>
+                </a:moveTo>
+                <a:lnTo>
+                  <a:pt x="2016" y="144"/>
+                </a:lnTo>
+                <a:lnTo>
+                  <a:pt x="0" y="1824"/>
+                </a:lnTo>
+                <a:lnTo>
+                  <a:pt x="2016" y="0"/>
+                </a:lnTo>
+                <a:close/>
+              </a:path>
+            </a:pathLst>
+          </a:custGeom>
+          <a:solidFill>
+            <a:schemeClr val="bg2">
+              <a:tint val="95000"/>
+              <a:satMod val="200000"/>
+              <a:alpha val="30000"/>
+            </a:schemeClr>
+          </a:solidFill>
+          <a:ln w="9525" cap="flat" cmpd="sng" algn="ctr">
+            <a:noFill/>
+            <a:prstDash val="solid"/>
+            <a:round/>
+            <a:headEnd type="none" w="med" len="med"/>
+            <a:tailEnd type="none" w="med" len="med"/>
+          </a:ln>
+          <a:effectLst/>
+        </p:spPr>
+        <p:txBody>
+          <a:bodyPr vert="horz" wrap="square" lIns="91440" tIns="45720" rIns="91440" bIns="45720" anchor="t" compatLnSpc="1"/>
+          <a:lstStyle>
+            <a:extLst/>
+          </a:lstStyle>
+          <a:p>
+            <a:endParaRPr kumimoji="0" lang="en-US"/>
+          </a:p>
+        </p:txBody>
+      </p:sp>
+      <p:sp>
+        <p:nvSpPr>
+          <p:cNvPr id="22" name="21 Forma libre"/>
+          <p:cNvSpPr>
+            <a:spLocks/>
+          </p:cNvSpPr>
+          <p:nvPr/>
+        </p:nvSpPr>
+        <p:spPr bwMode="auto">
+          <a:xfrm>
+            <a:off x="5943600" y="1752600"/>
+            <a:ext cx="3200400" cy="2514600"/>
+          </a:xfrm>
+          <a:custGeom>
+            <a:avLst>
+              <a:gd name="A1" fmla="val 0"/>
+              <a:gd name="A2" fmla="val 0"/>
+              <a:gd name="A3" fmla="val 0"/>
+              <a:gd name="A4" fmla="val 0"/>
+              <a:gd name="A5" fmla="val 0"/>
+              <a:gd name="A6" fmla="val 0"/>
+              <a:gd name="A7" fmla="val 0"/>
+              <a:gd name="A8" fmla="val 0"/>
+            </a:avLst>
+            <a:gdLst/>
+            <a:ahLst/>
+            <a:cxnLst>
+              <a:cxn ang="0">
+                <a:pos x="2016" y="0"/>
+              </a:cxn>
+              <a:cxn ang="0">
+                <a:pos x="0" y="1584"/>
+              </a:cxn>
+              <a:cxn ang="0">
+                <a:pos x="2016" y="48"/>
+              </a:cxn>
+              <a:cxn ang="0">
+                <a:pos x="2016" y="0"/>
+              </a:cxn>
+            </a:cxnLst>
+            <a:rect l="0" t="0" r="0" b="0"/>
+            <a:pathLst>
+              <a:path w="2016" h="1584">
+                <a:moveTo>
+                  <a:pt x="2016" y="0"/>
+                </a:moveTo>
+                <a:lnTo>
+                  <a:pt x="0" y="1584"/>
+                </a:lnTo>
+                <a:lnTo>
+                  <a:pt x="2016" y="48"/>
+                </a:lnTo>
+                <a:lnTo>
+                  <a:pt x="2016" y="0"/>
+                </a:lnTo>
+                <a:close/>
+              </a:path>
+            </a:pathLst>
+          </a:custGeom>
+          <a:solidFill>
+            <a:schemeClr val="bg2">
+              <a:tint val="95000"/>
+              <a:satMod val="200000"/>
+              <a:alpha val="30000"/>
+            </a:schemeClr>
+          </a:solidFill>
+          <a:ln w="9525" cap="flat" cmpd="sng" algn="ctr">
+            <a:noFill/>
+            <a:prstDash val="solid"/>
+            <a:round/>
+            <a:headEnd type="none" w="med" len="med"/>
+            <a:tailEnd type="none" w="med" len="med"/>
+          </a:ln>
+          <a:effectLst/>
+        </p:spPr>
+        <p:txBody>
+          <a:bodyPr vert="horz" wrap="square" lIns="91440" tIns="45720" rIns="91440" bIns="45720" anchor="t" compatLnSpc="1"/>
+          <a:lstStyle>
+            <a:extLst/>
+          </a:lstStyle>
+          <a:p>
+            <a:endParaRPr kumimoji="0" lang="en-US"/>
+          </a:p>
+        </p:txBody>
+      </p:sp>
+      <p:sp>
+        <p:nvSpPr>
+          <p:cNvPr id="23" name="22 Forma libre"/>
+          <p:cNvSpPr>
+            <a:spLocks/>
+          </p:cNvSpPr>
+          <p:nvPr/>
+        </p:nvSpPr>
+        <p:spPr bwMode="auto">
+          <a:xfrm>
+            <a:off x="990600" y="4267200"/>
+            <a:ext cx="4953000" cy="2590800"/>
+          </a:xfrm>
+          <a:custGeom>
+            <a:avLst>
+              <a:gd name="A1" fmla="val 0"/>
+              <a:gd name="A2" fmla="val 0"/>
+              <a:gd name="A3" fmla="val 0"/>
+              <a:gd name="A4" fmla="val 0"/>
+              <a:gd name="A5" fmla="val 0"/>
+              <a:gd name="A6" fmla="val 0"/>
+              <a:gd name="A7" fmla="val 0"/>
+              <a:gd name="A8" fmla="val 0"/>
+            </a:avLst>
+            <a:gdLst/>
+            <a:ahLst/>
+            <a:cxnLst>
+              <a:cxn ang="0">
+                <a:pos x="0" y="1632"/>
+              </a:cxn>
+              <a:cxn ang="0">
+                <a:pos x="3120" y="0"/>
+              </a:cxn>
+              <a:cxn ang="0">
+                <a:pos x="1056" y="1632"/>
+              </a:cxn>
+              <a:cxn ang="0">
+                <a:pos x="0" y="1632"/>
+              </a:cxn>
+            </a:cxnLst>
+            <a:rect l="0" t="0" r="0" b="0"/>
+            <a:pathLst>
+              <a:path w="3120" h="1632">
+                <a:moveTo>
+                  <a:pt x="0" y="1632"/>
+                </a:moveTo>
+                <a:lnTo>
+                  <a:pt x="3120" y="0"/>
+                </a:lnTo>
+                <a:lnTo>
+                  <a:pt x="1056" y="1632"/>
+                </a:lnTo>
+                <a:lnTo>
+                  <a:pt x="0" y="1632"/>
+                </a:lnTo>
+                <a:close/>
+              </a:path>
+            </a:pathLst>
+          </a:custGeom>
+          <a:solidFill>
+            <a:schemeClr val="bg2">
+              <a:tint val="95000"/>
+              <a:satMod val="200000"/>
+              <a:alpha val="30000"/>
+            </a:schemeClr>
+          </a:solidFill>
+          <a:ln w="9525" cap="flat" cmpd="sng" algn="ctr">
+            <a:noFill/>
+            <a:prstDash val="solid"/>
+            <a:round/>
+            <a:headEnd type="none" w="med" len="med"/>
+            <a:tailEnd type="none" w="med" len="med"/>
+          </a:ln>
+          <a:effectLst/>
+        </p:spPr>
+        <p:txBody>
+          <a:bodyPr vert="horz" wrap="square" lIns="91440" tIns="45720" rIns="91440" bIns="45720" anchor="t" compatLnSpc="1"/>
+          <a:lstStyle>
+            <a:extLst/>
+          </a:lstStyle>
+          <a:p>
+            <a:endParaRPr kumimoji="0" lang="en-US"/>
+          </a:p>
+        </p:txBody>
+      </p:sp>
+      <p:sp>
+        <p:nvSpPr>
+          <p:cNvPr id="24" name="23 Forma libre"/>
+          <p:cNvSpPr>
+            <a:spLocks/>
+          </p:cNvSpPr>
+          <p:nvPr/>
+        </p:nvSpPr>
+        <p:spPr bwMode="auto">
+          <a:xfrm>
+            <a:off x="533400" y="4267200"/>
+            <a:ext cx="5334000" cy="2590800"/>
+          </a:xfrm>
+          <a:custGeom>
+            <a:avLst>
+              <a:gd name="A1" fmla="val 0"/>
+              <a:gd name="A2" fmla="val 0"/>
+              <a:gd name="A3" fmla="val 0"/>
+              <a:gd name="A4" fmla="val 0"/>
+              <a:gd name="A5" fmla="val 0"/>
+              <a:gd name="A6" fmla="val 0"/>
+              <a:gd name="A7" fmla="val 0"/>
+              <a:gd name="A8" fmla="val 0"/>
+            </a:avLst>
+            <a:gdLst/>
+            <a:ahLst/>
+            <a:cxnLst>
+              <a:cxn ang="0">
+                <a:pos x="0" y="1632"/>
+              </a:cxn>
+              <a:cxn ang="0">
+                <a:pos x="3360" y="0"/>
+              </a:cxn>
+              <a:cxn ang="0">
+                <a:pos x="144" y="1632"/>
+              </a:cxn>
+              <a:cxn ang="0">
+                <a:pos x="0" y="1632"/>
+              </a:cxn>
+            </a:cxnLst>
+            <a:rect l="0" t="0" r="0" b="0"/>
+            <a:pathLst>
+              <a:path w="3360" h="1632">
+                <a:moveTo>
+                  <a:pt x="0" y="1632"/>
+                </a:moveTo>
+                <a:lnTo>
+                  <a:pt x="3360" y="0"/>
+                </a:lnTo>
+                <a:lnTo>
+                  <a:pt x="144" y="1632"/>
+                </a:lnTo>
+                <a:lnTo>
+                  <a:pt x="0" y="1632"/>
+                </a:lnTo>
+                <a:close/>
+              </a:path>
+            </a:pathLst>
+          </a:custGeom>
+          <a:solidFill>
+            <a:schemeClr val="bg2">
+              <a:tint val="95000"/>
+              <a:satMod val="200000"/>
+              <a:alpha val="30000"/>
+            </a:schemeClr>
+          </a:solidFill>
+          <a:ln w="9525" cap="flat" cmpd="sng" algn="ctr">
+            <a:noFill/>
+            <a:prstDash val="solid"/>
+            <a:round/>
+            <a:headEnd type="none" w="med" len="med"/>
+            <a:tailEnd type="none" w="med" len="med"/>
+          </a:ln>
+          <a:effectLst/>
+        </p:spPr>
+        <p:txBody>
+          <a:bodyPr vert="horz" wrap="square" lIns="91440" tIns="45720" rIns="91440" bIns="45720" anchor="t" compatLnSpc="1"/>
+          <a:lstStyle>
+            <a:extLst/>
+          </a:lstStyle>
+          <a:p>
+            <a:endParaRPr kumimoji="0" lang="en-US"/>
+          </a:p>
+        </p:txBody>
+      </p:sp>
+      <p:sp>
+        <p:nvSpPr>
+          <p:cNvPr id="25" name="24 Forma libre"/>
+          <p:cNvSpPr>
+            <a:spLocks/>
+          </p:cNvSpPr>
+          <p:nvPr/>
+        </p:nvSpPr>
+        <p:spPr bwMode="auto">
+          <a:xfrm>
+            <a:off x="366824" y="2438400"/>
+            <a:ext cx="5638800" cy="1828800"/>
+          </a:xfrm>
+          <a:custGeom>
+            <a:avLst>
+              <a:gd name="A1" fmla="val 0"/>
+              <a:gd name="A2" fmla="val 0"/>
+              <a:gd name="A3" fmla="val 0"/>
+              <a:gd name="A4" fmla="val 0"/>
+              <a:gd name="A5" fmla="val 0"/>
+              <a:gd name="A6" fmla="val 0"/>
+              <a:gd name="A7" fmla="val 0"/>
+              <a:gd name="A8" fmla="val 0"/>
+            </a:avLst>
+            <a:gdLst/>
+            <a:ahLst/>
+            <a:cxnLst>
+              <a:cxn ang="0">
+                <a:pos x="0" y="0"/>
+              </a:cxn>
+              <a:cxn ang="0">
+                <a:pos x="3552" y="1152"/>
+              </a:cxn>
+              <a:cxn ang="0">
+                <a:pos x="0" y="384"/>
+              </a:cxn>
+              <a:cxn ang="0">
+                <a:pos x="0" y="0"/>
+              </a:cxn>
+            </a:cxnLst>
+            <a:rect l="0" t="0" r="0" b="0"/>
+            <a:pathLst>
+              <a:path w="3552" h="1152">
+                <a:moveTo>
+                  <a:pt x="0" y="0"/>
+                </a:moveTo>
+                <a:lnTo>
+                  <a:pt x="3504" y="1152"/>
+                </a:lnTo>
+                <a:lnTo>
+                  <a:pt x="0" y="384"/>
+                </a:lnTo>
+                <a:lnTo>
+                  <a:pt x="0" y="0"/>
+                </a:lnTo>
+                <a:close/>
+              </a:path>
+            </a:pathLst>
+          </a:custGeom>
+          <a:solidFill>
+            <a:schemeClr val="bg2">
+              <a:tint val="95000"/>
+              <a:satMod val="200000"/>
+              <a:alpha val="30000"/>
+            </a:schemeClr>
+          </a:solidFill>
+          <a:ln w="9525" cap="flat" cmpd="sng" algn="ctr">
+            <a:noFill/>
+            <a:prstDash val="solid"/>
+            <a:round/>
+            <a:headEnd type="none" w="med" len="med"/>
+            <a:tailEnd type="none" w="med" len="med"/>
+          </a:ln>
+          <a:effectLst/>
+        </p:spPr>
+        <p:txBody>
+          <a:bodyPr vert="horz" wrap="square" lIns="91440" tIns="45720" rIns="91440" bIns="45720" anchor="t" compatLnSpc="1"/>
+          <a:lstStyle>
+            <a:extLst/>
+          </a:lstStyle>
+          <a:p>
+            <a:endParaRPr kumimoji="0" lang="en-US"/>
+          </a:p>
+        </p:txBody>
+      </p:sp>
+      <p:sp>
+        <p:nvSpPr>
+          <p:cNvPr id="26" name="25 Forma libre"/>
+          <p:cNvSpPr>
+            <a:spLocks/>
+          </p:cNvSpPr>
+          <p:nvPr/>
+        </p:nvSpPr>
+        <p:spPr bwMode="auto">
+          <a:xfrm>
+            <a:off x="366824" y="2133600"/>
+            <a:ext cx="5638800" cy="2133600"/>
+          </a:xfrm>
+          <a:custGeom>
+            <a:avLst>
+              <a:gd name="A1" fmla="val 0"/>
+              <a:gd name="A2" fmla="val 0"/>
+              <a:gd name="A3" fmla="val 0"/>
+              <a:gd name="A4" fmla="val 0"/>
+              <a:gd name="A5" fmla="val 0"/>
+              <a:gd name="A6" fmla="val 0"/>
+              <a:gd name="A7" fmla="val 0"/>
+              <a:gd name="A8" fmla="val 0"/>
+            </a:avLst>
+            <a:gdLst/>
+            <a:ahLst/>
+            <a:cxnLst>
+              <a:cxn ang="0">
+                <a:pos x="0" y="0"/>
+              </a:cxn>
+              <a:cxn ang="0">
+                <a:pos x="3552" y="1344"/>
+              </a:cxn>
+              <a:cxn ang="0">
+                <a:pos x="0" y="48"/>
+              </a:cxn>
+              <a:cxn ang="0">
+                <a:pos x="0" y="0"/>
+              </a:cxn>
+            </a:cxnLst>
+            <a:rect l="0" t="0" r="0" b="0"/>
+            <a:pathLst>
+              <a:path w="3552" h="1344">
+                <a:moveTo>
+                  <a:pt x="0" y="0"/>
+                </a:moveTo>
+                <a:lnTo>
+                  <a:pt x="3552" y="1344"/>
+                </a:lnTo>
+                <a:lnTo>
+                  <a:pt x="0" y="48"/>
+                </a:lnTo>
+                <a:lnTo>
+                  <a:pt x="0" y="0"/>
+                </a:lnTo>
+                <a:close/>
+              </a:path>
+            </a:pathLst>
+          </a:custGeom>
+          <a:solidFill>
+            <a:schemeClr val="bg2">
+              <a:tint val="95000"/>
+              <a:satMod val="200000"/>
+              <a:alpha val="30000"/>
+            </a:schemeClr>
+          </a:solidFill>
+          <a:ln w="9525" cap="flat" cmpd="sng" algn="ctr">
+            <a:noFill/>
+            <a:prstDash val="solid"/>
+            <a:round/>
+            <a:headEnd type="none" w="med" len="med"/>
+            <a:tailEnd type="none" w="med" len="med"/>
+          </a:ln>
+          <a:effectLst/>
+        </p:spPr>
+        <p:txBody>
+          <a:bodyPr vert="horz" wrap="square" lIns="91440" tIns="45720" rIns="91440" bIns="45720" anchor="t" compatLnSpc="1"/>
+          <a:lstStyle>
+            <a:extLst/>
+          </a:lstStyle>
+          <a:p>
+            <a:endParaRPr kumimoji="0" lang="en-US"/>
+          </a:p>
+        </p:txBody>
+      </p:sp>
+      <p:sp>
+        <p:nvSpPr>
+          <p:cNvPr id="27" name="26 Forma libre"/>
+          <p:cNvSpPr>
+            <a:spLocks/>
+          </p:cNvSpPr>
+          <p:nvPr/>
+        </p:nvSpPr>
+        <p:spPr bwMode="auto">
+          <a:xfrm>
+            <a:off x="4572000" y="4267200"/>
+            <a:ext cx="1371600" cy="2590800"/>
+          </a:xfrm>
+          <a:custGeom>
+            <a:avLst>
+              <a:gd name="A1" fmla="val 0"/>
+              <a:gd name="A2" fmla="val 0"/>
+              <a:gd name="A3" fmla="val 0"/>
+              <a:gd name="A4" fmla="val 0"/>
+              <a:gd name="A5" fmla="val 0"/>
+              <a:gd name="A6" fmla="val 0"/>
+              <a:gd name="A7" fmla="val 0"/>
+              <a:gd name="A8" fmla="val 0"/>
+            </a:avLst>
+            <a:gdLst/>
+            <a:ahLst/>
+            <a:cxnLst>
+              <a:cxn ang="0">
+                <a:pos x="0" y="1632"/>
+              </a:cxn>
+              <a:cxn ang="0">
+                <a:pos x="96" y="1632"/>
+              </a:cxn>
+              <a:cxn ang="0">
+                <a:pos x="864" y="0"/>
+              </a:cxn>
+              <a:cxn ang="0">
+                <a:pos x="0" y="1632"/>
+              </a:cxn>
+            </a:cxnLst>
+            <a:rect l="0" t="0" r="0" b="0"/>
+            <a:pathLst>
+              <a:path w="864" h="1632">
+                <a:moveTo>
+                  <a:pt x="0" y="1632"/>
+                </a:moveTo>
+                <a:lnTo>
+                  <a:pt x="96" y="1632"/>
+                </a:lnTo>
+                <a:lnTo>
+                  <a:pt x="864" y="0"/>
+                </a:lnTo>
+                <a:lnTo>
+                  <a:pt x="0" y="1632"/>
+                </a:lnTo>
+                <a:close/>
+              </a:path>
+            </a:pathLst>
+          </a:custGeom>
+          <a:solidFill>
+            <a:schemeClr val="bg2">
+              <a:tint val="95000"/>
+              <a:satMod val="180000"/>
+              <a:alpha val="30000"/>
+            </a:schemeClr>
+          </a:solidFill>
+          <a:ln w="9525" cap="flat" cmpd="sng" algn="ctr">
+            <a:noFill/>
+            <a:prstDash val="solid"/>
+            <a:round/>
+            <a:headEnd type="none" w="med" len="med"/>
+            <a:tailEnd type="none" w="med" len="med"/>
+          </a:ln>
+          <a:effectLst/>
+        </p:spPr>
+        <p:txBody>
+          <a:bodyPr vert="horz" wrap="square" lIns="91440" tIns="45720" rIns="91440" bIns="45720" anchor="t" compatLnSpc="1"/>
+          <a:lstStyle>
+            <a:extLst/>
+          </a:lstStyle>
+          <a:p>
+            <a:endParaRPr kumimoji="0" lang="en-US"/>
           </a:p>
         </p:txBody>
       </p:sp>
@@ -931,14 +2637,14 @@
         </p:nvSpPr>
         <p:spPr>
           <a:xfrm>
-            <a:off x="722313" y="2906713"/>
-            <a:ext cx="7772400" cy="1500187"/>
-          </a:xfrm>
-        </p:spPr>
-        <p:txBody>
-          <a:bodyPr anchor="b"/>
-          <a:lstStyle>
-            <a:lvl1pPr marL="0" indent="0">
+            <a:off x="706902" y="1351672"/>
+            <a:ext cx="5718048" cy="977486"/>
+          </a:xfrm>
+        </p:spPr>
+        <p:txBody>
+          <a:bodyPr lIns="82296" tIns="45720" bIns="0" anchor="t"/>
+          <a:lstStyle>
+            <a:lvl1pPr marL="54864" indent="0">
               <a:buNone/>
               <a:defRPr sz="2000">
                 <a:solidFill>
@@ -948,7 +2654,7 @@
                 </a:solidFill>
               </a:defRPr>
             </a:lvl1pPr>
-            <a:lvl2pPr marL="457200" indent="0">
+            <a:lvl2pPr>
               <a:buNone/>
               <a:defRPr sz="1800">
                 <a:solidFill>
@@ -958,7 +2664,7 @@
                 </a:solidFill>
               </a:defRPr>
             </a:lvl2pPr>
-            <a:lvl3pPr marL="914400" indent="0">
+            <a:lvl3pPr>
               <a:buNone/>
               <a:defRPr sz="1600">
                 <a:solidFill>
@@ -968,7 +2674,7 @@
                 </a:solidFill>
               </a:defRPr>
             </a:lvl3pPr>
-            <a:lvl4pPr marL="1371600" indent="0">
+            <a:lvl4pPr>
               <a:buNone/>
               <a:defRPr sz="1400">
                 <a:solidFill>
@@ -978,7 +2684,7 @@
                 </a:solidFill>
               </a:defRPr>
             </a:lvl4pPr>
-            <a:lvl5pPr marL="1828800" indent="0">
+            <a:lvl5pPr>
               <a:buNone/>
               <a:defRPr sz="1400">
                 <a:solidFill>
@@ -988,51 +2694,12 @@
                 </a:solidFill>
               </a:defRPr>
             </a:lvl5pPr>
-            <a:lvl6pPr marL="2286000" indent="0">
-              <a:buNone/>
-              <a:defRPr sz="1400">
-                <a:solidFill>
-                  <a:schemeClr val="tx1">
-                    <a:tint val="75000"/>
-                  </a:schemeClr>
-                </a:solidFill>
-              </a:defRPr>
-            </a:lvl6pPr>
-            <a:lvl7pPr marL="2743200" indent="0">
-              <a:buNone/>
-              <a:defRPr sz="1400">
-                <a:solidFill>
-                  <a:schemeClr val="tx1">
-                    <a:tint val="75000"/>
-                  </a:schemeClr>
-                </a:solidFill>
-              </a:defRPr>
-            </a:lvl7pPr>
-            <a:lvl8pPr marL="3200400" indent="0">
-              <a:buNone/>
-              <a:defRPr sz="1400">
-                <a:solidFill>
-                  <a:schemeClr val="tx1">
-                    <a:tint val="75000"/>
-                  </a:schemeClr>
-                </a:solidFill>
-              </a:defRPr>
-            </a:lvl8pPr>
-            <a:lvl9pPr marL="3657600" indent="0">
-              <a:buNone/>
-              <a:defRPr sz="1400">
-                <a:solidFill>
-                  <a:schemeClr val="tx1">
-                    <a:tint val="75000"/>
-                  </a:schemeClr>
-                </a:solidFill>
-              </a:defRPr>
-            </a:lvl9pPr>
-          </a:lstStyle>
-          <a:p>
-            <a:pPr lvl="0"/>
-            <a:r>
-              <a:rPr lang="es-ES" smtClean="0"/>
+            <a:extLst/>
+          </a:lstStyle>
+          <a:p>
+            <a:pPr lvl="0" eaLnBrk="1" latinLnBrk="0" hangingPunct="1"/>
+            <a:r>
+              <a:rPr kumimoji="0" lang="es-ES" smtClean="0"/>
               <a:t>Haga clic para modificar el estilo de texto del patrón</a:t>
             </a:r>
           </a:p>
@@ -1051,12 +2718,14 @@
         <p:spPr/>
         <p:txBody>
           <a:bodyPr/>
-          <a:lstStyle/>
+          <a:lstStyle>
+            <a:extLst/>
+          </a:lstStyle>
           <a:p>
             <a:fld id="{A1ADFC2C-B67E-4D32-A492-8D7D1ED6CD5F}" type="datetimeFigureOut">
               <a:rPr lang="es-ES" smtClean="0"/>
               <a:pPr/>
-              <a:t>07/05/2024</a:t>
+              <a:t>08/05/2024</a:t>
             </a:fld>
             <a:endParaRPr lang="es-ES"/>
           </a:p>
@@ -1075,7 +2744,9 @@
         <p:spPr/>
         <p:txBody>
           <a:bodyPr/>
-          <a:lstStyle/>
+          <a:lstStyle>
+            <a:extLst/>
+          </a:lstStyle>
           <a:p>
             <a:endParaRPr lang="es-ES"/>
           </a:p>
@@ -1094,7 +2765,9 @@
         <p:spPr/>
         <p:txBody>
           <a:bodyPr/>
-          <a:lstStyle/>
+          <a:lstStyle>
+            <a:extLst/>
+          </a:lstStyle>
           <a:p>
             <a:fld id="{2F400C75-B74F-4F90-9B92-CEC5EF3B6A5E}" type="slidenum">
               <a:rPr lang="es-ES" smtClean="0"/>
@@ -1102,6 +2775,332 @@
               <a:t>‹Nº›</a:t>
             </a:fld>
             <a:endParaRPr lang="es-ES"/>
+          </a:p>
+        </p:txBody>
+      </p:sp>
+      <p:sp>
+        <p:nvSpPr>
+          <p:cNvPr id="7" name="6 Rectángulo"/>
+          <p:cNvSpPr/>
+          <p:nvPr/>
+        </p:nvSpPr>
+        <p:spPr>
+          <a:xfrm>
+            <a:off x="363160" y="402264"/>
+            <a:ext cx="8503920" cy="886265"/>
+          </a:xfrm>
+          <a:prstGeom prst="rect">
+            <a:avLst/>
+          </a:prstGeom>
+          <a:solidFill>
+            <a:schemeClr val="bg2">
+              <a:tint val="95000"/>
+              <a:satMod val="180000"/>
+              <a:alpha val="40000"/>
+            </a:schemeClr>
+          </a:solidFill>
+          <a:ln w="50800" cap="rnd" cmpd="dbl" algn="ctr">
+            <a:noFill/>
+            <a:prstDash val="solid"/>
+          </a:ln>
+          <a:effectLst/>
+        </p:spPr>
+        <p:style>
+          <a:lnRef idx="3">
+            <a:schemeClr val="lt1"/>
+          </a:lnRef>
+          <a:fillRef idx="1">
+            <a:schemeClr val="accent1"/>
+          </a:fillRef>
+          <a:effectRef idx="1">
+            <a:schemeClr val="accent1"/>
+          </a:effectRef>
+          <a:fontRef idx="minor">
+            <a:schemeClr val="lt1"/>
+          </a:fontRef>
+        </p:style>
+        <p:txBody>
+          <a:bodyPr anchor="ctr"/>
+          <a:lstStyle>
+            <a:extLst/>
+          </a:lstStyle>
+          <a:p>
+            <a:pPr algn="ctr" eaLnBrk="1" latinLnBrk="0" hangingPunct="1"/>
+            <a:endParaRPr kumimoji="0" lang="en-US"/>
+          </a:p>
+        </p:txBody>
+      </p:sp>
+      <p:sp>
+        <p:nvSpPr>
+          <p:cNvPr id="2" name="1 Título"/>
+          <p:cNvSpPr>
+            <a:spLocks noGrp="1"/>
+          </p:cNvSpPr>
+          <p:nvPr>
+            <p:ph type="title"/>
+          </p:nvPr>
+        </p:nvSpPr>
+        <p:spPr>
+          <a:xfrm>
+            <a:off x="706902" y="512064"/>
+            <a:ext cx="8156448" cy="777240"/>
+          </a:xfrm>
+        </p:spPr>
+        <p:txBody>
+          <a:bodyPr tIns="64008"/>
+          <a:lstStyle>
+            <a:lvl1pPr algn="l">
+              <a:buNone/>
+              <a:defRPr sz="3800" b="0" cap="none" spc="-150" baseline="0"/>
+            </a:lvl1pPr>
+            <a:extLst/>
+          </a:lstStyle>
+          <a:p>
+            <a:r>
+              <a:rPr kumimoji="0" lang="es-ES" smtClean="0"/>
+              <a:t>Haga clic para modificar el estilo de título del patrón</a:t>
+            </a:r>
+            <a:endParaRPr kumimoji="0" lang="en-US"/>
+          </a:p>
+        </p:txBody>
+      </p:sp>
+      <p:sp>
+        <p:nvSpPr>
+          <p:cNvPr id="8" name="7 Rectángulo"/>
+          <p:cNvSpPr/>
+          <p:nvPr/>
+        </p:nvSpPr>
+        <p:spPr>
+          <a:xfrm flipH="1">
+            <a:off x="371538" y="680477"/>
+            <a:ext cx="27432" cy="365760"/>
+          </a:xfrm>
+          <a:prstGeom prst="rect">
+            <a:avLst/>
+          </a:prstGeom>
+          <a:solidFill>
+            <a:srgbClr val="000000"/>
+          </a:solidFill>
+          <a:ln w="50800" cap="rnd" cmpd="thickThin" algn="ctr">
+            <a:noFill/>
+            <a:prstDash val="solid"/>
+          </a:ln>
+          <a:effectLst/>
+        </p:spPr>
+        <p:style>
+          <a:lnRef idx="3">
+            <a:schemeClr val="lt1"/>
+          </a:lnRef>
+          <a:fillRef idx="1">
+            <a:schemeClr val="accent1"/>
+          </a:fillRef>
+          <a:effectRef idx="1">
+            <a:schemeClr val="accent1"/>
+          </a:effectRef>
+          <a:fontRef idx="minor">
+            <a:schemeClr val="lt1"/>
+          </a:fontRef>
+        </p:style>
+        <p:txBody>
+          <a:bodyPr anchor="ctr"/>
+          <a:lstStyle>
+            <a:extLst/>
+          </a:lstStyle>
+          <a:p>
+            <a:pPr algn="ctr" eaLnBrk="1" latinLnBrk="0" hangingPunct="1"/>
+            <a:endParaRPr kumimoji="0" lang="en-US" dirty="0"/>
+          </a:p>
+        </p:txBody>
+      </p:sp>
+      <p:sp>
+        <p:nvSpPr>
+          <p:cNvPr id="9" name="8 Rectángulo"/>
+          <p:cNvSpPr/>
+          <p:nvPr/>
+        </p:nvSpPr>
+        <p:spPr>
+          <a:xfrm flipH="1">
+            <a:off x="411109" y="680477"/>
+            <a:ext cx="27432" cy="365760"/>
+          </a:xfrm>
+          <a:prstGeom prst="rect">
+            <a:avLst/>
+          </a:prstGeom>
+          <a:solidFill>
+            <a:srgbClr val="000000"/>
+          </a:solidFill>
+          <a:ln w="50800" cap="rnd" cmpd="thickThin" algn="ctr">
+            <a:noFill/>
+            <a:prstDash val="solid"/>
+          </a:ln>
+          <a:effectLst/>
+        </p:spPr>
+        <p:style>
+          <a:lnRef idx="3">
+            <a:schemeClr val="lt1"/>
+          </a:lnRef>
+          <a:fillRef idx="1">
+            <a:schemeClr val="accent1"/>
+          </a:fillRef>
+          <a:effectRef idx="1">
+            <a:schemeClr val="accent1"/>
+          </a:effectRef>
+          <a:fontRef idx="minor">
+            <a:schemeClr val="lt1"/>
+          </a:fontRef>
+        </p:style>
+        <p:txBody>
+          <a:bodyPr anchor="ctr"/>
+          <a:lstStyle>
+            <a:extLst/>
+          </a:lstStyle>
+          <a:p>
+            <a:pPr algn="ctr" eaLnBrk="1" latinLnBrk="0" hangingPunct="1"/>
+            <a:endParaRPr kumimoji="0" lang="en-US" dirty="0"/>
+          </a:p>
+        </p:txBody>
+      </p:sp>
+      <p:sp>
+        <p:nvSpPr>
+          <p:cNvPr id="10" name="9 Rectángulo"/>
+          <p:cNvSpPr/>
+          <p:nvPr/>
+        </p:nvSpPr>
+        <p:spPr>
+          <a:xfrm flipH="1">
+            <a:off x="448450" y="680477"/>
+            <a:ext cx="9144" cy="365760"/>
+          </a:xfrm>
+          <a:prstGeom prst="rect">
+            <a:avLst/>
+          </a:prstGeom>
+          <a:solidFill>
+            <a:srgbClr val="000000"/>
+          </a:solidFill>
+          <a:ln w="50800" cap="rnd" cmpd="thickThin" algn="ctr">
+            <a:noFill/>
+            <a:prstDash val="solid"/>
+          </a:ln>
+          <a:effectLst/>
+        </p:spPr>
+        <p:style>
+          <a:lnRef idx="3">
+            <a:schemeClr val="lt1"/>
+          </a:lnRef>
+          <a:fillRef idx="1">
+            <a:schemeClr val="accent1"/>
+          </a:fillRef>
+          <a:effectRef idx="1">
+            <a:schemeClr val="accent1"/>
+          </a:effectRef>
+          <a:fontRef idx="minor">
+            <a:schemeClr val="lt1"/>
+          </a:fontRef>
+        </p:style>
+        <p:txBody>
+          <a:bodyPr anchor="ctr"/>
+          <a:lstStyle>
+            <a:extLst/>
+          </a:lstStyle>
+          <a:p>
+            <a:pPr algn="ctr" eaLnBrk="1" latinLnBrk="0" hangingPunct="1"/>
+            <a:endParaRPr kumimoji="0" lang="en-US"/>
+          </a:p>
+        </p:txBody>
+      </p:sp>
+      <p:sp>
+        <p:nvSpPr>
+          <p:cNvPr id="11" name="10 Rectángulo"/>
+          <p:cNvSpPr/>
+          <p:nvPr/>
+        </p:nvSpPr>
+        <p:spPr>
+          <a:xfrm flipH="1">
+            <a:off x="476702" y="680477"/>
+            <a:ext cx="9144" cy="365760"/>
+          </a:xfrm>
+          <a:prstGeom prst="rect">
+            <a:avLst/>
+          </a:prstGeom>
+          <a:solidFill>
+            <a:srgbClr val="000000"/>
+          </a:solidFill>
+          <a:ln w="50800" cap="rnd" cmpd="thickThin" algn="ctr">
+            <a:noFill/>
+            <a:prstDash val="solid"/>
+          </a:ln>
+          <a:effectLst/>
+        </p:spPr>
+        <p:style>
+          <a:lnRef idx="3">
+            <a:schemeClr val="lt1"/>
+          </a:lnRef>
+          <a:fillRef idx="1">
+            <a:schemeClr val="accent1"/>
+          </a:fillRef>
+          <a:effectRef idx="1">
+            <a:schemeClr val="accent1"/>
+          </a:effectRef>
+          <a:fontRef idx="minor">
+            <a:schemeClr val="lt1"/>
+          </a:fontRef>
+        </p:style>
+        <p:txBody>
+          <a:bodyPr anchor="ctr"/>
+          <a:lstStyle>
+            <a:extLst/>
+          </a:lstStyle>
+          <a:p>
+            <a:pPr algn="ctr" eaLnBrk="1" latinLnBrk="0" hangingPunct="1"/>
+            <a:endParaRPr kumimoji="0" lang="en-US" dirty="0"/>
+          </a:p>
+        </p:txBody>
+      </p:sp>
+      <p:sp>
+        <p:nvSpPr>
+          <p:cNvPr id="12" name="11 Rectángulo"/>
+          <p:cNvSpPr/>
+          <p:nvPr/>
+        </p:nvSpPr>
+        <p:spPr>
+          <a:xfrm>
+            <a:off x="500478" y="680477"/>
+            <a:ext cx="36576" cy="365760"/>
+          </a:xfrm>
+          <a:prstGeom prst="rect">
+            <a:avLst/>
+          </a:prstGeom>
+          <a:solidFill>
+            <a:srgbClr val="000000"/>
+          </a:solidFill>
+          <a:ln w="50800" cap="rnd" cmpd="thickThin" algn="ctr">
+            <a:noFill/>
+            <a:prstDash val="solid"/>
+          </a:ln>
+          <a:effectLst/>
+        </p:spPr>
+        <p:style>
+          <a:lnRef idx="3">
+            <a:schemeClr val="lt1"/>
+          </a:lnRef>
+          <a:fillRef idx="1">
+            <a:schemeClr val="accent1"/>
+          </a:fillRef>
+          <a:effectRef idx="1">
+            <a:schemeClr val="accent1"/>
+          </a:effectRef>
+          <a:fontRef idx="minor">
+            <a:schemeClr val="lt1"/>
+          </a:fontRef>
+        </p:style>
+        <p:txBody>
+          <a:bodyPr anchor="ctr"/>
+          <a:lstStyle>
+            <a:extLst/>
+          </a:lstStyle>
+          <a:p>
+            <a:pPr algn="ctr" eaLnBrk="1" latinLnBrk="0" hangingPunct="1"/>
+            <a:endParaRPr kumimoji="0" lang="en-US" dirty="0"/>
           </a:p>
         </p:txBody>
       </p:sp>
@@ -1114,7 +3113,7 @@
 </file>
 
 <file path=ppt/slideLayouts/slideLayout4.xml><?xml version="1.0" encoding="utf-8"?>
-<p:sldLayout xmlns:a="http://schemas.openxmlformats.org/drawingml/2006/main" xmlns:r="http://schemas.openxmlformats.org/officeDocument/2006/relationships" xmlns:p="http://schemas.openxmlformats.org/presentationml/2006/main" type="twoObj" preserve="1">
+<p:sldLayout xmlns:a="http://schemas.openxmlformats.org/drawingml/2006/main" xmlns:r="http://schemas.openxmlformats.org/officeDocument/2006/relationships" xmlns:p="http://schemas.openxmlformats.org/presentationml/2006/main" showMasterSp="0" type="twoObj" preserve="1">
   <p:cSld name="Dos objetos">
     <p:spTree>
       <p:nvGrpSpPr>
@@ -1140,16 +3139,23 @@
             <p:ph type="title"/>
           </p:nvPr>
         </p:nvSpPr>
-        <p:spPr/>
+        <p:spPr>
+          <a:xfrm>
+            <a:off x="457200" y="512064"/>
+            <a:ext cx="8229600" cy="914400"/>
+          </a:xfrm>
+        </p:spPr>
         <p:txBody>
           <a:bodyPr/>
-          <a:lstStyle/>
-          <a:p>
-            <a:r>
-              <a:rPr lang="es-ES" smtClean="0"/>
+          <a:lstStyle>
+            <a:extLst/>
+          </a:lstStyle>
+          <a:p>
+            <a:r>
+              <a:rPr kumimoji="0" lang="es-ES" smtClean="0"/>
               <a:t>Haga clic para modificar el estilo de título del patrón</a:t>
             </a:r>
-            <a:endParaRPr lang="es-ES"/>
+            <a:endParaRPr kumimoji="0" lang="en-US"/>
           </a:p>
         </p:txBody>
       </p:sp>
@@ -1165,7 +3171,7 @@
         </p:nvSpPr>
         <p:spPr>
           <a:xfrm>
-            <a:off x="457200" y="1600200"/>
+            <a:off x="464344" y="1770501"/>
             <a:ext cx="4038600" cy="4525963"/>
           </a:xfrm>
         </p:spPr>
@@ -1187,54 +3193,43 @@
             <a:lvl5pPr>
               <a:defRPr sz="1800"/>
             </a:lvl5pPr>
-            <a:lvl6pPr>
-              <a:defRPr sz="1800"/>
-            </a:lvl6pPr>
-            <a:lvl7pPr>
-              <a:defRPr sz="1800"/>
-            </a:lvl7pPr>
-            <a:lvl8pPr>
-              <a:defRPr sz="1800"/>
-            </a:lvl8pPr>
-            <a:lvl9pPr>
-              <a:defRPr sz="1800"/>
-            </a:lvl9pPr>
-          </a:lstStyle>
-          <a:p>
-            <a:pPr lvl="0"/>
+            <a:extLst/>
+          </a:lstStyle>
+          <a:p>
+            <a:pPr lvl="0" eaLnBrk="1" latinLnBrk="0" hangingPunct="1"/>
             <a:r>
               <a:rPr lang="es-ES" smtClean="0"/>
               <a:t>Haga clic para modificar el estilo de texto del patrón</a:t>
             </a:r>
           </a:p>
           <a:p>
-            <a:pPr lvl="1"/>
+            <a:pPr lvl="1" eaLnBrk="1" latinLnBrk="0" hangingPunct="1"/>
             <a:r>
               <a:rPr lang="es-ES" smtClean="0"/>
               <a:t>Segundo nivel</a:t>
             </a:r>
           </a:p>
           <a:p>
-            <a:pPr lvl="2"/>
+            <a:pPr lvl="2" eaLnBrk="1" latinLnBrk="0" hangingPunct="1"/>
             <a:r>
               <a:rPr lang="es-ES" smtClean="0"/>
               <a:t>Tercer nivel</a:t>
             </a:r>
           </a:p>
           <a:p>
-            <a:pPr lvl="3"/>
+            <a:pPr lvl="3" eaLnBrk="1" latinLnBrk="0" hangingPunct="1"/>
             <a:r>
               <a:rPr lang="es-ES" smtClean="0"/>
               <a:t>Cuarto nivel</a:t>
             </a:r>
           </a:p>
           <a:p>
-            <a:pPr lvl="4"/>
+            <a:pPr lvl="4" eaLnBrk="1" latinLnBrk="0" hangingPunct="1"/>
             <a:r>
               <a:rPr lang="es-ES" smtClean="0"/>
               <a:t>Quinto nivel</a:t>
             </a:r>
-            <a:endParaRPr lang="es-ES"/>
+            <a:endParaRPr kumimoji="0" lang="en-US"/>
           </a:p>
         </p:txBody>
       </p:sp>
@@ -1250,7 +3245,7 @@
         </p:nvSpPr>
         <p:spPr>
           <a:xfrm>
-            <a:off x="4648200" y="1600200"/>
+            <a:off x="4655344" y="1770501"/>
             <a:ext cx="4038600" cy="4525963"/>
           </a:xfrm>
         </p:spPr>
@@ -1272,54 +3267,43 @@
             <a:lvl5pPr>
               <a:defRPr sz="1800"/>
             </a:lvl5pPr>
-            <a:lvl6pPr>
-              <a:defRPr sz="1800"/>
-            </a:lvl6pPr>
-            <a:lvl7pPr>
-              <a:defRPr sz="1800"/>
-            </a:lvl7pPr>
-            <a:lvl8pPr>
-              <a:defRPr sz="1800"/>
-            </a:lvl8pPr>
-            <a:lvl9pPr>
-              <a:defRPr sz="1800"/>
-            </a:lvl9pPr>
-          </a:lstStyle>
-          <a:p>
-            <a:pPr lvl="0"/>
+            <a:extLst/>
+          </a:lstStyle>
+          <a:p>
+            <a:pPr lvl="0" eaLnBrk="1" latinLnBrk="0" hangingPunct="1"/>
             <a:r>
               <a:rPr lang="es-ES" smtClean="0"/>
               <a:t>Haga clic para modificar el estilo de texto del patrón</a:t>
             </a:r>
           </a:p>
           <a:p>
-            <a:pPr lvl="1"/>
+            <a:pPr lvl="1" eaLnBrk="1" latinLnBrk="0" hangingPunct="1"/>
             <a:r>
               <a:rPr lang="es-ES" smtClean="0"/>
               <a:t>Segundo nivel</a:t>
             </a:r>
           </a:p>
           <a:p>
-            <a:pPr lvl="2"/>
+            <a:pPr lvl="2" eaLnBrk="1" latinLnBrk="0" hangingPunct="1"/>
             <a:r>
               <a:rPr lang="es-ES" smtClean="0"/>
               <a:t>Tercer nivel</a:t>
             </a:r>
           </a:p>
           <a:p>
-            <a:pPr lvl="3"/>
+            <a:pPr lvl="3" eaLnBrk="1" latinLnBrk="0" hangingPunct="1"/>
             <a:r>
               <a:rPr lang="es-ES" smtClean="0"/>
               <a:t>Cuarto nivel</a:t>
             </a:r>
           </a:p>
           <a:p>
-            <a:pPr lvl="4"/>
+            <a:pPr lvl="4" eaLnBrk="1" latinLnBrk="0" hangingPunct="1"/>
             <a:r>
               <a:rPr lang="es-ES" smtClean="0"/>
               <a:t>Quinto nivel</a:t>
             </a:r>
-            <a:endParaRPr lang="es-ES"/>
+            <a:endParaRPr kumimoji="0" lang="en-US"/>
           </a:p>
         </p:txBody>
       </p:sp>
@@ -1336,12 +3320,14 @@
         <p:spPr/>
         <p:txBody>
           <a:bodyPr/>
-          <a:lstStyle/>
+          <a:lstStyle>
+            <a:extLst/>
+          </a:lstStyle>
           <a:p>
             <a:fld id="{A1ADFC2C-B67E-4D32-A492-8D7D1ED6CD5F}" type="datetimeFigureOut">
               <a:rPr lang="es-ES" smtClean="0"/>
               <a:pPr/>
-              <a:t>07/05/2024</a:t>
+              <a:t>08/05/2024</a:t>
             </a:fld>
             <a:endParaRPr lang="es-ES"/>
           </a:p>
@@ -1360,7 +3346,9 @@
         <p:spPr/>
         <p:txBody>
           <a:bodyPr/>
-          <a:lstStyle/>
+          <a:lstStyle>
+            <a:extLst/>
+          </a:lstStyle>
           <a:p>
             <a:endParaRPr lang="es-ES"/>
           </a:p>
@@ -1379,7 +3367,9 @@
         <p:spPr/>
         <p:txBody>
           <a:bodyPr/>
-          <a:lstStyle/>
+          <a:lstStyle>
+            <a:extLst/>
+          </a:lstStyle>
           <a:p>
             <a:fld id="{2F400C75-B74F-4F90-9B92-CEC5EF3B6A5E}" type="slidenum">
               <a:rPr lang="es-ES" smtClean="0"/>
@@ -1399,7 +3389,7 @@
 </file>
 
 <file path=ppt/slideLayouts/slideLayout5.xml><?xml version="1.0" encoding="utf-8"?>
-<p:sldLayout xmlns:a="http://schemas.openxmlformats.org/drawingml/2006/main" xmlns:r="http://schemas.openxmlformats.org/officeDocument/2006/relationships" xmlns:p="http://schemas.openxmlformats.org/presentationml/2006/main" type="twoTxTwoObj" preserve="1">
+<p:sldLayout xmlns:a="http://schemas.openxmlformats.org/drawingml/2006/main" xmlns:r="http://schemas.openxmlformats.org/officeDocument/2006/relationships" xmlns:p="http://schemas.openxmlformats.org/presentationml/2006/main" showMasterSp="0" type="twoTxTwoObj" preserve="1">
   <p:cSld name="Comparación">
     <p:spTree>
       <p:nvGrpSpPr>
@@ -1417,6 +3407,58 @@
       </p:grpSpPr>
       <p:sp>
         <p:nvSpPr>
+          <p:cNvPr id="25" name="24 Rectángulo"/>
+          <p:cNvSpPr/>
+          <p:nvPr/>
+        </p:nvSpPr>
+        <p:spPr>
+          <a:xfrm>
+            <a:off x="0" y="402265"/>
+            <a:ext cx="8867080" cy="886265"/>
+          </a:xfrm>
+          <a:prstGeom prst="rect">
+            <a:avLst/>
+          </a:prstGeom>
+          <a:solidFill>
+            <a:schemeClr val="bg2">
+              <a:tint val="95000"/>
+              <a:satMod val="180000"/>
+              <a:alpha val="40000"/>
+            </a:schemeClr>
+          </a:solidFill>
+          <a:ln w="50800" cap="rnd" cmpd="dbl" algn="ctr">
+            <a:noFill/>
+            <a:prstDash val="solid"/>
+          </a:ln>
+          <a:effectLst/>
+        </p:spPr>
+        <p:style>
+          <a:lnRef idx="3">
+            <a:schemeClr val="lt1"/>
+          </a:lnRef>
+          <a:fillRef idx="1">
+            <a:schemeClr val="accent1"/>
+          </a:fillRef>
+          <a:effectRef idx="1">
+            <a:schemeClr val="accent1"/>
+          </a:effectRef>
+          <a:fontRef idx="minor">
+            <a:schemeClr val="lt1"/>
+          </a:fontRef>
+        </p:style>
+        <p:txBody>
+          <a:bodyPr anchor="ctr"/>
+          <a:lstStyle>
+            <a:extLst/>
+          </a:lstStyle>
+          <a:p>
+            <a:pPr algn="ctr" eaLnBrk="1" latinLnBrk="0" hangingPunct="1"/>
+            <a:endParaRPr kumimoji="0" lang="en-US"/>
+          </a:p>
+        </p:txBody>
+      </p:sp>
+      <p:sp>
+        <p:nvSpPr>
           <p:cNvPr id="2" name="1 Título"/>
           <p:cNvSpPr>
             <a:spLocks noGrp="1"/>
@@ -1425,20 +3467,26 @@
             <p:ph type="title"/>
           </p:nvPr>
         </p:nvSpPr>
-        <p:spPr/>
-        <p:txBody>
-          <a:bodyPr/>
+        <p:spPr>
+          <a:xfrm>
+            <a:off x="504824" y="512064"/>
+            <a:ext cx="7772400" cy="914400"/>
+          </a:xfrm>
+        </p:spPr>
+        <p:txBody>
+          <a:bodyPr anchor="t"/>
           <a:lstStyle>
             <a:lvl1pPr>
-              <a:defRPr/>
+              <a:defRPr sz="4000"/>
             </a:lvl1pPr>
-          </a:lstStyle>
-          <a:p>
-            <a:r>
-              <a:rPr lang="es-ES" smtClean="0"/>
+            <a:extLst/>
+          </a:lstStyle>
+          <a:p>
+            <a:r>
+              <a:rPr kumimoji="0" lang="es-ES" smtClean="0"/>
               <a:t>Haga clic para modificar el estilo de título del patrón</a:t>
             </a:r>
-            <a:endParaRPr lang="es-ES"/>
+            <a:endParaRPr kumimoji="0" lang="en-US"/>
           </a:p>
         </p:txBody>
       </p:sp>
@@ -1454,54 +3502,97 @@
         </p:nvSpPr>
         <p:spPr>
           <a:xfrm>
-            <a:off x="457200" y="1535113"/>
+            <a:off x="457200" y="1809750"/>
             <a:ext cx="4040188" cy="639762"/>
           </a:xfrm>
         </p:spPr>
         <p:txBody>
-          <a:bodyPr anchor="b"/>
-          <a:lstStyle>
-            <a:lvl1pPr marL="0" indent="0">
+          <a:bodyPr anchor="ctr"/>
+          <a:lstStyle>
+            <a:lvl1pPr marL="73152" indent="0" algn="l">
               <a:buNone/>
-              <a:defRPr sz="2400" b="1"/>
+              <a:defRPr sz="2400" b="1">
+                <a:solidFill>
+                  <a:schemeClr val="accent2"/>
+                </a:solidFill>
+              </a:defRPr>
             </a:lvl1pPr>
-            <a:lvl2pPr marL="457200" indent="0">
+            <a:lvl2pPr>
               <a:buNone/>
               <a:defRPr sz="2000" b="1"/>
             </a:lvl2pPr>
-            <a:lvl3pPr marL="914400" indent="0">
+            <a:lvl3pPr>
               <a:buNone/>
               <a:defRPr sz="1800" b="1"/>
             </a:lvl3pPr>
-            <a:lvl4pPr marL="1371600" indent="0">
+            <a:lvl4pPr>
               <a:buNone/>
               <a:defRPr sz="1600" b="1"/>
             </a:lvl4pPr>
-            <a:lvl5pPr marL="1828800" indent="0">
+            <a:lvl5pPr>
               <a:buNone/>
               <a:defRPr sz="1600" b="1"/>
             </a:lvl5pPr>
-            <a:lvl6pPr marL="2286000" indent="0">
+            <a:extLst/>
+          </a:lstStyle>
+          <a:p>
+            <a:pPr lvl="0" eaLnBrk="1" latinLnBrk="0" hangingPunct="1"/>
+            <a:r>
+              <a:rPr kumimoji="0" lang="es-ES" smtClean="0"/>
+              <a:t>Haga clic para modificar el estilo de texto del patrón</a:t>
+            </a:r>
+          </a:p>
+        </p:txBody>
+      </p:sp>
+      <p:sp>
+        <p:nvSpPr>
+          <p:cNvPr id="4" name="3 Marcador de texto"/>
+          <p:cNvSpPr>
+            <a:spLocks noGrp="1"/>
+          </p:cNvSpPr>
+          <p:nvPr>
+            <p:ph type="body" sz="half" idx="3"/>
+          </p:nvPr>
+        </p:nvSpPr>
+        <p:spPr>
+          <a:xfrm>
+            <a:off x="4645025" y="1809750"/>
+            <a:ext cx="4041775" cy="639762"/>
+          </a:xfrm>
+        </p:spPr>
+        <p:txBody>
+          <a:bodyPr anchor="ctr"/>
+          <a:lstStyle>
+            <a:lvl1pPr marL="73152" indent="0">
+              <a:buNone/>
+              <a:defRPr sz="2400" b="1">
+                <a:solidFill>
+                  <a:schemeClr val="accent2"/>
+                </a:solidFill>
+              </a:defRPr>
+            </a:lvl1pPr>
+            <a:lvl2pPr>
+              <a:buNone/>
+              <a:defRPr sz="2000" b="1"/>
+            </a:lvl2pPr>
+            <a:lvl3pPr>
+              <a:buNone/>
+              <a:defRPr sz="1800" b="1"/>
+            </a:lvl3pPr>
+            <a:lvl4pPr>
               <a:buNone/>
               <a:defRPr sz="1600" b="1"/>
-            </a:lvl6pPr>
-            <a:lvl7pPr marL="2743200" indent="0">
+            </a:lvl4pPr>
+            <a:lvl5pPr>
               <a:buNone/>
               <a:defRPr sz="1600" b="1"/>
-            </a:lvl7pPr>
-            <a:lvl8pPr marL="3200400" indent="0">
-              <a:buNone/>
-              <a:defRPr sz="1600" b="1"/>
-            </a:lvl8pPr>
-            <a:lvl9pPr marL="3657600" indent="0">
-              <a:buNone/>
-              <a:defRPr sz="1600" b="1"/>
-            </a:lvl9pPr>
-          </a:lstStyle>
-          <a:p>
-            <a:pPr lvl="0"/>
-            <a:r>
-              <a:rPr lang="es-ES" smtClean="0"/>
+            </a:lvl5pPr>
+            <a:extLst/>
+          </a:lstStyle>
+          <a:p>
+            <a:pPr lvl="0" eaLnBrk="1" latinLnBrk="0" hangingPunct="1"/>
+            <a:r>
+              <a:rPr kumimoji="0" lang="es-ES" smtClean="0"/>
               <a:t>Haga clic para modificar el estilo de texto del patrón</a:t>
             </a:r>
           </a:p>
@@ -1509,18 +3600,18 @@
       </p:sp>
       <p:sp>
         <p:nvSpPr>
-          <p:cNvPr id="4" name="3 Marcador de contenido"/>
+          <p:cNvPr id="5" name="4 Marcador de contenido"/>
           <p:cNvSpPr>
             <a:spLocks noGrp="1"/>
           </p:cNvSpPr>
           <p:nvPr>
-            <p:ph sz="half" idx="2"/>
+            <p:ph sz="quarter" idx="2"/>
           </p:nvPr>
         </p:nvSpPr>
         <p:spPr>
           <a:xfrm>
-            <a:off x="457200" y="2174875"/>
-            <a:ext cx="4040188" cy="3951288"/>
+            <a:off x="457200" y="2459037"/>
+            <a:ext cx="4040188" cy="3959352"/>
           </a:xfrm>
         </p:spPr>
         <p:txBody>
@@ -1541,119 +3632,43 @@
             <a:lvl5pPr>
               <a:defRPr sz="1600"/>
             </a:lvl5pPr>
-            <a:lvl6pPr>
-              <a:defRPr sz="1600"/>
-            </a:lvl6pPr>
-            <a:lvl7pPr>
-              <a:defRPr sz="1600"/>
-            </a:lvl7pPr>
-            <a:lvl8pPr>
-              <a:defRPr sz="1600"/>
-            </a:lvl8pPr>
-            <a:lvl9pPr>
-              <a:defRPr sz="1600"/>
-            </a:lvl9pPr>
-          </a:lstStyle>
-          <a:p>
-            <a:pPr lvl="0"/>
+            <a:extLst/>
+          </a:lstStyle>
+          <a:p>
+            <a:pPr lvl="0" eaLnBrk="1" latinLnBrk="0" hangingPunct="1"/>
             <a:r>
               <a:rPr lang="es-ES" smtClean="0"/>
               <a:t>Haga clic para modificar el estilo de texto del patrón</a:t>
             </a:r>
           </a:p>
           <a:p>
-            <a:pPr lvl="1"/>
+            <a:pPr lvl="1" eaLnBrk="1" latinLnBrk="0" hangingPunct="1"/>
             <a:r>
               <a:rPr lang="es-ES" smtClean="0"/>
               <a:t>Segundo nivel</a:t>
             </a:r>
           </a:p>
           <a:p>
-            <a:pPr lvl="2"/>
+            <a:pPr lvl="2" eaLnBrk="1" latinLnBrk="0" hangingPunct="1"/>
             <a:r>
               <a:rPr lang="es-ES" smtClean="0"/>
               <a:t>Tercer nivel</a:t>
             </a:r>
           </a:p>
           <a:p>
-            <a:pPr lvl="3"/>
+            <a:pPr lvl="3" eaLnBrk="1" latinLnBrk="0" hangingPunct="1"/>
             <a:r>
               <a:rPr lang="es-ES" smtClean="0"/>
               <a:t>Cuarto nivel</a:t>
             </a:r>
           </a:p>
           <a:p>
-            <a:pPr lvl="4"/>
+            <a:pPr lvl="4" eaLnBrk="1" latinLnBrk="0" hangingPunct="1"/>
             <a:r>
               <a:rPr lang="es-ES" smtClean="0"/>
               <a:t>Quinto nivel</a:t>
             </a:r>
-            <a:endParaRPr lang="es-ES"/>
-          </a:p>
-        </p:txBody>
-      </p:sp>
-      <p:sp>
-        <p:nvSpPr>
-          <p:cNvPr id="5" name="4 Marcador de texto"/>
-          <p:cNvSpPr>
-            <a:spLocks noGrp="1"/>
-          </p:cNvSpPr>
-          <p:nvPr>
-            <p:ph type="body" sz="quarter" idx="3"/>
-          </p:nvPr>
-        </p:nvSpPr>
-        <p:spPr>
-          <a:xfrm>
-            <a:off x="4645025" y="1535113"/>
-            <a:ext cx="4041775" cy="639762"/>
-          </a:xfrm>
-        </p:spPr>
-        <p:txBody>
-          <a:bodyPr anchor="b"/>
-          <a:lstStyle>
-            <a:lvl1pPr marL="0" indent="0">
-              <a:buNone/>
-              <a:defRPr sz="2400" b="1"/>
-            </a:lvl1pPr>
-            <a:lvl2pPr marL="457200" indent="0">
-              <a:buNone/>
-              <a:defRPr sz="2000" b="1"/>
-            </a:lvl2pPr>
-            <a:lvl3pPr marL="914400" indent="0">
-              <a:buNone/>
-              <a:defRPr sz="1800" b="1"/>
-            </a:lvl3pPr>
-            <a:lvl4pPr marL="1371600" indent="0">
-              <a:buNone/>
-              <a:defRPr sz="1600" b="1"/>
-            </a:lvl4pPr>
-            <a:lvl5pPr marL="1828800" indent="0">
-              <a:buNone/>
-              <a:defRPr sz="1600" b="1"/>
-            </a:lvl5pPr>
-            <a:lvl6pPr marL="2286000" indent="0">
-              <a:buNone/>
-              <a:defRPr sz="1600" b="1"/>
-            </a:lvl6pPr>
-            <a:lvl7pPr marL="2743200" indent="0">
-              <a:buNone/>
-              <a:defRPr sz="1600" b="1"/>
-            </a:lvl7pPr>
-            <a:lvl8pPr marL="3200400" indent="0">
-              <a:buNone/>
-              <a:defRPr sz="1600" b="1"/>
-            </a:lvl8pPr>
-            <a:lvl9pPr marL="3657600" indent="0">
-              <a:buNone/>
-              <a:defRPr sz="1600" b="1"/>
-            </a:lvl9pPr>
-          </a:lstStyle>
-          <a:p>
-            <a:pPr lvl="0"/>
-            <a:r>
-              <a:rPr lang="es-ES" smtClean="0"/>
-              <a:t>Haga clic para modificar el estilo de texto del patrón</a:t>
-            </a:r>
+            <a:endParaRPr kumimoji="0" lang="en-US"/>
           </a:p>
         </p:txBody>
       </p:sp>
@@ -1669,8 +3684,8 @@
         </p:nvSpPr>
         <p:spPr>
           <a:xfrm>
-            <a:off x="4645025" y="2174875"/>
-            <a:ext cx="4041775" cy="3951288"/>
+            <a:off x="4645025" y="2459037"/>
+            <a:ext cx="4041775" cy="3959352"/>
           </a:xfrm>
         </p:spPr>
         <p:txBody>
@@ -1691,54 +3706,43 @@
             <a:lvl5pPr>
               <a:defRPr sz="1600"/>
             </a:lvl5pPr>
-            <a:lvl6pPr>
-              <a:defRPr sz="1600"/>
-            </a:lvl6pPr>
-            <a:lvl7pPr>
-              <a:defRPr sz="1600"/>
-            </a:lvl7pPr>
-            <a:lvl8pPr>
-              <a:defRPr sz="1600"/>
-            </a:lvl8pPr>
-            <a:lvl9pPr>
-              <a:defRPr sz="1600"/>
-            </a:lvl9pPr>
-          </a:lstStyle>
-          <a:p>
-            <a:pPr lvl="0"/>
+            <a:extLst/>
+          </a:lstStyle>
+          <a:p>
+            <a:pPr lvl="0" eaLnBrk="1" latinLnBrk="0" hangingPunct="1"/>
             <a:r>
               <a:rPr lang="es-ES" smtClean="0"/>
               <a:t>Haga clic para modificar el estilo de texto del patrón</a:t>
             </a:r>
           </a:p>
           <a:p>
-            <a:pPr lvl="1"/>
+            <a:pPr lvl="1" eaLnBrk="1" latinLnBrk="0" hangingPunct="1"/>
             <a:r>
               <a:rPr lang="es-ES" smtClean="0"/>
               <a:t>Segundo nivel</a:t>
             </a:r>
           </a:p>
           <a:p>
-            <a:pPr lvl="2"/>
+            <a:pPr lvl="2" eaLnBrk="1" latinLnBrk="0" hangingPunct="1"/>
             <a:r>
               <a:rPr lang="es-ES" smtClean="0"/>
               <a:t>Tercer nivel</a:t>
             </a:r>
           </a:p>
           <a:p>
-            <a:pPr lvl="3"/>
+            <a:pPr lvl="3" eaLnBrk="1" latinLnBrk="0" hangingPunct="1"/>
             <a:r>
               <a:rPr lang="es-ES" smtClean="0"/>
               <a:t>Cuarto nivel</a:t>
             </a:r>
           </a:p>
           <a:p>
-            <a:pPr lvl="4"/>
+            <a:pPr lvl="4" eaLnBrk="1" latinLnBrk="0" hangingPunct="1"/>
             <a:r>
               <a:rPr lang="es-ES" smtClean="0"/>
               <a:t>Quinto nivel</a:t>
             </a:r>
-            <a:endParaRPr lang="es-ES"/>
+            <a:endParaRPr kumimoji="0" lang="en-US"/>
           </a:p>
         </p:txBody>
       </p:sp>
@@ -1755,12 +3759,14 @@
         <p:spPr/>
         <p:txBody>
           <a:bodyPr/>
-          <a:lstStyle/>
+          <a:lstStyle>
+            <a:extLst/>
+          </a:lstStyle>
           <a:p>
             <a:fld id="{A1ADFC2C-B67E-4D32-A492-8D7D1ED6CD5F}" type="datetimeFigureOut">
               <a:rPr lang="es-ES" smtClean="0"/>
               <a:pPr/>
-              <a:t>07/05/2024</a:t>
+              <a:t>08/05/2024</a:t>
             </a:fld>
             <a:endParaRPr lang="es-ES"/>
           </a:p>
@@ -1779,7 +3785,9 @@
         <p:spPr/>
         <p:txBody>
           <a:bodyPr/>
-          <a:lstStyle/>
+          <a:lstStyle>
+            <a:extLst/>
+          </a:lstStyle>
           <a:p>
             <a:endParaRPr lang="es-ES"/>
           </a:p>
@@ -1798,7 +3806,9 @@
         <p:spPr/>
         <p:txBody>
           <a:bodyPr/>
-          <a:lstStyle/>
+          <a:lstStyle>
+            <a:extLst/>
+          </a:lstStyle>
           <a:p>
             <a:fld id="{2F400C75-B74F-4F90-9B92-CEC5EF3B6A5E}" type="slidenum">
               <a:rPr lang="es-ES" smtClean="0"/>
@@ -1806,6 +3816,438 @@
               <a:t>‹Nº›</a:t>
             </a:fld>
             <a:endParaRPr lang="es-ES"/>
+          </a:p>
+        </p:txBody>
+      </p:sp>
+      <p:sp>
+        <p:nvSpPr>
+          <p:cNvPr id="16" name="15 Rectángulo"/>
+          <p:cNvSpPr/>
+          <p:nvPr/>
+        </p:nvSpPr>
+        <p:spPr>
+          <a:xfrm>
+            <a:off x="87790" y="680477"/>
+            <a:ext cx="45720" cy="365760"/>
+          </a:xfrm>
+          <a:prstGeom prst="rect">
+            <a:avLst/>
+          </a:prstGeom>
+          <a:solidFill>
+            <a:schemeClr val="bg2"/>
+          </a:solidFill>
+          <a:ln w="50800" cap="rnd" cmpd="thickThin" algn="ctr">
+            <a:noFill/>
+            <a:prstDash val="solid"/>
+          </a:ln>
+          <a:effectLst/>
+        </p:spPr>
+        <p:style>
+          <a:lnRef idx="3">
+            <a:schemeClr val="lt1"/>
+          </a:lnRef>
+          <a:fillRef idx="1">
+            <a:schemeClr val="accent1"/>
+          </a:fillRef>
+          <a:effectRef idx="1">
+            <a:schemeClr val="accent1"/>
+          </a:effectRef>
+          <a:fontRef idx="minor">
+            <a:schemeClr val="lt1"/>
+          </a:fontRef>
+        </p:style>
+        <p:txBody>
+          <a:bodyPr anchor="ctr"/>
+          <a:lstStyle>
+            <a:extLst/>
+          </a:lstStyle>
+          <a:p>
+            <a:pPr algn="ctr" eaLnBrk="1" latinLnBrk="0" hangingPunct="1"/>
+            <a:endParaRPr kumimoji="0" lang="en-US" dirty="0"/>
+          </a:p>
+        </p:txBody>
+      </p:sp>
+      <p:sp>
+        <p:nvSpPr>
+          <p:cNvPr id="17" name="16 Rectángulo"/>
+          <p:cNvSpPr/>
+          <p:nvPr/>
+        </p:nvSpPr>
+        <p:spPr>
+          <a:xfrm>
+            <a:off x="47305" y="680477"/>
+            <a:ext cx="27432" cy="365760"/>
+          </a:xfrm>
+          <a:prstGeom prst="rect">
+            <a:avLst/>
+          </a:prstGeom>
+          <a:solidFill>
+            <a:schemeClr val="bg2"/>
+          </a:solidFill>
+          <a:ln w="50800" cap="rnd" cmpd="thickThin" algn="ctr">
+            <a:noFill/>
+            <a:prstDash val="solid"/>
+          </a:ln>
+          <a:effectLst/>
+        </p:spPr>
+        <p:style>
+          <a:lnRef idx="3">
+            <a:schemeClr val="lt1"/>
+          </a:lnRef>
+          <a:fillRef idx="1">
+            <a:schemeClr val="accent1"/>
+          </a:fillRef>
+          <a:effectRef idx="1">
+            <a:schemeClr val="accent1"/>
+          </a:effectRef>
+          <a:fontRef idx="minor">
+            <a:schemeClr val="lt1"/>
+          </a:fontRef>
+        </p:style>
+        <p:txBody>
+          <a:bodyPr anchor="ctr"/>
+          <a:lstStyle>
+            <a:extLst/>
+          </a:lstStyle>
+          <a:p>
+            <a:pPr algn="ctr" eaLnBrk="1" latinLnBrk="0" hangingPunct="1"/>
+            <a:endParaRPr kumimoji="0" lang="en-US" dirty="0"/>
+          </a:p>
+        </p:txBody>
+      </p:sp>
+      <p:sp>
+        <p:nvSpPr>
+          <p:cNvPr id="18" name="17 Rectángulo"/>
+          <p:cNvSpPr/>
+          <p:nvPr/>
+        </p:nvSpPr>
+        <p:spPr>
+          <a:xfrm>
+            <a:off x="28252" y="680477"/>
+            <a:ext cx="9144" cy="365760"/>
+          </a:xfrm>
+          <a:prstGeom prst="rect">
+            <a:avLst/>
+          </a:prstGeom>
+          <a:solidFill>
+            <a:schemeClr val="bg2"/>
+          </a:solidFill>
+          <a:ln w="50800" cap="rnd" cmpd="thickThin" algn="ctr">
+            <a:noFill/>
+            <a:prstDash val="solid"/>
+          </a:ln>
+          <a:effectLst/>
+        </p:spPr>
+        <p:style>
+          <a:lnRef idx="3">
+            <a:schemeClr val="lt1"/>
+          </a:lnRef>
+          <a:fillRef idx="1">
+            <a:schemeClr val="accent1"/>
+          </a:fillRef>
+          <a:effectRef idx="1">
+            <a:schemeClr val="accent1"/>
+          </a:effectRef>
+          <a:fontRef idx="minor">
+            <a:schemeClr val="lt1"/>
+          </a:fontRef>
+        </p:style>
+        <p:txBody>
+          <a:bodyPr anchor="ctr"/>
+          <a:lstStyle>
+            <a:extLst/>
+          </a:lstStyle>
+          <a:p>
+            <a:pPr algn="ctr" eaLnBrk="1" latinLnBrk="0" hangingPunct="1"/>
+            <a:endParaRPr kumimoji="0" lang="en-US"/>
+          </a:p>
+        </p:txBody>
+      </p:sp>
+      <p:sp>
+        <p:nvSpPr>
+          <p:cNvPr id="19" name="18 Rectángulo"/>
+          <p:cNvSpPr/>
+          <p:nvPr/>
+        </p:nvSpPr>
+        <p:spPr>
+          <a:xfrm>
+            <a:off x="0" y="680477"/>
+            <a:ext cx="9144" cy="365760"/>
+          </a:xfrm>
+          <a:prstGeom prst="rect">
+            <a:avLst/>
+          </a:prstGeom>
+          <a:solidFill>
+            <a:schemeClr val="bg2"/>
+          </a:solidFill>
+          <a:ln w="50800" cap="rnd" cmpd="thickThin" algn="ctr">
+            <a:noFill/>
+            <a:prstDash val="solid"/>
+          </a:ln>
+          <a:effectLst/>
+        </p:spPr>
+        <p:style>
+          <a:lnRef idx="3">
+            <a:schemeClr val="lt1"/>
+          </a:lnRef>
+          <a:fillRef idx="1">
+            <a:schemeClr val="accent1"/>
+          </a:fillRef>
+          <a:effectRef idx="1">
+            <a:schemeClr val="accent1"/>
+          </a:effectRef>
+          <a:fontRef idx="minor">
+            <a:schemeClr val="lt1"/>
+          </a:fontRef>
+        </p:style>
+        <p:txBody>
+          <a:bodyPr anchor="ctr"/>
+          <a:lstStyle>
+            <a:extLst/>
+          </a:lstStyle>
+          <a:p>
+            <a:pPr algn="ctr" eaLnBrk="1" latinLnBrk="0" hangingPunct="1"/>
+            <a:endParaRPr kumimoji="0" lang="en-US" dirty="0"/>
+          </a:p>
+        </p:txBody>
+      </p:sp>
+      <p:sp>
+        <p:nvSpPr>
+          <p:cNvPr id="20" name="19 Rectángulo"/>
+          <p:cNvSpPr/>
+          <p:nvPr/>
+        </p:nvSpPr>
+        <p:spPr>
+          <a:xfrm flipH="1">
+            <a:off x="149770" y="680477"/>
+            <a:ext cx="27432" cy="365760"/>
+          </a:xfrm>
+          <a:prstGeom prst="rect">
+            <a:avLst/>
+          </a:prstGeom>
+          <a:solidFill>
+            <a:schemeClr val="bg2"/>
+          </a:solidFill>
+          <a:ln w="50800" cap="rnd" cmpd="thickThin" algn="ctr">
+            <a:noFill/>
+            <a:prstDash val="solid"/>
+          </a:ln>
+          <a:effectLst/>
+        </p:spPr>
+        <p:style>
+          <a:lnRef idx="3">
+            <a:schemeClr val="lt1"/>
+          </a:lnRef>
+          <a:fillRef idx="1">
+            <a:schemeClr val="accent1"/>
+          </a:fillRef>
+          <a:effectRef idx="1">
+            <a:schemeClr val="accent1"/>
+          </a:effectRef>
+          <a:fontRef idx="minor">
+            <a:schemeClr val="lt1"/>
+          </a:fontRef>
+        </p:style>
+        <p:txBody>
+          <a:bodyPr anchor="ctr"/>
+          <a:lstStyle>
+            <a:extLst/>
+          </a:lstStyle>
+          <a:p>
+            <a:pPr algn="ctr" eaLnBrk="1" latinLnBrk="0" hangingPunct="1"/>
+            <a:endParaRPr kumimoji="0" lang="en-US" dirty="0"/>
+          </a:p>
+        </p:txBody>
+      </p:sp>
+      <p:sp>
+        <p:nvSpPr>
+          <p:cNvPr id="21" name="20 Rectángulo"/>
+          <p:cNvSpPr/>
+          <p:nvPr/>
+        </p:nvSpPr>
+        <p:spPr>
+          <a:xfrm flipH="1">
+            <a:off x="189341" y="680477"/>
+            <a:ext cx="27432" cy="365760"/>
+          </a:xfrm>
+          <a:prstGeom prst="rect">
+            <a:avLst/>
+          </a:prstGeom>
+          <a:solidFill>
+            <a:schemeClr val="bg2"/>
+          </a:solidFill>
+          <a:ln w="50800" cap="rnd" cmpd="thickThin" algn="ctr">
+            <a:noFill/>
+            <a:prstDash val="solid"/>
+          </a:ln>
+          <a:effectLst/>
+        </p:spPr>
+        <p:style>
+          <a:lnRef idx="3">
+            <a:schemeClr val="lt1"/>
+          </a:lnRef>
+          <a:fillRef idx="1">
+            <a:schemeClr val="accent1"/>
+          </a:fillRef>
+          <a:effectRef idx="1">
+            <a:schemeClr val="accent1"/>
+          </a:effectRef>
+          <a:fontRef idx="minor">
+            <a:schemeClr val="lt1"/>
+          </a:fontRef>
+        </p:style>
+        <p:txBody>
+          <a:bodyPr anchor="ctr"/>
+          <a:lstStyle>
+            <a:extLst/>
+          </a:lstStyle>
+          <a:p>
+            <a:pPr algn="ctr" eaLnBrk="1" latinLnBrk="0" hangingPunct="1"/>
+            <a:endParaRPr kumimoji="0" lang="en-US" dirty="0"/>
+          </a:p>
+        </p:txBody>
+      </p:sp>
+      <p:sp>
+        <p:nvSpPr>
+          <p:cNvPr id="22" name="21 Rectángulo"/>
+          <p:cNvSpPr/>
+          <p:nvPr/>
+        </p:nvSpPr>
+        <p:spPr>
+          <a:xfrm flipH="1">
+            <a:off x="226682" y="680477"/>
+            <a:ext cx="9144" cy="365760"/>
+          </a:xfrm>
+          <a:prstGeom prst="rect">
+            <a:avLst/>
+          </a:prstGeom>
+          <a:solidFill>
+            <a:schemeClr val="bg2"/>
+          </a:solidFill>
+          <a:ln w="50800" cap="rnd" cmpd="thickThin" algn="ctr">
+            <a:noFill/>
+            <a:prstDash val="solid"/>
+          </a:ln>
+          <a:effectLst/>
+        </p:spPr>
+        <p:style>
+          <a:lnRef idx="3">
+            <a:schemeClr val="lt1"/>
+          </a:lnRef>
+          <a:fillRef idx="1">
+            <a:schemeClr val="accent1"/>
+          </a:fillRef>
+          <a:effectRef idx="1">
+            <a:schemeClr val="accent1"/>
+          </a:effectRef>
+          <a:fontRef idx="minor">
+            <a:schemeClr val="lt1"/>
+          </a:fontRef>
+        </p:style>
+        <p:txBody>
+          <a:bodyPr anchor="ctr"/>
+          <a:lstStyle>
+            <a:extLst/>
+          </a:lstStyle>
+          <a:p>
+            <a:pPr algn="ctr" eaLnBrk="1" latinLnBrk="0" hangingPunct="1"/>
+            <a:endParaRPr kumimoji="0" lang="en-US"/>
+          </a:p>
+        </p:txBody>
+      </p:sp>
+      <p:sp>
+        <p:nvSpPr>
+          <p:cNvPr id="29" name="28 Rectángulo"/>
+          <p:cNvSpPr/>
+          <p:nvPr/>
+        </p:nvSpPr>
+        <p:spPr>
+          <a:xfrm flipH="1">
+            <a:off x="254934" y="680477"/>
+            <a:ext cx="9144" cy="365760"/>
+          </a:xfrm>
+          <a:prstGeom prst="rect">
+            <a:avLst/>
+          </a:prstGeom>
+          <a:solidFill>
+            <a:schemeClr val="bg2"/>
+          </a:solidFill>
+          <a:ln w="50800" cap="rnd" cmpd="thickThin" algn="ctr">
+            <a:noFill/>
+            <a:prstDash val="solid"/>
+          </a:ln>
+          <a:effectLst/>
+        </p:spPr>
+        <p:style>
+          <a:lnRef idx="3">
+            <a:schemeClr val="lt1"/>
+          </a:lnRef>
+          <a:fillRef idx="1">
+            <a:schemeClr val="accent1"/>
+          </a:fillRef>
+          <a:effectRef idx="1">
+            <a:schemeClr val="accent1"/>
+          </a:effectRef>
+          <a:fontRef idx="minor">
+            <a:schemeClr val="lt1"/>
+          </a:fontRef>
+        </p:style>
+        <p:txBody>
+          <a:bodyPr anchor="ctr"/>
+          <a:lstStyle>
+            <a:extLst/>
+          </a:lstStyle>
+          <a:p>
+            <a:pPr algn="ctr" eaLnBrk="1" latinLnBrk="0" hangingPunct="1"/>
+            <a:endParaRPr kumimoji="0" lang="en-US" dirty="0"/>
+          </a:p>
+        </p:txBody>
+      </p:sp>
+      <p:sp>
+        <p:nvSpPr>
+          <p:cNvPr id="30" name="29 Rectángulo"/>
+          <p:cNvSpPr/>
+          <p:nvPr/>
+        </p:nvSpPr>
+        <p:spPr>
+          <a:xfrm>
+            <a:off x="278710" y="680477"/>
+            <a:ext cx="36576" cy="365760"/>
+          </a:xfrm>
+          <a:prstGeom prst="rect">
+            <a:avLst/>
+          </a:prstGeom>
+          <a:solidFill>
+            <a:schemeClr val="bg2"/>
+          </a:solidFill>
+          <a:ln w="50800" cap="rnd" cmpd="thickThin" algn="ctr">
+            <a:noFill/>
+            <a:prstDash val="solid"/>
+          </a:ln>
+          <a:effectLst/>
+        </p:spPr>
+        <p:style>
+          <a:lnRef idx="3">
+            <a:schemeClr val="lt1"/>
+          </a:lnRef>
+          <a:fillRef idx="1">
+            <a:schemeClr val="accent1"/>
+          </a:fillRef>
+          <a:effectRef idx="1">
+            <a:schemeClr val="accent1"/>
+          </a:effectRef>
+          <a:fontRef idx="minor">
+            <a:schemeClr val="lt1"/>
+          </a:fontRef>
+        </p:style>
+        <p:txBody>
+          <a:bodyPr anchor="ctr"/>
+          <a:lstStyle>
+            <a:extLst/>
+          </a:lstStyle>
+          <a:p>
+            <a:pPr algn="ctr" eaLnBrk="1" latinLnBrk="0" hangingPunct="1"/>
+            <a:endParaRPr kumimoji="0" lang="en-US" dirty="0"/>
           </a:p>
         </p:txBody>
       </p:sp>
@@ -1844,16 +4286,26 @@
             <p:ph type="title"/>
           </p:nvPr>
         </p:nvSpPr>
-        <p:spPr/>
+        <p:spPr>
+          <a:xfrm>
+            <a:off x="914400" y="512064"/>
+            <a:ext cx="7772400" cy="914400"/>
+          </a:xfrm>
+        </p:spPr>
         <p:txBody>
           <a:bodyPr/>
-          <a:lstStyle/>
-          <a:p>
-            <a:r>
-              <a:rPr lang="es-ES" smtClean="0"/>
+          <a:lstStyle>
+            <a:lvl1pPr>
+              <a:defRPr sz="4000" cap="none" baseline="0"/>
+            </a:lvl1pPr>
+            <a:extLst/>
+          </a:lstStyle>
+          <a:p>
+            <a:r>
+              <a:rPr kumimoji="0" lang="es-ES" smtClean="0"/>
               <a:t>Haga clic para modificar el estilo de título del patrón</a:t>
             </a:r>
-            <a:endParaRPr lang="es-ES"/>
+            <a:endParaRPr kumimoji="0" lang="en-US"/>
           </a:p>
         </p:txBody>
       </p:sp>
@@ -1870,12 +4322,14 @@
         <p:spPr/>
         <p:txBody>
           <a:bodyPr/>
-          <a:lstStyle/>
+          <a:lstStyle>
+            <a:extLst/>
+          </a:lstStyle>
           <a:p>
             <a:fld id="{A1ADFC2C-B67E-4D32-A492-8D7D1ED6CD5F}" type="datetimeFigureOut">
               <a:rPr lang="es-ES" smtClean="0"/>
               <a:pPr/>
-              <a:t>07/05/2024</a:t>
+              <a:t>08/05/2024</a:t>
             </a:fld>
             <a:endParaRPr lang="es-ES"/>
           </a:p>
@@ -1894,7 +4348,9 @@
         <p:spPr/>
         <p:txBody>
           <a:bodyPr/>
-          <a:lstStyle/>
+          <a:lstStyle>
+            <a:extLst/>
+          </a:lstStyle>
           <a:p>
             <a:endParaRPr lang="es-ES"/>
           </a:p>
@@ -1913,7 +4369,9 @@
         <p:spPr/>
         <p:txBody>
           <a:bodyPr/>
-          <a:lstStyle/>
+          <a:lstStyle>
+            <a:extLst/>
+          </a:lstStyle>
           <a:p>
             <a:fld id="{2F400C75-B74F-4F90-9B92-CEC5EF3B6A5E}" type="slidenum">
               <a:rPr lang="es-ES" smtClean="0"/>
@@ -1933,7 +4391,7 @@
 </file>
 
 <file path=ppt/slideLayouts/slideLayout7.xml><?xml version="1.0" encoding="utf-8"?>
-<p:sldLayout xmlns:a="http://schemas.openxmlformats.org/drawingml/2006/main" xmlns:r="http://schemas.openxmlformats.org/officeDocument/2006/relationships" xmlns:p="http://schemas.openxmlformats.org/presentationml/2006/main" type="blank" preserve="1">
+<p:sldLayout xmlns:a="http://schemas.openxmlformats.org/drawingml/2006/main" xmlns:r="http://schemas.openxmlformats.org/officeDocument/2006/relationships" xmlns:p="http://schemas.openxmlformats.org/presentationml/2006/main" showMasterSp="0" type="blank" preserve="1">
   <p:cSld name="En blanco">
     <p:spTree>
       <p:nvGrpSpPr>
@@ -1962,12 +4420,14 @@
         <p:spPr/>
         <p:txBody>
           <a:bodyPr/>
-          <a:lstStyle/>
+          <a:lstStyle>
+            <a:extLst/>
+          </a:lstStyle>
           <a:p>
             <a:fld id="{A1ADFC2C-B67E-4D32-A492-8D7D1ED6CD5F}" type="datetimeFigureOut">
               <a:rPr lang="es-ES" smtClean="0"/>
               <a:pPr/>
-              <a:t>07/05/2024</a:t>
+              <a:t>08/05/2024</a:t>
             </a:fld>
             <a:endParaRPr lang="es-ES"/>
           </a:p>
@@ -1986,7 +4446,9 @@
         <p:spPr/>
         <p:txBody>
           <a:bodyPr/>
-          <a:lstStyle/>
+          <a:lstStyle>
+            <a:extLst/>
+          </a:lstStyle>
           <a:p>
             <a:endParaRPr lang="es-ES"/>
           </a:p>
@@ -2005,7 +4467,9 @@
         <p:spPr/>
         <p:txBody>
           <a:bodyPr/>
-          <a:lstStyle/>
+          <a:lstStyle>
+            <a:extLst/>
+          </a:lstStyle>
           <a:p>
             <a:fld id="{2F400C75-B74F-4F90-9B92-CEC5EF3B6A5E}" type="slidenum">
               <a:rPr lang="es-ES" smtClean="0"/>
@@ -2053,40 +4517,92 @@
         </p:nvSpPr>
         <p:spPr>
           <a:xfrm>
-            <a:off x="457200" y="273050"/>
-            <a:ext cx="3008313" cy="1162050"/>
-          </a:xfrm>
-        </p:spPr>
-        <p:txBody>
-          <a:bodyPr anchor="b"/>
+            <a:off x="685800" y="273050"/>
+            <a:ext cx="8229600" cy="1162050"/>
+          </a:xfrm>
+        </p:spPr>
+        <p:txBody>
+          <a:bodyPr anchor="ctr"/>
           <a:lstStyle>
             <a:lvl1pPr algn="l">
-              <a:defRPr sz="2000" b="1"/>
+              <a:buNone/>
+              <a:defRPr sz="3600" b="0"/>
             </a:lvl1pPr>
-          </a:lstStyle>
-          <a:p>
-            <a:r>
-              <a:rPr lang="es-ES" smtClean="0"/>
+            <a:extLst/>
+          </a:lstStyle>
+          <a:p>
+            <a:r>
+              <a:rPr kumimoji="0" lang="es-ES" smtClean="0"/>
               <a:t>Haga clic para modificar el estilo de título del patrón</a:t>
             </a:r>
-            <a:endParaRPr lang="es-ES"/>
-          </a:p>
-        </p:txBody>
-      </p:sp>
-      <p:sp>
-        <p:nvSpPr>
-          <p:cNvPr id="3" name="2 Marcador de contenido"/>
+            <a:endParaRPr kumimoji="0" lang="en-US"/>
+          </a:p>
+        </p:txBody>
+      </p:sp>
+      <p:sp>
+        <p:nvSpPr>
+          <p:cNvPr id="3" name="2 Marcador de texto"/>
           <p:cNvSpPr>
             <a:spLocks noGrp="1"/>
           </p:cNvSpPr>
           <p:nvPr>
-            <p:ph idx="1"/>
+            <p:ph type="body" idx="2"/>
           </p:nvPr>
         </p:nvSpPr>
         <p:spPr>
           <a:xfrm>
-            <a:off x="3575050" y="273050"/>
-            <a:ext cx="5111750" cy="5853113"/>
+            <a:off x="685800" y="1435100"/>
+            <a:ext cx="2514600" cy="4572000"/>
+          </a:xfrm>
+        </p:spPr>
+        <p:txBody>
+          <a:bodyPr/>
+          <a:lstStyle>
+            <a:lvl1pPr marL="54864" indent="0">
+              <a:buNone/>
+              <a:defRPr sz="1800"/>
+            </a:lvl1pPr>
+            <a:lvl2pPr>
+              <a:buNone/>
+              <a:defRPr sz="1200"/>
+            </a:lvl2pPr>
+            <a:lvl3pPr>
+              <a:buNone/>
+              <a:defRPr sz="1000"/>
+            </a:lvl3pPr>
+            <a:lvl4pPr>
+              <a:buNone/>
+              <a:defRPr sz="900"/>
+            </a:lvl4pPr>
+            <a:lvl5pPr>
+              <a:buNone/>
+              <a:defRPr sz="900"/>
+            </a:lvl5pPr>
+            <a:extLst/>
+          </a:lstStyle>
+          <a:p>
+            <a:pPr lvl="0" eaLnBrk="1" latinLnBrk="0" hangingPunct="1"/>
+            <a:r>
+              <a:rPr kumimoji="0" lang="es-ES" smtClean="0"/>
+              <a:t>Haga clic para modificar el estilo de texto del patrón</a:t>
+            </a:r>
+          </a:p>
+        </p:txBody>
+      </p:sp>
+      <p:sp>
+        <p:nvSpPr>
+          <p:cNvPr id="4" name="3 Marcador de contenido"/>
+          <p:cNvSpPr>
+            <a:spLocks noGrp="1"/>
+          </p:cNvSpPr>
+          <p:nvPr>
+            <p:ph sz="half" idx="1"/>
+          </p:nvPr>
+        </p:nvSpPr>
+        <p:spPr>
+          <a:xfrm>
+            <a:off x="3429000" y="1435100"/>
+            <a:ext cx="5486400" cy="4572000"/>
           </a:xfrm>
         </p:spPr>
         <p:txBody>
@@ -2107,119 +4623,43 @@
             <a:lvl5pPr>
               <a:defRPr sz="2000"/>
             </a:lvl5pPr>
-            <a:lvl6pPr>
-              <a:defRPr sz="2000"/>
-            </a:lvl6pPr>
-            <a:lvl7pPr>
-              <a:defRPr sz="2000"/>
-            </a:lvl7pPr>
-            <a:lvl8pPr>
-              <a:defRPr sz="2000"/>
-            </a:lvl8pPr>
-            <a:lvl9pPr>
-              <a:defRPr sz="2000"/>
-            </a:lvl9pPr>
-          </a:lstStyle>
-          <a:p>
-            <a:pPr lvl="0"/>
+            <a:extLst/>
+          </a:lstStyle>
+          <a:p>
+            <a:pPr lvl="0" eaLnBrk="1" latinLnBrk="0" hangingPunct="1"/>
             <a:r>
               <a:rPr lang="es-ES" smtClean="0"/>
               <a:t>Haga clic para modificar el estilo de texto del patrón</a:t>
             </a:r>
           </a:p>
           <a:p>
-            <a:pPr lvl="1"/>
+            <a:pPr lvl="1" eaLnBrk="1" latinLnBrk="0" hangingPunct="1"/>
             <a:r>
               <a:rPr lang="es-ES" smtClean="0"/>
               <a:t>Segundo nivel</a:t>
             </a:r>
           </a:p>
           <a:p>
-            <a:pPr lvl="2"/>
+            <a:pPr lvl="2" eaLnBrk="1" latinLnBrk="0" hangingPunct="1"/>
             <a:r>
               <a:rPr lang="es-ES" smtClean="0"/>
               <a:t>Tercer nivel</a:t>
             </a:r>
           </a:p>
           <a:p>
-            <a:pPr lvl="3"/>
+            <a:pPr lvl="3" eaLnBrk="1" latinLnBrk="0" hangingPunct="1"/>
             <a:r>
               <a:rPr lang="es-ES" smtClean="0"/>
               <a:t>Cuarto nivel</a:t>
             </a:r>
           </a:p>
           <a:p>
-            <a:pPr lvl="4"/>
+            <a:pPr lvl="4" eaLnBrk="1" latinLnBrk="0" hangingPunct="1"/>
             <a:r>
               <a:rPr lang="es-ES" smtClean="0"/>
               <a:t>Quinto nivel</a:t>
             </a:r>
-            <a:endParaRPr lang="es-ES"/>
-          </a:p>
-        </p:txBody>
-      </p:sp>
-      <p:sp>
-        <p:nvSpPr>
-          <p:cNvPr id="4" name="3 Marcador de texto"/>
-          <p:cNvSpPr>
-            <a:spLocks noGrp="1"/>
-          </p:cNvSpPr>
-          <p:nvPr>
-            <p:ph type="body" sz="half" idx="2"/>
-          </p:nvPr>
-        </p:nvSpPr>
-        <p:spPr>
-          <a:xfrm>
-            <a:off x="457200" y="1435100"/>
-            <a:ext cx="3008313" cy="4691063"/>
-          </a:xfrm>
-        </p:spPr>
-        <p:txBody>
-          <a:bodyPr/>
-          <a:lstStyle>
-            <a:lvl1pPr marL="0" indent="0">
-              <a:buNone/>
-              <a:defRPr sz="1400"/>
-            </a:lvl1pPr>
-            <a:lvl2pPr marL="457200" indent="0">
-              <a:buNone/>
-              <a:defRPr sz="1200"/>
-            </a:lvl2pPr>
-            <a:lvl3pPr marL="914400" indent="0">
-              <a:buNone/>
-              <a:defRPr sz="1000"/>
-            </a:lvl3pPr>
-            <a:lvl4pPr marL="1371600" indent="0">
-              <a:buNone/>
-              <a:defRPr sz="900"/>
-            </a:lvl4pPr>
-            <a:lvl5pPr marL="1828800" indent="0">
-              <a:buNone/>
-              <a:defRPr sz="900"/>
-            </a:lvl5pPr>
-            <a:lvl6pPr marL="2286000" indent="0">
-              <a:buNone/>
-              <a:defRPr sz="900"/>
-            </a:lvl6pPr>
-            <a:lvl7pPr marL="2743200" indent="0">
-              <a:buNone/>
-              <a:defRPr sz="900"/>
-            </a:lvl7pPr>
-            <a:lvl8pPr marL="3200400" indent="0">
-              <a:buNone/>
-              <a:defRPr sz="900"/>
-            </a:lvl8pPr>
-            <a:lvl9pPr marL="3657600" indent="0">
-              <a:buNone/>
-              <a:defRPr sz="900"/>
-            </a:lvl9pPr>
-          </a:lstStyle>
-          <a:p>
-            <a:pPr lvl="0"/>
-            <a:r>
-              <a:rPr lang="es-ES" smtClean="0"/>
-              <a:t>Haga clic para modificar el estilo de texto del patrón</a:t>
-            </a:r>
+            <a:endParaRPr kumimoji="0" lang="en-US"/>
           </a:p>
         </p:txBody>
       </p:sp>
@@ -2236,12 +4676,14 @@
         <p:spPr/>
         <p:txBody>
           <a:bodyPr/>
-          <a:lstStyle/>
+          <a:lstStyle>
+            <a:extLst/>
+          </a:lstStyle>
           <a:p>
             <a:fld id="{A1ADFC2C-B67E-4D32-A492-8D7D1ED6CD5F}" type="datetimeFigureOut">
               <a:rPr lang="es-ES" smtClean="0"/>
               <a:pPr/>
-              <a:t>07/05/2024</a:t>
+              <a:t>08/05/2024</a:t>
             </a:fld>
             <a:endParaRPr lang="es-ES"/>
           </a:p>
@@ -2260,7 +4702,9 @@
         <p:spPr/>
         <p:txBody>
           <a:bodyPr/>
-          <a:lstStyle/>
+          <a:lstStyle>
+            <a:extLst/>
+          </a:lstStyle>
           <a:p>
             <a:endParaRPr lang="es-ES"/>
           </a:p>
@@ -2279,7 +4723,9 @@
         <p:spPr/>
         <p:txBody>
           <a:bodyPr/>
-          <a:lstStyle/>
+          <a:lstStyle>
+            <a:extLst/>
+          </a:lstStyle>
           <a:p>
             <a:fld id="{2F400C75-B74F-4F90-9B92-CEC5EF3B6A5E}" type="slidenum">
               <a:rPr lang="es-ES" smtClean="0"/>
@@ -2317,6 +4763,232 @@
       </p:grpSpPr>
       <p:sp>
         <p:nvSpPr>
+          <p:cNvPr id="8" name="7 Rectángulo"/>
+          <p:cNvSpPr/>
+          <p:nvPr/>
+        </p:nvSpPr>
+        <p:spPr>
+          <a:xfrm>
+            <a:off x="368032" y="0"/>
+            <a:ext cx="8778240" cy="1878037"/>
+          </a:xfrm>
+          <a:prstGeom prst="rect">
+            <a:avLst/>
+          </a:prstGeom>
+          <a:solidFill>
+            <a:srgbClr val="000000">
+              <a:alpha val="100000"/>
+            </a:srgbClr>
+          </a:solidFill>
+          <a:ln w="50800" cap="rnd" cmpd="dbl" algn="ctr">
+            <a:noFill/>
+            <a:prstDash val="solid"/>
+          </a:ln>
+          <a:effectLst/>
+        </p:spPr>
+        <p:style>
+          <a:lnRef idx="3">
+            <a:schemeClr val="lt1"/>
+          </a:lnRef>
+          <a:fillRef idx="1">
+            <a:schemeClr val="accent1"/>
+          </a:fillRef>
+          <a:effectRef idx="1">
+            <a:schemeClr val="accent1"/>
+          </a:effectRef>
+          <a:fontRef idx="minor">
+            <a:schemeClr val="lt1"/>
+          </a:fontRef>
+        </p:style>
+        <p:txBody>
+          <a:bodyPr anchor="ctr"/>
+          <a:lstStyle>
+            <a:extLst/>
+          </a:lstStyle>
+          <a:p>
+            <a:pPr algn="ctr" eaLnBrk="1" latinLnBrk="0" hangingPunct="1"/>
+            <a:endParaRPr kumimoji="0" lang="en-US"/>
+          </a:p>
+        </p:txBody>
+      </p:sp>
+      <p:cxnSp>
+        <p:nvCxnSpPr>
+          <p:cNvPr id="9" name="8 Conector recto"/>
+          <p:cNvCxnSpPr/>
+          <p:nvPr/>
+        </p:nvCxnSpPr>
+        <p:spPr>
+          <a:xfrm flipV="1">
+            <a:off x="363195" y="1885028"/>
+            <a:ext cx="8782622" cy="0"/>
+          </a:xfrm>
+          <a:prstGeom prst="line">
+            <a:avLst/>
+          </a:prstGeom>
+          <a:noFill/>
+          <a:ln w="19050" cap="flat" cmpd="sng" algn="ctr">
+            <a:solidFill>
+              <a:srgbClr val="FFFFFF">
+                <a:alpha val="100000"/>
+              </a:srgbClr>
+            </a:solidFill>
+            <a:prstDash val="solid"/>
+            <a:miter lim="800000"/>
+          </a:ln>
+          <a:effectLst/>
+        </p:spPr>
+        <p:style>
+          <a:lnRef idx="2">
+            <a:schemeClr val="accent1"/>
+          </a:lnRef>
+          <a:fillRef idx="0">
+            <a:schemeClr val="accent1"/>
+          </a:fillRef>
+          <a:effectRef idx="1">
+            <a:schemeClr val="accent1"/>
+          </a:effectRef>
+          <a:fontRef idx="minor">
+            <a:schemeClr val="tx1"/>
+          </a:fontRef>
+        </p:style>
+      </p:cxnSp>
+      <p:grpSp>
+        <p:nvGrpSpPr>
+          <p:cNvPr id="10" name="9 Grupo"/>
+          <p:cNvGrpSpPr/>
+          <p:nvPr/>
+        </p:nvGrpSpPr>
+        <p:grpSpPr>
+          <a:xfrm rot="5400000">
+            <a:off x="8514581" y="1219200"/>
+            <a:ext cx="132763" cy="128466"/>
+            <a:chOff x="6668087" y="1297746"/>
+            <a:chExt cx="161840" cy="156602"/>
+          </a:xfrm>
+        </p:grpSpPr>
+        <p:cxnSp>
+          <p:nvCxnSpPr>
+            <p:cNvPr id="15" name="14 Conector recto"/>
+            <p:cNvCxnSpPr/>
+            <p:nvPr/>
+          </p:nvCxnSpPr>
+          <p:spPr>
+            <a:xfrm rot="16200000">
+              <a:off x="6664064" y="1301769"/>
+              <a:ext cx="88509" cy="80463"/>
+            </a:xfrm>
+            <a:prstGeom prst="line">
+              <a:avLst/>
+            </a:prstGeom>
+            <a:noFill/>
+            <a:ln w="25400" cap="rnd" cmpd="sng" algn="ctr">
+              <a:solidFill>
+                <a:srgbClr val="FFFFFF">
+                  <a:alpha val="100000"/>
+                </a:srgbClr>
+              </a:solidFill>
+              <a:prstDash val="solid"/>
+            </a:ln>
+            <a:effectLst/>
+          </p:spPr>
+          <p:style>
+            <a:lnRef idx="2">
+              <a:schemeClr val="accent1"/>
+            </a:lnRef>
+            <a:fillRef idx="0">
+              <a:schemeClr val="accent1"/>
+            </a:fillRef>
+            <a:effectRef idx="1">
+              <a:schemeClr val="accent1"/>
+            </a:effectRef>
+            <a:fontRef idx="minor">
+              <a:schemeClr val="tx1"/>
+            </a:fontRef>
+          </p:style>
+        </p:cxnSp>
+        <p:cxnSp>
+          <p:nvCxnSpPr>
+            <p:cNvPr id="16" name="15 Conector recto"/>
+            <p:cNvCxnSpPr/>
+            <p:nvPr/>
+          </p:nvCxnSpPr>
+          <p:spPr>
+            <a:xfrm rot="16200000" flipV="1">
+              <a:off x="6685888" y="1391257"/>
+              <a:ext cx="125755" cy="427"/>
+            </a:xfrm>
+            <a:prstGeom prst="line">
+              <a:avLst/>
+            </a:prstGeom>
+            <a:noFill/>
+            <a:ln w="25400" cap="rnd" cmpd="sng" algn="ctr">
+              <a:solidFill>
+                <a:srgbClr val="FFFFFF">
+                  <a:alpha val="100000"/>
+                </a:srgbClr>
+              </a:solidFill>
+              <a:prstDash val="solid"/>
+            </a:ln>
+            <a:effectLst/>
+          </p:spPr>
+          <p:style>
+            <a:lnRef idx="2">
+              <a:schemeClr val="accent1"/>
+            </a:lnRef>
+            <a:fillRef idx="0">
+              <a:schemeClr val="accent1"/>
+            </a:fillRef>
+            <a:effectRef idx="1">
+              <a:schemeClr val="accent1"/>
+            </a:effectRef>
+            <a:fontRef idx="minor">
+              <a:schemeClr val="tx1"/>
+            </a:fontRef>
+          </p:style>
+        </p:cxnSp>
+        <p:cxnSp>
+          <p:nvCxnSpPr>
+            <p:cNvPr id="17" name="16 Conector recto"/>
+            <p:cNvCxnSpPr/>
+            <p:nvPr/>
+          </p:nvCxnSpPr>
+          <p:spPr>
+            <a:xfrm rot="5400000" flipH="1">
+              <a:off x="6744524" y="1300853"/>
+              <a:ext cx="88509" cy="82296"/>
+            </a:xfrm>
+            <a:prstGeom prst="line">
+              <a:avLst/>
+            </a:prstGeom>
+            <a:noFill/>
+            <a:ln w="25400" cap="rnd" cmpd="sng" algn="ctr">
+              <a:solidFill>
+                <a:srgbClr val="FFFFFF">
+                  <a:alpha val="100000"/>
+                </a:srgbClr>
+              </a:solidFill>
+              <a:prstDash val="solid"/>
+            </a:ln>
+            <a:effectLst/>
+          </p:spPr>
+          <p:style>
+            <a:lnRef idx="2">
+              <a:schemeClr val="accent1"/>
+            </a:lnRef>
+            <a:fillRef idx="0">
+              <a:schemeClr val="accent1"/>
+            </a:fillRef>
+            <a:effectRef idx="1">
+              <a:schemeClr val="accent1"/>
+            </a:effectRef>
+            <a:fontRef idx="minor">
+              <a:schemeClr val="tx1"/>
+            </a:fontRef>
+          </p:style>
+        </p:cxnSp>
+      </p:grpSp>
+      <p:sp>
+        <p:nvSpPr>
           <p:cNvPr id="2" name="1 Título"/>
           <p:cNvSpPr>
             <a:spLocks noGrp="1"/>
@@ -2325,25 +4997,27 @@
             <p:ph type="title"/>
           </p:nvPr>
         </p:nvSpPr>
-        <p:spPr>
-          <a:xfrm>
-            <a:off x="1792288" y="4800600"/>
-            <a:ext cx="5486400" cy="566738"/>
+        <p:spPr bwMode="grayWhite">
+          <a:xfrm>
+            <a:off x="914400" y="441251"/>
+            <a:ext cx="6858000" cy="701749"/>
           </a:xfrm>
         </p:spPr>
         <p:txBody>
           <a:bodyPr anchor="b"/>
           <a:lstStyle>
             <a:lvl1pPr algn="l">
-              <a:defRPr sz="2000" b="1"/>
+              <a:buNone/>
+              <a:defRPr sz="2100" b="0"/>
             </a:lvl1pPr>
-          </a:lstStyle>
-          <a:p>
-            <a:r>
-              <a:rPr lang="es-ES" smtClean="0"/>
+            <a:extLst/>
+          </a:lstStyle>
+          <a:p>
+            <a:r>
+              <a:rPr kumimoji="0" lang="es-ES" smtClean="0"/>
               <a:t>Haga clic para modificar el estilo de título del patrón</a:t>
             </a:r>
-            <a:endParaRPr lang="es-ES"/>
+            <a:endParaRPr kumimoji="0" lang="en-US"/>
           </a:p>
         </p:txBody>
       </p:sp>
@@ -2359,9 +5033,12 @@
         </p:nvSpPr>
         <p:spPr>
           <a:xfrm>
-            <a:off x="1792288" y="612775"/>
-            <a:ext cx="5486400" cy="4114800"/>
-          </a:xfrm>
+            <a:off x="368032" y="1893781"/>
+            <a:ext cx="8778240" cy="4960144"/>
+          </a:xfrm>
+          <a:solidFill>
+            <a:schemeClr val="bg2"/>
+          </a:solidFill>
         </p:spPr>
         <p:txBody>
           <a:bodyPr/>
@@ -2370,41 +5047,14 @@
               <a:buNone/>
               <a:defRPr sz="3200"/>
             </a:lvl1pPr>
-            <a:lvl2pPr marL="457200" indent="0">
-              <a:buNone/>
-              <a:defRPr sz="2800"/>
-            </a:lvl2pPr>
-            <a:lvl3pPr marL="914400" indent="0">
-              <a:buNone/>
-              <a:defRPr sz="2400"/>
-            </a:lvl3pPr>
-            <a:lvl4pPr marL="1371600" indent="0">
-              <a:buNone/>
-              <a:defRPr sz="2000"/>
-            </a:lvl4pPr>
-            <a:lvl5pPr marL="1828800" indent="0">
-              <a:buNone/>
-              <a:defRPr sz="2000"/>
-            </a:lvl5pPr>
-            <a:lvl6pPr marL="2286000" indent="0">
-              <a:buNone/>
-              <a:defRPr sz="2000"/>
-            </a:lvl6pPr>
-            <a:lvl7pPr marL="2743200" indent="0">
-              <a:buNone/>
-              <a:defRPr sz="2000"/>
-            </a:lvl7pPr>
-            <a:lvl8pPr marL="3200400" indent="0">
-              <a:buNone/>
-              <a:defRPr sz="2000"/>
-            </a:lvl8pPr>
-            <a:lvl9pPr marL="3657600" indent="0">
-              <a:buNone/>
-              <a:defRPr sz="2000"/>
-            </a:lvl9pPr>
-          </a:lstStyle>
-          <a:p>
-            <a:endParaRPr lang="es-ES"/>
+            <a:extLst/>
+          </a:lstStyle>
+          <a:p>
+            <a:r>
+              <a:rPr kumimoji="0" lang="es-ES" smtClean="0"/>
+              <a:t>Haga clic en el icono para agregar una imagen</a:t>
+            </a:r>
+            <a:endParaRPr kumimoji="0" lang="en-US"/>
           </a:p>
         </p:txBody>
       </p:sp>
@@ -2418,61 +5068,319 @@
             <p:ph type="body" sz="half" idx="2"/>
           </p:nvPr>
         </p:nvSpPr>
-        <p:spPr>
-          <a:xfrm>
-            <a:off x="1792288" y="5367338"/>
-            <a:ext cx="5486400" cy="804862"/>
+        <p:spPr bwMode="grayWhite">
+          <a:xfrm>
+            <a:off x="914400" y="1150144"/>
+            <a:ext cx="6858000" cy="685800"/>
           </a:xfrm>
         </p:spPr>
         <p:txBody>
           <a:bodyPr/>
           <a:lstStyle>
-            <a:lvl1pPr marL="0" indent="0">
+            <a:lvl1pPr marL="27432" indent="0">
+              <a:spcBef>
+                <a:spcPts val="0"/>
+              </a:spcBef>
               <a:buNone/>
-              <a:defRPr sz="1400"/>
+              <a:defRPr sz="1400">
+                <a:solidFill>
+                  <a:srgbClr val="FFFFFF"/>
+                </a:solidFill>
+              </a:defRPr>
             </a:lvl1pPr>
-            <a:lvl2pPr marL="457200" indent="0">
-              <a:buNone/>
+            <a:lvl2pPr>
               <a:defRPr sz="1200"/>
             </a:lvl2pPr>
-            <a:lvl3pPr marL="914400" indent="0">
-              <a:buNone/>
+            <a:lvl3pPr>
               <a:defRPr sz="1000"/>
             </a:lvl3pPr>
-            <a:lvl4pPr marL="1371600" indent="0">
-              <a:buNone/>
+            <a:lvl4pPr>
               <a:defRPr sz="900"/>
             </a:lvl4pPr>
-            <a:lvl5pPr marL="1828800" indent="0">
-              <a:buNone/>
+            <a:lvl5pPr>
               <a:defRPr sz="900"/>
             </a:lvl5pPr>
-            <a:lvl6pPr marL="2286000" indent="0">
-              <a:buNone/>
-              <a:defRPr sz="900"/>
-            </a:lvl6pPr>
-            <a:lvl7pPr marL="2743200" indent="0">
-              <a:buNone/>
-              <a:defRPr sz="900"/>
-            </a:lvl7pPr>
-            <a:lvl8pPr marL="3200400" indent="0">
-              <a:buNone/>
-              <a:defRPr sz="900"/>
-            </a:lvl8pPr>
-            <a:lvl9pPr marL="3657600" indent="0">
-              <a:buNone/>
-              <a:defRPr sz="900"/>
-            </a:lvl9pPr>
-          </a:lstStyle>
-          <a:p>
-            <a:pPr lvl="0"/>
-            <a:r>
-              <a:rPr lang="es-ES" smtClean="0"/>
+            <a:extLst/>
+          </a:lstStyle>
+          <a:p>
+            <a:pPr lvl="0" eaLnBrk="1" latinLnBrk="0" hangingPunct="1"/>
+            <a:r>
+              <a:rPr kumimoji="0" lang="es-ES" smtClean="0"/>
               <a:t>Haga clic para modificar el estilo de texto del patrón</a:t>
             </a:r>
           </a:p>
         </p:txBody>
       </p:sp>
+      <p:grpSp>
+        <p:nvGrpSpPr>
+          <p:cNvPr id="14" name="13 Grupo"/>
+          <p:cNvGrpSpPr/>
+          <p:nvPr/>
+        </p:nvGrpSpPr>
+        <p:grpSpPr>
+          <a:xfrm rot="5400000">
+            <a:off x="8666981" y="1371600"/>
+            <a:ext cx="132763" cy="128466"/>
+            <a:chOff x="6668087" y="1297746"/>
+            <a:chExt cx="161840" cy="156602"/>
+          </a:xfrm>
+        </p:grpSpPr>
+        <p:cxnSp>
+          <p:nvCxnSpPr>
+            <p:cNvPr id="11" name="10 Conector recto"/>
+            <p:cNvCxnSpPr/>
+            <p:nvPr/>
+          </p:nvCxnSpPr>
+          <p:spPr>
+            <a:xfrm rot="16200000">
+              <a:off x="6664064" y="1301769"/>
+              <a:ext cx="88509" cy="80463"/>
+            </a:xfrm>
+            <a:prstGeom prst="line">
+              <a:avLst/>
+            </a:prstGeom>
+            <a:noFill/>
+            <a:ln w="25400" cap="rnd" cmpd="sng" algn="ctr">
+              <a:solidFill>
+                <a:srgbClr val="FFFFFF">
+                  <a:alpha val="100000"/>
+                </a:srgbClr>
+              </a:solidFill>
+              <a:prstDash val="solid"/>
+            </a:ln>
+            <a:effectLst/>
+          </p:spPr>
+          <p:style>
+            <a:lnRef idx="2">
+              <a:schemeClr val="accent1"/>
+            </a:lnRef>
+            <a:fillRef idx="0">
+              <a:schemeClr val="accent1"/>
+            </a:fillRef>
+            <a:effectRef idx="1">
+              <a:schemeClr val="accent1"/>
+            </a:effectRef>
+            <a:fontRef idx="minor">
+              <a:schemeClr val="tx1"/>
+            </a:fontRef>
+          </p:style>
+        </p:cxnSp>
+        <p:cxnSp>
+          <p:nvCxnSpPr>
+            <p:cNvPr id="12" name="11 Conector recto"/>
+            <p:cNvCxnSpPr/>
+            <p:nvPr/>
+          </p:nvCxnSpPr>
+          <p:spPr>
+            <a:xfrm rot="16200000" flipV="1">
+              <a:off x="6685888" y="1391257"/>
+              <a:ext cx="125755" cy="427"/>
+            </a:xfrm>
+            <a:prstGeom prst="line">
+              <a:avLst/>
+            </a:prstGeom>
+            <a:noFill/>
+            <a:ln w="25400" cap="rnd" cmpd="sng" algn="ctr">
+              <a:solidFill>
+                <a:srgbClr val="FFFFFF">
+                  <a:alpha val="100000"/>
+                </a:srgbClr>
+              </a:solidFill>
+              <a:prstDash val="solid"/>
+            </a:ln>
+            <a:effectLst/>
+          </p:spPr>
+          <p:style>
+            <a:lnRef idx="2">
+              <a:schemeClr val="accent1"/>
+            </a:lnRef>
+            <a:fillRef idx="0">
+              <a:schemeClr val="accent1"/>
+            </a:fillRef>
+            <a:effectRef idx="1">
+              <a:schemeClr val="accent1"/>
+            </a:effectRef>
+            <a:fontRef idx="minor">
+              <a:schemeClr val="tx1"/>
+            </a:fontRef>
+          </p:style>
+        </p:cxnSp>
+        <p:cxnSp>
+          <p:nvCxnSpPr>
+            <p:cNvPr id="13" name="12 Conector recto"/>
+            <p:cNvCxnSpPr/>
+            <p:nvPr/>
+          </p:nvCxnSpPr>
+          <p:spPr>
+            <a:xfrm rot="5400000" flipH="1">
+              <a:off x="6744524" y="1300853"/>
+              <a:ext cx="88509" cy="82296"/>
+            </a:xfrm>
+            <a:prstGeom prst="line">
+              <a:avLst/>
+            </a:prstGeom>
+            <a:noFill/>
+            <a:ln w="25400" cap="rnd" cmpd="sng" algn="ctr">
+              <a:solidFill>
+                <a:srgbClr val="FFFFFF">
+                  <a:alpha val="100000"/>
+                </a:srgbClr>
+              </a:solidFill>
+              <a:prstDash val="solid"/>
+            </a:ln>
+            <a:effectLst/>
+          </p:spPr>
+          <p:style>
+            <a:lnRef idx="2">
+              <a:schemeClr val="accent1"/>
+            </a:lnRef>
+            <a:fillRef idx="0">
+              <a:schemeClr val="accent1"/>
+            </a:fillRef>
+            <a:effectRef idx="1">
+              <a:schemeClr val="accent1"/>
+            </a:effectRef>
+            <a:fontRef idx="minor">
+              <a:schemeClr val="tx1"/>
+            </a:fontRef>
+          </p:style>
+        </p:cxnSp>
+      </p:grpSp>
+      <p:grpSp>
+        <p:nvGrpSpPr>
+          <p:cNvPr id="18" name="17 Grupo"/>
+          <p:cNvGrpSpPr/>
+          <p:nvPr/>
+        </p:nvGrpSpPr>
+        <p:grpSpPr>
+          <a:xfrm rot="5400000">
+            <a:off x="8320088" y="1474763"/>
+            <a:ext cx="132763" cy="128466"/>
+            <a:chOff x="6668087" y="1297746"/>
+            <a:chExt cx="161840" cy="156602"/>
+          </a:xfrm>
+        </p:grpSpPr>
+        <p:cxnSp>
+          <p:nvCxnSpPr>
+            <p:cNvPr id="19" name="18 Conector recto"/>
+            <p:cNvCxnSpPr/>
+            <p:nvPr/>
+          </p:nvCxnSpPr>
+          <p:spPr>
+            <a:xfrm rot="16200000">
+              <a:off x="6664064" y="1301769"/>
+              <a:ext cx="88509" cy="80463"/>
+            </a:xfrm>
+            <a:prstGeom prst="line">
+              <a:avLst/>
+            </a:prstGeom>
+            <a:noFill/>
+            <a:ln w="25400" cap="rnd" cmpd="sng" algn="ctr">
+              <a:solidFill>
+                <a:srgbClr val="FFFFFF">
+                  <a:alpha val="100000"/>
+                </a:srgbClr>
+              </a:solidFill>
+              <a:prstDash val="solid"/>
+            </a:ln>
+            <a:effectLst/>
+          </p:spPr>
+          <p:style>
+            <a:lnRef idx="2">
+              <a:schemeClr val="accent1"/>
+            </a:lnRef>
+            <a:fillRef idx="0">
+              <a:schemeClr val="accent1"/>
+            </a:fillRef>
+            <a:effectRef idx="1">
+              <a:schemeClr val="accent1"/>
+            </a:effectRef>
+            <a:fontRef idx="minor">
+              <a:schemeClr val="tx1"/>
+            </a:fontRef>
+          </p:style>
+        </p:cxnSp>
+        <p:cxnSp>
+          <p:nvCxnSpPr>
+            <p:cNvPr id="20" name="19 Conector recto"/>
+            <p:cNvCxnSpPr/>
+            <p:nvPr/>
+          </p:nvCxnSpPr>
+          <p:spPr>
+            <a:xfrm rot="16200000" flipV="1">
+              <a:off x="6685888" y="1391257"/>
+              <a:ext cx="125755" cy="427"/>
+            </a:xfrm>
+            <a:prstGeom prst="line">
+              <a:avLst/>
+            </a:prstGeom>
+            <a:noFill/>
+            <a:ln w="25400" cap="rnd" cmpd="sng" algn="ctr">
+              <a:solidFill>
+                <a:srgbClr val="FFFFFF">
+                  <a:alpha val="100000"/>
+                </a:srgbClr>
+              </a:solidFill>
+              <a:prstDash val="solid"/>
+            </a:ln>
+            <a:effectLst/>
+          </p:spPr>
+          <p:style>
+            <a:lnRef idx="2">
+              <a:schemeClr val="accent1"/>
+            </a:lnRef>
+            <a:fillRef idx="0">
+              <a:schemeClr val="accent1"/>
+            </a:fillRef>
+            <a:effectRef idx="1">
+              <a:schemeClr val="accent1"/>
+            </a:effectRef>
+            <a:fontRef idx="minor">
+              <a:schemeClr val="tx1"/>
+            </a:fontRef>
+          </p:style>
+        </p:cxnSp>
+        <p:cxnSp>
+          <p:nvCxnSpPr>
+            <p:cNvPr id="21" name="20 Conector recto"/>
+            <p:cNvCxnSpPr/>
+            <p:nvPr/>
+          </p:nvCxnSpPr>
+          <p:spPr>
+            <a:xfrm rot="5400000" flipH="1">
+              <a:off x="6744524" y="1300853"/>
+              <a:ext cx="88509" cy="82296"/>
+            </a:xfrm>
+            <a:prstGeom prst="line">
+              <a:avLst/>
+            </a:prstGeom>
+            <a:noFill/>
+            <a:ln w="25400" cap="rnd" cmpd="sng" algn="ctr">
+              <a:solidFill>
+                <a:srgbClr val="FFFFFF">
+                  <a:alpha val="100000"/>
+                </a:srgbClr>
+              </a:solidFill>
+              <a:prstDash val="solid"/>
+            </a:ln>
+            <a:effectLst/>
+          </p:spPr>
+          <p:style>
+            <a:lnRef idx="2">
+              <a:schemeClr val="accent1"/>
+            </a:lnRef>
+            <a:fillRef idx="0">
+              <a:schemeClr val="accent1"/>
+            </a:fillRef>
+            <a:effectRef idx="1">
+              <a:schemeClr val="accent1"/>
+            </a:effectRef>
+            <a:fontRef idx="minor">
+              <a:schemeClr val="tx1"/>
+            </a:fontRef>
+          </p:style>
+        </p:cxnSp>
+      </p:grpSp>
       <p:sp>
         <p:nvSpPr>
           <p:cNvPr id="5" name="4 Marcador de fecha"/>
@@ -2483,15 +5391,22 @@
             <p:ph type="dt" sz="half" idx="10"/>
           </p:nvPr>
         </p:nvSpPr>
-        <p:spPr/>
+        <p:spPr>
+          <a:xfrm>
+            <a:off x="6477000" y="55499"/>
+            <a:ext cx="2133600" cy="365125"/>
+          </a:xfrm>
+        </p:spPr>
         <p:txBody>
           <a:bodyPr/>
-          <a:lstStyle/>
+          <a:lstStyle>
+            <a:extLst/>
+          </a:lstStyle>
           <a:p>
             <a:fld id="{A1ADFC2C-B67E-4D32-A492-8D7D1ED6CD5F}" type="datetimeFigureOut">
               <a:rPr lang="es-ES" smtClean="0"/>
               <a:pPr/>
-              <a:t>07/05/2024</a:t>
+              <a:t>08/05/2024</a:t>
             </a:fld>
             <a:endParaRPr lang="es-ES"/>
           </a:p>
@@ -2507,10 +5422,17 @@
             <p:ph type="ftr" sz="quarter" idx="11"/>
           </p:nvPr>
         </p:nvSpPr>
-        <p:spPr/>
+        <p:spPr>
+          <a:xfrm>
+            <a:off x="914400" y="55499"/>
+            <a:ext cx="5562600" cy="365125"/>
+          </a:xfrm>
+        </p:spPr>
         <p:txBody>
           <a:bodyPr/>
-          <a:lstStyle/>
+          <a:lstStyle>
+            <a:extLst/>
+          </a:lstStyle>
           <a:p>
             <a:endParaRPr lang="es-ES"/>
           </a:p>
@@ -2526,10 +5448,17 @@
             <p:ph type="sldNum" sz="quarter" idx="12"/>
           </p:nvPr>
         </p:nvSpPr>
-        <p:spPr/>
+        <p:spPr>
+          <a:xfrm>
+            <a:off x="8610600" y="55499"/>
+            <a:ext cx="457200" cy="365125"/>
+          </a:xfrm>
+        </p:spPr>
         <p:txBody>
           <a:bodyPr/>
-          <a:lstStyle/>
+          <a:lstStyle>
+            <a:extLst/>
+          </a:lstStyle>
           <a:p>
             <a:fld id="{2F400C75-B74F-4F90-9B92-CEC5EF3B6A5E}" type="slidenum">
               <a:rPr lang="es-ES" smtClean="0"/>
@@ -2552,8 +5481,8 @@
 <p:sldMaster xmlns:a="http://schemas.openxmlformats.org/drawingml/2006/main" xmlns:r="http://schemas.openxmlformats.org/officeDocument/2006/relationships" xmlns:p="http://schemas.openxmlformats.org/presentationml/2006/main">
   <p:cSld>
     <p:bg>
-      <p:bgRef idx="1001">
-        <a:schemeClr val="bg1"/>
+      <p:bgRef idx="1002">
+        <a:schemeClr val="bg2"/>
       </p:bgRef>
     </p:bg>
     <p:spTree>
@@ -2572,7 +5501,455 @@
       </p:grpSpPr>
       <p:sp>
         <p:nvSpPr>
-          <p:cNvPr id="2" name="1 Marcador de título"/>
+          <p:cNvPr id="7" name="6 Rectángulo"/>
+          <p:cNvSpPr/>
+          <p:nvPr/>
+        </p:nvSpPr>
+        <p:spPr>
+          <a:xfrm>
+            <a:off x="0" y="-1"/>
+            <a:ext cx="365760" cy="6854456"/>
+          </a:xfrm>
+          <a:prstGeom prst="rect">
+            <a:avLst/>
+          </a:prstGeom>
+          <a:solidFill>
+            <a:srgbClr val="FFFFFF">
+              <a:alpha val="100000"/>
+            </a:srgbClr>
+          </a:solidFill>
+          <a:ln w="50800" cap="rnd" cmpd="dbl" algn="ctr">
+            <a:noFill/>
+            <a:prstDash val="solid"/>
+          </a:ln>
+          <a:effectLst/>
+        </p:spPr>
+        <p:style>
+          <a:lnRef idx="3">
+            <a:schemeClr val="lt1"/>
+          </a:lnRef>
+          <a:fillRef idx="1">
+            <a:schemeClr val="accent1"/>
+          </a:fillRef>
+          <a:effectRef idx="1">
+            <a:schemeClr val="accent1"/>
+          </a:effectRef>
+          <a:fontRef idx="minor">
+            <a:schemeClr val="lt1"/>
+          </a:fontRef>
+        </p:style>
+        <p:txBody>
+          <a:bodyPr anchor="ctr"/>
+          <a:lstStyle>
+            <a:extLst/>
+          </a:lstStyle>
+          <a:p>
+            <a:pPr algn="ctr" eaLnBrk="1" latinLnBrk="0" hangingPunct="1"/>
+            <a:endParaRPr kumimoji="0" lang="en-US"/>
+          </a:p>
+        </p:txBody>
+      </p:sp>
+      <p:sp>
+        <p:nvSpPr>
+          <p:cNvPr id="8" name="7 Rectángulo"/>
+          <p:cNvSpPr/>
+          <p:nvPr/>
+        </p:nvSpPr>
+        <p:spPr>
+          <a:xfrm>
+            <a:off x="255291" y="5047394"/>
+            <a:ext cx="73152" cy="1691640"/>
+          </a:xfrm>
+          <a:prstGeom prst="rect">
+            <a:avLst/>
+          </a:prstGeom>
+          <a:solidFill>
+            <a:schemeClr val="accent2">
+              <a:alpha val="100000"/>
+            </a:schemeClr>
+          </a:solidFill>
+          <a:ln w="50800" cap="rnd" cmpd="dbl" algn="ctr">
+            <a:noFill/>
+            <a:prstDash val="solid"/>
+          </a:ln>
+          <a:effectLst/>
+        </p:spPr>
+        <p:style>
+          <a:lnRef idx="3">
+            <a:schemeClr val="lt1"/>
+          </a:lnRef>
+          <a:fillRef idx="1">
+            <a:schemeClr val="accent1"/>
+          </a:fillRef>
+          <a:effectRef idx="1">
+            <a:schemeClr val="accent1"/>
+          </a:effectRef>
+          <a:fontRef idx="minor">
+            <a:schemeClr val="lt1"/>
+          </a:fontRef>
+        </p:style>
+        <p:txBody>
+          <a:bodyPr anchor="ctr"/>
+          <a:lstStyle>
+            <a:extLst/>
+          </a:lstStyle>
+          <a:p>
+            <a:pPr algn="ctr" eaLnBrk="1" latinLnBrk="0" hangingPunct="1"/>
+            <a:endParaRPr kumimoji="0" lang="en-US"/>
+          </a:p>
+        </p:txBody>
+      </p:sp>
+      <p:sp>
+        <p:nvSpPr>
+          <p:cNvPr id="9" name="8 Rectángulo"/>
+          <p:cNvSpPr/>
+          <p:nvPr/>
+        </p:nvSpPr>
+        <p:spPr>
+          <a:xfrm>
+            <a:off x="255291" y="4796819"/>
+            <a:ext cx="73152" cy="228600"/>
+          </a:xfrm>
+          <a:prstGeom prst="rect">
+            <a:avLst/>
+          </a:prstGeom>
+          <a:solidFill>
+            <a:schemeClr val="accent3">
+              <a:alpha val="100000"/>
+            </a:schemeClr>
+          </a:solidFill>
+          <a:ln w="50800" cap="rnd" cmpd="dbl" algn="ctr">
+            <a:noFill/>
+            <a:prstDash val="solid"/>
+          </a:ln>
+          <a:effectLst/>
+        </p:spPr>
+        <p:style>
+          <a:lnRef idx="3">
+            <a:schemeClr val="lt1"/>
+          </a:lnRef>
+          <a:fillRef idx="1">
+            <a:schemeClr val="accent1"/>
+          </a:fillRef>
+          <a:effectRef idx="1">
+            <a:schemeClr val="accent1"/>
+          </a:effectRef>
+          <a:fontRef idx="minor">
+            <a:schemeClr val="lt1"/>
+          </a:fontRef>
+        </p:style>
+        <p:txBody>
+          <a:bodyPr anchor="ctr"/>
+          <a:lstStyle>
+            <a:extLst/>
+          </a:lstStyle>
+          <a:p>
+            <a:pPr algn="ctr" eaLnBrk="1" latinLnBrk="0" hangingPunct="1"/>
+            <a:endParaRPr kumimoji="0" lang="en-US"/>
+          </a:p>
+        </p:txBody>
+      </p:sp>
+      <p:sp>
+        <p:nvSpPr>
+          <p:cNvPr id="10" name="9 Rectángulo"/>
+          <p:cNvSpPr/>
+          <p:nvPr/>
+        </p:nvSpPr>
+        <p:spPr>
+          <a:xfrm>
+            <a:off x="255291" y="4637685"/>
+            <a:ext cx="73152" cy="137160"/>
+          </a:xfrm>
+          <a:prstGeom prst="rect">
+            <a:avLst/>
+          </a:prstGeom>
+          <a:solidFill>
+            <a:schemeClr val="bg2"/>
+          </a:solidFill>
+          <a:ln w="50800" cap="rnd" cmpd="dbl" algn="ctr">
+            <a:noFill/>
+            <a:prstDash val="solid"/>
+          </a:ln>
+          <a:effectLst/>
+        </p:spPr>
+        <p:style>
+          <a:lnRef idx="3">
+            <a:schemeClr val="lt1"/>
+          </a:lnRef>
+          <a:fillRef idx="1">
+            <a:schemeClr val="accent1"/>
+          </a:fillRef>
+          <a:effectRef idx="1">
+            <a:schemeClr val="accent1"/>
+          </a:effectRef>
+          <a:fontRef idx="minor">
+            <a:schemeClr val="lt1"/>
+          </a:fontRef>
+        </p:style>
+        <p:txBody>
+          <a:bodyPr anchor="ctr"/>
+          <a:lstStyle>
+            <a:extLst/>
+          </a:lstStyle>
+          <a:p>
+            <a:pPr algn="ctr" eaLnBrk="1" latinLnBrk="0" hangingPunct="1"/>
+            <a:endParaRPr kumimoji="0" lang="en-US"/>
+          </a:p>
+        </p:txBody>
+      </p:sp>
+      <p:sp>
+        <p:nvSpPr>
+          <p:cNvPr id="11" name="10 Rectángulo"/>
+          <p:cNvSpPr/>
+          <p:nvPr/>
+        </p:nvSpPr>
+        <p:spPr>
+          <a:xfrm>
+            <a:off x="255291" y="4542559"/>
+            <a:ext cx="73152" cy="73152"/>
+          </a:xfrm>
+          <a:prstGeom prst="rect">
+            <a:avLst/>
+          </a:prstGeom>
+          <a:solidFill>
+            <a:schemeClr val="accent2">
+              <a:alpha val="100000"/>
+            </a:schemeClr>
+          </a:solidFill>
+          <a:ln w="50800" cap="rnd" cmpd="dbl" algn="ctr">
+            <a:noFill/>
+            <a:prstDash val="solid"/>
+          </a:ln>
+          <a:effectLst/>
+        </p:spPr>
+        <p:style>
+          <a:lnRef idx="3">
+            <a:schemeClr val="lt1"/>
+          </a:lnRef>
+          <a:fillRef idx="1">
+            <a:schemeClr val="accent1"/>
+          </a:fillRef>
+          <a:effectRef idx="1">
+            <a:schemeClr val="accent1"/>
+          </a:effectRef>
+          <a:fontRef idx="minor">
+            <a:schemeClr val="lt1"/>
+          </a:fontRef>
+        </p:style>
+        <p:txBody>
+          <a:bodyPr anchor="ctr"/>
+          <a:lstStyle>
+            <a:extLst/>
+          </a:lstStyle>
+          <a:p>
+            <a:pPr algn="ctr" eaLnBrk="1" latinLnBrk="0" hangingPunct="1"/>
+            <a:endParaRPr kumimoji="0" lang="en-US" dirty="0"/>
+          </a:p>
+        </p:txBody>
+      </p:sp>
+      <p:sp>
+        <p:nvSpPr>
+          <p:cNvPr id="12" name="11 Rectángulo"/>
+          <p:cNvSpPr/>
+          <p:nvPr/>
+        </p:nvSpPr>
+        <p:spPr>
+          <a:xfrm>
+            <a:off x="309558" y="680477"/>
+            <a:ext cx="45720" cy="365760"/>
+          </a:xfrm>
+          <a:prstGeom prst="rect">
+            <a:avLst/>
+          </a:prstGeom>
+          <a:solidFill>
+            <a:srgbClr val="000000">
+              <a:alpha val="100000"/>
+            </a:srgbClr>
+          </a:solidFill>
+          <a:ln w="50800" cap="rnd" cmpd="thickThin" algn="ctr">
+            <a:noFill/>
+            <a:prstDash val="solid"/>
+          </a:ln>
+          <a:effectLst/>
+        </p:spPr>
+        <p:style>
+          <a:lnRef idx="3">
+            <a:schemeClr val="lt1"/>
+          </a:lnRef>
+          <a:fillRef idx="1">
+            <a:schemeClr val="accent1"/>
+          </a:fillRef>
+          <a:effectRef idx="1">
+            <a:schemeClr val="accent1"/>
+          </a:effectRef>
+          <a:fontRef idx="minor">
+            <a:schemeClr val="lt1"/>
+          </a:fontRef>
+        </p:style>
+        <p:txBody>
+          <a:bodyPr anchor="ctr"/>
+          <a:lstStyle>
+            <a:extLst/>
+          </a:lstStyle>
+          <a:p>
+            <a:pPr algn="ctr" eaLnBrk="1" latinLnBrk="0" hangingPunct="1"/>
+            <a:endParaRPr kumimoji="0" lang="en-US" dirty="0"/>
+          </a:p>
+        </p:txBody>
+      </p:sp>
+      <p:sp>
+        <p:nvSpPr>
+          <p:cNvPr id="15" name="14 Rectángulo"/>
+          <p:cNvSpPr/>
+          <p:nvPr/>
+        </p:nvSpPr>
+        <p:spPr>
+          <a:xfrm>
+            <a:off x="269073" y="680477"/>
+            <a:ext cx="27432" cy="365760"/>
+          </a:xfrm>
+          <a:prstGeom prst="rect">
+            <a:avLst/>
+          </a:prstGeom>
+          <a:solidFill>
+            <a:srgbClr val="000000">
+              <a:alpha val="100000"/>
+            </a:srgbClr>
+          </a:solidFill>
+          <a:ln w="50800" cap="rnd" cmpd="thickThin" algn="ctr">
+            <a:noFill/>
+            <a:prstDash val="solid"/>
+          </a:ln>
+          <a:effectLst/>
+        </p:spPr>
+        <p:style>
+          <a:lnRef idx="3">
+            <a:schemeClr val="lt1"/>
+          </a:lnRef>
+          <a:fillRef idx="1">
+            <a:schemeClr val="accent1"/>
+          </a:fillRef>
+          <a:effectRef idx="1">
+            <a:schemeClr val="accent1"/>
+          </a:effectRef>
+          <a:fontRef idx="minor">
+            <a:schemeClr val="lt1"/>
+          </a:fontRef>
+        </p:style>
+        <p:txBody>
+          <a:bodyPr anchor="ctr"/>
+          <a:lstStyle>
+            <a:extLst/>
+          </a:lstStyle>
+          <a:p>
+            <a:pPr algn="ctr" eaLnBrk="1" latinLnBrk="0" hangingPunct="1"/>
+            <a:endParaRPr kumimoji="0" lang="en-US" dirty="0"/>
+          </a:p>
+        </p:txBody>
+      </p:sp>
+      <p:sp>
+        <p:nvSpPr>
+          <p:cNvPr id="16" name="15 Rectángulo"/>
+          <p:cNvSpPr/>
+          <p:nvPr/>
+        </p:nvSpPr>
+        <p:spPr>
+          <a:xfrm>
+            <a:off x="250020" y="680477"/>
+            <a:ext cx="9144" cy="365760"/>
+          </a:xfrm>
+          <a:prstGeom prst="rect">
+            <a:avLst/>
+          </a:prstGeom>
+          <a:solidFill>
+            <a:srgbClr val="000000">
+              <a:alpha val="100000"/>
+            </a:srgbClr>
+          </a:solidFill>
+          <a:ln w="50800" cap="rnd" cmpd="thickThin" algn="ctr">
+            <a:noFill/>
+            <a:prstDash val="solid"/>
+          </a:ln>
+          <a:effectLst/>
+        </p:spPr>
+        <p:style>
+          <a:lnRef idx="3">
+            <a:schemeClr val="lt1"/>
+          </a:lnRef>
+          <a:fillRef idx="1">
+            <a:schemeClr val="accent1"/>
+          </a:fillRef>
+          <a:effectRef idx="1">
+            <a:schemeClr val="accent1"/>
+          </a:effectRef>
+          <a:fontRef idx="minor">
+            <a:schemeClr val="lt1"/>
+          </a:fontRef>
+        </p:style>
+        <p:txBody>
+          <a:bodyPr anchor="ctr"/>
+          <a:lstStyle>
+            <a:extLst/>
+          </a:lstStyle>
+          <a:p>
+            <a:pPr algn="ctr" eaLnBrk="1" latinLnBrk="0" hangingPunct="1"/>
+            <a:endParaRPr kumimoji="0" lang="en-US"/>
+          </a:p>
+        </p:txBody>
+      </p:sp>
+      <p:sp>
+        <p:nvSpPr>
+          <p:cNvPr id="17" name="16 Rectángulo"/>
+          <p:cNvSpPr/>
+          <p:nvPr/>
+        </p:nvSpPr>
+        <p:spPr>
+          <a:xfrm>
+            <a:off x="221768" y="680477"/>
+            <a:ext cx="9144" cy="365760"/>
+          </a:xfrm>
+          <a:prstGeom prst="rect">
+            <a:avLst/>
+          </a:prstGeom>
+          <a:solidFill>
+            <a:srgbClr val="000000">
+              <a:alpha val="100000"/>
+            </a:srgbClr>
+          </a:solidFill>
+          <a:ln w="50800" cap="rnd" cmpd="thickThin" algn="ctr">
+            <a:noFill/>
+            <a:prstDash val="solid"/>
+          </a:ln>
+          <a:effectLst/>
+        </p:spPr>
+        <p:style>
+          <a:lnRef idx="3">
+            <a:schemeClr val="lt1"/>
+          </a:lnRef>
+          <a:fillRef idx="1">
+            <a:schemeClr val="accent1"/>
+          </a:fillRef>
+          <a:effectRef idx="1">
+            <a:schemeClr val="accent1"/>
+          </a:effectRef>
+          <a:fontRef idx="minor">
+            <a:schemeClr val="lt1"/>
+          </a:fontRef>
+        </p:style>
+        <p:txBody>
+          <a:bodyPr anchor="ctr"/>
+          <a:lstStyle>
+            <a:extLst/>
+          </a:lstStyle>
+          <a:p>
+            <a:pPr algn="ctr" eaLnBrk="1" latinLnBrk="0" hangingPunct="1"/>
+            <a:endParaRPr kumimoji="0" lang="en-US" dirty="0"/>
+          </a:p>
+        </p:txBody>
+      </p:sp>
+      <p:sp>
+        <p:nvSpPr>
+          <p:cNvPr id="22" name="21 Marcador de título"/>
           <p:cNvSpPr>
             <a:spLocks noGrp="1"/>
           </p:cNvSpPr>
@@ -2582,30 +5959,32 @@
         </p:nvSpPr>
         <p:spPr>
           <a:xfrm>
-            <a:off x="457200" y="274638"/>
-            <a:ext cx="8229600" cy="1143000"/>
+            <a:off x="914400" y="512064"/>
+            <a:ext cx="7772400" cy="914400"/>
           </a:xfrm>
           <a:prstGeom prst="rect">
             <a:avLst/>
           </a:prstGeom>
         </p:spPr>
         <p:txBody>
-          <a:bodyPr vert="horz" lIns="91440" tIns="45720" rIns="91440" bIns="45720" rtlCol="0" anchor="ctr">
-            <a:normAutofit/>
+          <a:bodyPr vert="horz" anchor="t">
+            <a:noAutofit/>
           </a:bodyPr>
-          <a:lstStyle/>
-          <a:p>
-            <a:r>
-              <a:rPr lang="es-ES" smtClean="0"/>
+          <a:lstStyle>
+            <a:extLst/>
+          </a:lstStyle>
+          <a:p>
+            <a:r>
+              <a:rPr kumimoji="0" lang="es-ES" smtClean="0"/>
               <a:t>Haga clic para modificar el estilo de título del patrón</a:t>
             </a:r>
-            <a:endParaRPr lang="es-ES"/>
-          </a:p>
-        </p:txBody>
-      </p:sp>
-      <p:sp>
-        <p:nvSpPr>
-          <p:cNvPr id="3" name="2 Marcador de texto"/>
+            <a:endParaRPr kumimoji="0" lang="en-US"/>
+          </a:p>
+        </p:txBody>
+      </p:sp>
+      <p:sp>
+        <p:nvSpPr>
+          <p:cNvPr id="13" name="12 Marcador de texto"/>
           <p:cNvSpPr>
             <a:spLocks noGrp="1"/>
           </p:cNvSpPr>
@@ -2615,59 +5994,61 @@
         </p:nvSpPr>
         <p:spPr>
           <a:xfrm>
-            <a:off x="457200" y="1600200"/>
-            <a:ext cx="8229600" cy="4525963"/>
+            <a:off x="914400" y="1783560"/>
+            <a:ext cx="7772400" cy="4572000"/>
           </a:xfrm>
           <a:prstGeom prst="rect">
             <a:avLst/>
           </a:prstGeom>
         </p:spPr>
         <p:txBody>
-          <a:bodyPr vert="horz" lIns="91440" tIns="45720" rIns="91440" bIns="45720" rtlCol="0">
+          <a:bodyPr vert="horz">
             <a:normAutofit/>
           </a:bodyPr>
-          <a:lstStyle/>
-          <a:p>
-            <a:pPr lvl="0"/>
-            <a:r>
-              <a:rPr lang="es-ES" smtClean="0"/>
+          <a:lstStyle>
+            <a:extLst/>
+          </a:lstStyle>
+          <a:p>
+            <a:pPr lvl="0" eaLnBrk="1" latinLnBrk="0" hangingPunct="1"/>
+            <a:r>
+              <a:rPr kumimoji="0" lang="es-ES" smtClean="0"/>
               <a:t>Haga clic para modificar el estilo de texto del patrón</a:t>
             </a:r>
           </a:p>
           <a:p>
-            <a:pPr lvl="1"/>
-            <a:r>
-              <a:rPr lang="es-ES" smtClean="0"/>
+            <a:pPr lvl="1" eaLnBrk="1" latinLnBrk="0" hangingPunct="1"/>
+            <a:r>
+              <a:rPr kumimoji="0" lang="es-ES" smtClean="0"/>
               <a:t>Segundo nivel</a:t>
             </a:r>
           </a:p>
           <a:p>
-            <a:pPr lvl="2"/>
-            <a:r>
-              <a:rPr lang="es-ES" smtClean="0"/>
+            <a:pPr lvl="2" eaLnBrk="1" latinLnBrk="0" hangingPunct="1"/>
+            <a:r>
+              <a:rPr kumimoji="0" lang="es-ES" smtClean="0"/>
               <a:t>Tercer nivel</a:t>
             </a:r>
           </a:p>
           <a:p>
-            <a:pPr lvl="3"/>
-            <a:r>
-              <a:rPr lang="es-ES" smtClean="0"/>
+            <a:pPr lvl="3" eaLnBrk="1" latinLnBrk="0" hangingPunct="1"/>
+            <a:r>
+              <a:rPr kumimoji="0" lang="es-ES" smtClean="0"/>
               <a:t>Cuarto nivel</a:t>
             </a:r>
           </a:p>
           <a:p>
-            <a:pPr lvl="4"/>
-            <a:r>
-              <a:rPr lang="es-ES" smtClean="0"/>
+            <a:pPr lvl="4" eaLnBrk="1" latinLnBrk="0" hangingPunct="1"/>
+            <a:r>
+              <a:rPr kumimoji="0" lang="es-ES" smtClean="0"/>
               <a:t>Quinto nivel</a:t>
             </a:r>
-            <a:endParaRPr lang="es-ES"/>
-          </a:p>
-        </p:txBody>
-      </p:sp>
-      <p:sp>
-        <p:nvSpPr>
-          <p:cNvPr id="4" name="3 Marcador de fecha"/>
+            <a:endParaRPr kumimoji="0" lang="en-US"/>
+          </a:p>
+        </p:txBody>
+      </p:sp>
+      <p:sp>
+        <p:nvSpPr>
+          <p:cNvPr id="14" name="13 Marcador de fecha"/>
           <p:cNvSpPr>
             <a:spLocks noGrp="1"/>
           </p:cNvSpPr>
@@ -2677,7 +6058,7 @@
         </p:nvSpPr>
         <p:spPr>
           <a:xfrm>
-            <a:off x="457200" y="6356350"/>
+            <a:off x="6477000" y="6416675"/>
             <a:ext cx="2133600" cy="365125"/>
           </a:xfrm>
           <a:prstGeom prst="rect">
@@ -2685,23 +6066,22 @@
           </a:prstGeom>
         </p:spPr>
         <p:txBody>
-          <a:bodyPr vert="horz" lIns="91440" tIns="45720" rIns="91440" bIns="45720" rtlCol="0" anchor="ctr"/>
-          <a:lstStyle>
-            <a:lvl1pPr algn="l">
-              <a:defRPr sz="1200">
+          <a:bodyPr vert="horz" anchor="b"/>
+          <a:lstStyle>
+            <a:lvl1pPr algn="l" eaLnBrk="1" latinLnBrk="0" hangingPunct="1">
+              <a:defRPr kumimoji="0" sz="1100">
                 <a:solidFill>
-                  <a:schemeClr val="tx1">
-                    <a:tint val="75000"/>
-                  </a:schemeClr>
+                  <a:schemeClr val="tx2"/>
                 </a:solidFill>
               </a:defRPr>
             </a:lvl1pPr>
+            <a:extLst/>
           </a:lstStyle>
           <a:p>
             <a:fld id="{A1ADFC2C-B67E-4D32-A492-8D7D1ED6CD5F}" type="datetimeFigureOut">
               <a:rPr lang="es-ES" smtClean="0"/>
               <a:pPr/>
-              <a:t>07/05/2024</a:t>
+              <a:t>08/05/2024</a:t>
             </a:fld>
             <a:endParaRPr lang="es-ES"/>
           </a:p>
@@ -2709,7 +6089,7 @@
       </p:sp>
       <p:sp>
         <p:nvSpPr>
-          <p:cNvPr id="5" name="4 Marcador de pie de página"/>
+          <p:cNvPr id="3" name="2 Marcador de pie de página"/>
           <p:cNvSpPr>
             <a:spLocks noGrp="1"/>
           </p:cNvSpPr>
@@ -2719,25 +6099,24 @@
         </p:nvSpPr>
         <p:spPr>
           <a:xfrm>
-            <a:off x="3124200" y="6356350"/>
-            <a:ext cx="2895600" cy="365125"/>
+            <a:off x="914400" y="6416675"/>
+            <a:ext cx="5562600" cy="365125"/>
           </a:xfrm>
           <a:prstGeom prst="rect">
             <a:avLst/>
           </a:prstGeom>
         </p:spPr>
         <p:txBody>
-          <a:bodyPr vert="horz" lIns="91440" tIns="45720" rIns="91440" bIns="45720" rtlCol="0" anchor="ctr"/>
-          <a:lstStyle>
-            <a:lvl1pPr algn="ctr">
-              <a:defRPr sz="1200">
+          <a:bodyPr vert="horz" anchor="b"/>
+          <a:lstStyle>
+            <a:lvl1pPr algn="r" eaLnBrk="1" latinLnBrk="0" hangingPunct="1">
+              <a:defRPr kumimoji="0" sz="1100">
                 <a:solidFill>
-                  <a:schemeClr val="tx1">
-                    <a:tint val="75000"/>
-                  </a:schemeClr>
+                  <a:schemeClr val="tx2"/>
                 </a:solidFill>
               </a:defRPr>
             </a:lvl1pPr>
+            <a:extLst/>
           </a:lstStyle>
           <a:p>
             <a:endParaRPr lang="es-ES"/>
@@ -2746,7 +6125,7 @@
       </p:sp>
       <p:sp>
         <p:nvSpPr>
-          <p:cNvPr id="6" name="5 Marcador de número de diapositiva"/>
+          <p:cNvPr id="23" name="22 Marcador de número de diapositiva"/>
           <p:cNvSpPr>
             <a:spLocks noGrp="1"/>
           </p:cNvSpPr>
@@ -2756,25 +6135,24 @@
         </p:nvSpPr>
         <p:spPr>
           <a:xfrm>
-            <a:off x="6553200" y="6356350"/>
-            <a:ext cx="2133600" cy="365125"/>
+            <a:off x="8610600" y="6416675"/>
+            <a:ext cx="457200" cy="365125"/>
           </a:xfrm>
           <a:prstGeom prst="rect">
             <a:avLst/>
           </a:prstGeom>
         </p:spPr>
         <p:txBody>
-          <a:bodyPr vert="horz" lIns="91440" tIns="45720" rIns="91440" bIns="45720" rtlCol="0" anchor="ctr"/>
-          <a:lstStyle>
-            <a:lvl1pPr algn="r">
-              <a:defRPr sz="1200">
+          <a:bodyPr vert="horz" anchor="b"/>
+          <a:lstStyle>
+            <a:lvl1pPr algn="l" eaLnBrk="1" latinLnBrk="0" hangingPunct="1">
+              <a:defRPr kumimoji="0" sz="1200">
                 <a:solidFill>
-                  <a:schemeClr val="tx1">
-                    <a:tint val="75000"/>
-                  </a:schemeClr>
+                  <a:schemeClr val="tx2"/>
                 </a:solidFill>
               </a:defRPr>
             </a:lvl1pPr>
+            <a:extLst/>
           </a:lstStyle>
           <a:p>
             <a:fld id="{2F400C75-B74F-4F90-9B92-CEC5EF3B6A5E}" type="slidenum">
@@ -2788,45 +6166,52 @@
       </p:sp>
     </p:spTree>
   </p:cSld>
-  <p:clrMap bg1="lt1" tx1="dk1" bg2="lt2" tx2="dk2" accent1="accent1" accent2="accent2" accent3="accent3" accent4="accent4" accent5="accent5" accent6="accent6" hlink="hlink" folHlink="folHlink"/>
+  <p:clrMap bg1="dk1" tx1="lt1" bg2="dk2" tx2="lt2" accent1="accent1" accent2="accent2" accent3="accent3" accent4="accent4" accent5="accent5" accent6="accent6" hlink="hlink" folHlink="folHlink"/>
   <p:sldLayoutIdLst>
-    <p:sldLayoutId id="2147483649" r:id="rId1"/>
-    <p:sldLayoutId id="2147483650" r:id="rId2"/>
-    <p:sldLayoutId id="2147483651" r:id="rId3"/>
-    <p:sldLayoutId id="2147483652" r:id="rId4"/>
-    <p:sldLayoutId id="2147483653" r:id="rId5"/>
-    <p:sldLayoutId id="2147483654" r:id="rId6"/>
-    <p:sldLayoutId id="2147483655" r:id="rId7"/>
-    <p:sldLayoutId id="2147483656" r:id="rId8"/>
-    <p:sldLayoutId id="2147483657" r:id="rId9"/>
-    <p:sldLayoutId id="2147483658" r:id="rId10"/>
-    <p:sldLayoutId id="2147483659" r:id="rId11"/>
+    <p:sldLayoutId id="2147483661" r:id="rId1"/>
+    <p:sldLayoutId id="2147483662" r:id="rId2"/>
+    <p:sldLayoutId id="2147483663" r:id="rId3"/>
+    <p:sldLayoutId id="2147483664" r:id="rId4"/>
+    <p:sldLayoutId id="2147483665" r:id="rId5"/>
+    <p:sldLayoutId id="2147483666" r:id="rId6"/>
+    <p:sldLayoutId id="2147483667" r:id="rId7"/>
+    <p:sldLayoutId id="2147483668" r:id="rId8"/>
+    <p:sldLayoutId id="2147483669" r:id="rId9"/>
+    <p:sldLayoutId id="2147483670" r:id="rId10"/>
+    <p:sldLayoutId id="2147483671" r:id="rId11"/>
   </p:sldLayoutIdLst>
   <p:txStyles>
     <p:titleStyle>
-      <a:lvl1pPr algn="ctr" defTabSz="914400" rtl="0" eaLnBrk="1" latinLnBrk="0" hangingPunct="1">
+      <a:lvl1pPr algn="l" rtl="0" eaLnBrk="1" latinLnBrk="0" hangingPunct="1">
         <a:spcBef>
           <a:spcPct val="0"/>
         </a:spcBef>
         <a:buNone/>
-        <a:defRPr sz="4400" kern="1200">
+        <a:defRPr kumimoji="0" sz="4000" kern="1200" spc="-100" baseline="0">
           <a:solidFill>
-            <a:schemeClr val="tx1"/>
+            <a:schemeClr val="tx2">
+              <a:satMod val="200000"/>
+            </a:schemeClr>
           </a:solidFill>
           <a:latin typeface="+mj-lt"/>
           <a:ea typeface="+mj-ea"/>
           <a:cs typeface="+mj-cs"/>
         </a:defRPr>
       </a:lvl1pPr>
+      <a:extLst/>
     </p:titleStyle>
     <p:bodyStyle>
-      <a:lvl1pPr marL="342900" indent="-342900" algn="l" defTabSz="914400" rtl="0" eaLnBrk="1" latinLnBrk="0" hangingPunct="1">
+      <a:lvl1pPr marL="411480" indent="-342900" algn="l" rtl="0" eaLnBrk="1" latinLnBrk="0" hangingPunct="1">
         <a:spcBef>
-          <a:spcPct val="20000"/>
+          <a:spcPts val="700"/>
         </a:spcBef>
-        <a:buFont typeface="Arial" pitchFamily="34" charset="0"/>
-        <a:buChar char="•"/>
-        <a:defRPr sz="3200" kern="1200">
+        <a:buClr>
+          <a:schemeClr val="tx2"/>
+        </a:buClr>
+        <a:buSzPct val="95000"/>
+        <a:buFont typeface="Wingdings"/>
+        <a:buChar char=""/>
+        <a:defRPr kumimoji="0" sz="3000" kern="1200">
           <a:solidFill>
             <a:schemeClr val="tx1"/>
           </a:solidFill>
@@ -2835,13 +6220,17 @@
           <a:cs typeface="+mn-cs"/>
         </a:defRPr>
       </a:lvl1pPr>
-      <a:lvl2pPr marL="742950" indent="-285750" algn="l" defTabSz="914400" rtl="0" eaLnBrk="1" latinLnBrk="0" hangingPunct="1">
+      <a:lvl2pPr marL="740664" indent="-285750" algn="l" rtl="0" eaLnBrk="1" latinLnBrk="0" hangingPunct="1">
         <a:spcBef>
           <a:spcPct val="20000"/>
         </a:spcBef>
-        <a:buFont typeface="Arial" pitchFamily="34" charset="0"/>
-        <a:buChar char="–"/>
-        <a:defRPr sz="2800" kern="1200">
+        <a:buClr>
+          <a:schemeClr val="accent2"/>
+        </a:buClr>
+        <a:buSzPct val="90000"/>
+        <a:buFont typeface="Wingdings"/>
+        <a:buChar char=""/>
+        <a:defRPr kumimoji="0" sz="2600" kern="1200">
           <a:solidFill>
             <a:schemeClr val="tx1"/>
           </a:solidFill>
@@ -2850,13 +6239,16 @@
           <a:cs typeface="+mn-cs"/>
         </a:defRPr>
       </a:lvl2pPr>
-      <a:lvl3pPr marL="1143000" indent="-228600" algn="l" defTabSz="914400" rtl="0" eaLnBrk="1" latinLnBrk="0" hangingPunct="1">
+      <a:lvl3pPr marL="996696" indent="-228600" algn="l" rtl="0" eaLnBrk="1" latinLnBrk="0" hangingPunct="1">
         <a:spcBef>
           <a:spcPct val="20000"/>
         </a:spcBef>
-        <a:buFont typeface="Arial" pitchFamily="34" charset="0"/>
-        <a:buChar char="•"/>
-        <a:defRPr sz="2400" kern="1200">
+        <a:buClr>
+          <a:schemeClr val="accent2"/>
+        </a:buClr>
+        <a:buFont typeface="Wingdings 2"/>
+        <a:buChar char=""/>
+        <a:defRPr kumimoji="0" sz="2400" kern="1200">
           <a:solidFill>
             <a:schemeClr val="tx1"/>
           </a:solidFill>
@@ -2865,13 +6257,16 @@
           <a:cs typeface="+mn-cs"/>
         </a:defRPr>
       </a:lvl3pPr>
-      <a:lvl4pPr marL="1600200" indent="-228600" algn="l" defTabSz="914400" rtl="0" eaLnBrk="1" latinLnBrk="0" hangingPunct="1">
+      <a:lvl4pPr marL="1261872" indent="-228600" algn="l" rtl="0" eaLnBrk="1" latinLnBrk="0" hangingPunct="1">
         <a:spcBef>
           <a:spcPct val="20000"/>
         </a:spcBef>
-        <a:buFont typeface="Arial" pitchFamily="34" charset="0"/>
-        <a:buChar char="–"/>
-        <a:defRPr sz="2000" kern="1200">
+        <a:buClr>
+          <a:schemeClr val="accent3"/>
+        </a:buClr>
+        <a:buFont typeface="Wingdings 3"/>
+        <a:buChar char=""/>
+        <a:defRPr kumimoji="0" sz="2200" kern="1200">
           <a:solidFill>
             <a:schemeClr val="tx1"/>
           </a:solidFill>
@@ -2880,13 +6275,16 @@
           <a:cs typeface="+mn-cs"/>
         </a:defRPr>
       </a:lvl4pPr>
-      <a:lvl5pPr marL="2057400" indent="-228600" algn="l" defTabSz="914400" rtl="0" eaLnBrk="1" latinLnBrk="0" hangingPunct="1">
+      <a:lvl5pPr marL="1481328" indent="-210312" algn="l" rtl="0" eaLnBrk="1" latinLnBrk="0" hangingPunct="1">
         <a:spcBef>
           <a:spcPct val="20000"/>
         </a:spcBef>
-        <a:buFont typeface="Arial" pitchFamily="34" charset="0"/>
-        <a:buChar char="»"/>
-        <a:defRPr sz="2000" kern="1200">
+        <a:buClr>
+          <a:schemeClr val="accent3"/>
+        </a:buClr>
+        <a:buFont typeface="Wingdings 2"/>
+        <a:buChar char=""/>
+        <a:defRPr kumimoji="0" sz="2000" kern="1200">
           <a:solidFill>
             <a:schemeClr val="tx1"/>
           </a:solidFill>
@@ -2895,13 +6293,16 @@
           <a:cs typeface="+mn-cs"/>
         </a:defRPr>
       </a:lvl5pPr>
-      <a:lvl6pPr marL="2514600" indent="-228600" algn="l" defTabSz="914400" rtl="0" eaLnBrk="1" latinLnBrk="0" hangingPunct="1">
+      <a:lvl6pPr marL="1709928" indent="-210312" algn="l" rtl="0" eaLnBrk="1" latinLnBrk="0" hangingPunct="1">
         <a:spcBef>
           <a:spcPct val="20000"/>
         </a:spcBef>
-        <a:buFont typeface="Arial" pitchFamily="34" charset="0"/>
-        <a:buChar char="•"/>
-        <a:defRPr sz="2000" kern="1200">
+        <a:buClr>
+          <a:schemeClr val="accent3"/>
+        </a:buClr>
+        <a:buFont typeface="Wingdings 2"/>
+        <a:buChar char=""/>
+        <a:defRPr kumimoji="0" sz="1800" kern="1200">
           <a:solidFill>
             <a:schemeClr val="tx1"/>
           </a:solidFill>
@@ -2910,13 +6311,16 @@
           <a:cs typeface="+mn-cs"/>
         </a:defRPr>
       </a:lvl6pPr>
-      <a:lvl7pPr marL="2971800" indent="-228600" algn="l" defTabSz="914400" rtl="0" eaLnBrk="1" latinLnBrk="0" hangingPunct="1">
+      <a:lvl7pPr marL="1901952" indent="-182880" algn="l" rtl="0" eaLnBrk="1" latinLnBrk="0" hangingPunct="1">
         <a:spcBef>
           <a:spcPct val="20000"/>
         </a:spcBef>
-        <a:buFont typeface="Arial" pitchFamily="34" charset="0"/>
-        <a:buChar char="•"/>
-        <a:defRPr sz="2000" kern="1200">
+        <a:buClr>
+          <a:schemeClr val="accent4"/>
+        </a:buClr>
+        <a:buFont typeface="Wingdings 2"/>
+        <a:buChar char=""/>
+        <a:defRPr kumimoji="0" sz="1600" kern="1200">
           <a:solidFill>
             <a:schemeClr val="tx1"/>
           </a:solidFill>
@@ -2925,13 +6329,16 @@
           <a:cs typeface="+mn-cs"/>
         </a:defRPr>
       </a:lvl7pPr>
-      <a:lvl8pPr marL="3429000" indent="-228600" algn="l" defTabSz="914400" rtl="0" eaLnBrk="1" latinLnBrk="0" hangingPunct="1">
+      <a:lvl8pPr marL="2093976" indent="-182880" algn="l" rtl="0" eaLnBrk="1" latinLnBrk="0" hangingPunct="1">
         <a:spcBef>
           <a:spcPct val="20000"/>
         </a:spcBef>
-        <a:buFont typeface="Arial" pitchFamily="34" charset="0"/>
-        <a:buChar char="•"/>
-        <a:defRPr sz="2000" kern="1200">
+        <a:buClr>
+          <a:schemeClr val="accent4"/>
+        </a:buClr>
+        <a:buFont typeface="Wingdings 2"/>
+        <a:buChar char=""/>
+        <a:defRPr kumimoji="0" sz="1600" kern="1200">
           <a:solidFill>
             <a:schemeClr val="tx1"/>
           </a:solidFill>
@@ -2940,13 +6347,16 @@
           <a:cs typeface="+mn-cs"/>
         </a:defRPr>
       </a:lvl8pPr>
-      <a:lvl9pPr marL="3886200" indent="-228600" algn="l" defTabSz="914400" rtl="0" eaLnBrk="1" latinLnBrk="0" hangingPunct="1">
+      <a:lvl9pPr marL="2286000" indent="-182880" algn="l" rtl="0" eaLnBrk="1" latinLnBrk="0" hangingPunct="1">
         <a:spcBef>
           <a:spcPct val="20000"/>
         </a:spcBef>
-        <a:buFont typeface="Arial" pitchFamily="34" charset="0"/>
-        <a:buChar char="•"/>
-        <a:defRPr sz="2000" kern="1200">
+        <a:buClr>
+          <a:schemeClr val="accent4"/>
+        </a:buClr>
+        <a:buFont typeface="Wingdings 2"/>
+        <a:buChar char=""/>
+        <a:defRPr kumimoji="0" sz="1600" kern="1200">
           <a:solidFill>
             <a:schemeClr val="tx1"/>
           </a:solidFill>
@@ -2955,13 +6365,11 @@
           <a:cs typeface="+mn-cs"/>
         </a:defRPr>
       </a:lvl9pPr>
+      <a:extLst/>
     </p:bodyStyle>
     <p:otherStyle>
-      <a:defPPr>
-        <a:defRPr lang="es-ES"/>
-      </a:defPPr>
-      <a:lvl1pPr marL="0" algn="l" defTabSz="914400" rtl="0" eaLnBrk="1" latinLnBrk="0" hangingPunct="1">
-        <a:defRPr sz="1800" kern="1200">
+      <a:lvl1pPr marL="0" algn="l" rtl="0" eaLnBrk="1" latinLnBrk="0" hangingPunct="1">
+        <a:defRPr kumimoji="0" kern="1200">
           <a:solidFill>
             <a:schemeClr val="tx1"/>
           </a:solidFill>
@@ -2970,8 +6378,8 @@
           <a:cs typeface="+mn-cs"/>
         </a:defRPr>
       </a:lvl1pPr>
-      <a:lvl2pPr marL="457200" algn="l" defTabSz="914400" rtl="0" eaLnBrk="1" latinLnBrk="0" hangingPunct="1">
-        <a:defRPr sz="1800" kern="1200">
+      <a:lvl2pPr marL="457200" algn="l" rtl="0" eaLnBrk="1" latinLnBrk="0" hangingPunct="1">
+        <a:defRPr kumimoji="0" kern="1200">
           <a:solidFill>
             <a:schemeClr val="tx1"/>
           </a:solidFill>
@@ -2980,8 +6388,8 @@
           <a:cs typeface="+mn-cs"/>
         </a:defRPr>
       </a:lvl2pPr>
-      <a:lvl3pPr marL="914400" algn="l" defTabSz="914400" rtl="0" eaLnBrk="1" latinLnBrk="0" hangingPunct="1">
-        <a:defRPr sz="1800" kern="1200">
+      <a:lvl3pPr marL="914400" algn="l" rtl="0" eaLnBrk="1" latinLnBrk="0" hangingPunct="1">
+        <a:defRPr kumimoji="0" kern="1200">
           <a:solidFill>
             <a:schemeClr val="tx1"/>
           </a:solidFill>
@@ -2990,8 +6398,8 @@
           <a:cs typeface="+mn-cs"/>
         </a:defRPr>
       </a:lvl3pPr>
-      <a:lvl4pPr marL="1371600" algn="l" defTabSz="914400" rtl="0" eaLnBrk="1" latinLnBrk="0" hangingPunct="1">
-        <a:defRPr sz="1800" kern="1200">
+      <a:lvl4pPr marL="1371600" algn="l" rtl="0" eaLnBrk="1" latinLnBrk="0" hangingPunct="1">
+        <a:defRPr kumimoji="0" kern="1200">
           <a:solidFill>
             <a:schemeClr val="tx1"/>
           </a:solidFill>
@@ -3000,8 +6408,8 @@
           <a:cs typeface="+mn-cs"/>
         </a:defRPr>
       </a:lvl4pPr>
-      <a:lvl5pPr marL="1828800" algn="l" defTabSz="914400" rtl="0" eaLnBrk="1" latinLnBrk="0" hangingPunct="1">
-        <a:defRPr sz="1800" kern="1200">
+      <a:lvl5pPr marL="1828800" algn="l" rtl="0" eaLnBrk="1" latinLnBrk="0" hangingPunct="1">
+        <a:defRPr kumimoji="0" kern="1200">
           <a:solidFill>
             <a:schemeClr val="tx1"/>
           </a:solidFill>
@@ -3010,8 +6418,8 @@
           <a:cs typeface="+mn-cs"/>
         </a:defRPr>
       </a:lvl5pPr>
-      <a:lvl6pPr marL="2286000" algn="l" defTabSz="914400" rtl="0" eaLnBrk="1" latinLnBrk="0" hangingPunct="1">
-        <a:defRPr sz="1800" kern="1200">
+      <a:lvl6pPr marL="2286000" algn="l" rtl="0" eaLnBrk="1" latinLnBrk="0" hangingPunct="1">
+        <a:defRPr kumimoji="0" kern="1200">
           <a:solidFill>
             <a:schemeClr val="tx1"/>
           </a:solidFill>
@@ -3020,8 +6428,8 @@
           <a:cs typeface="+mn-cs"/>
         </a:defRPr>
       </a:lvl6pPr>
-      <a:lvl7pPr marL="2743200" algn="l" defTabSz="914400" rtl="0" eaLnBrk="1" latinLnBrk="0" hangingPunct="1">
-        <a:defRPr sz="1800" kern="1200">
+      <a:lvl7pPr marL="2743200" algn="l" rtl="0" eaLnBrk="1" latinLnBrk="0" hangingPunct="1">
+        <a:defRPr kumimoji="0" kern="1200">
           <a:solidFill>
             <a:schemeClr val="tx1"/>
           </a:solidFill>
@@ -3030,8 +6438,8 @@
           <a:cs typeface="+mn-cs"/>
         </a:defRPr>
       </a:lvl7pPr>
-      <a:lvl8pPr marL="3200400" algn="l" defTabSz="914400" rtl="0" eaLnBrk="1" latinLnBrk="0" hangingPunct="1">
-        <a:defRPr sz="1800" kern="1200">
+      <a:lvl8pPr marL="3200400" algn="l" rtl="0" eaLnBrk="1" latinLnBrk="0" hangingPunct="1">
+        <a:defRPr kumimoji="0" kern="1200">
           <a:solidFill>
             <a:schemeClr val="tx1"/>
           </a:solidFill>
@@ -3040,8 +6448,8 @@
           <a:cs typeface="+mn-cs"/>
         </a:defRPr>
       </a:lvl8pPr>
-      <a:lvl9pPr marL="3657600" algn="l" defTabSz="914400" rtl="0" eaLnBrk="1" latinLnBrk="0" hangingPunct="1">
-        <a:defRPr sz="1800" kern="1200">
+      <a:lvl9pPr marL="3657600" algn="l" rtl="0" eaLnBrk="1" latinLnBrk="0" hangingPunct="1">
+        <a:defRPr kumimoji="0" kern="1200">
           <a:solidFill>
             <a:schemeClr val="tx1"/>
           </a:solidFill>
@@ -3050,6 +6458,7 @@
           <a:cs typeface="+mn-cs"/>
         </a:defRPr>
       </a:lvl9pPr>
+      <a:extLst/>
     </p:otherStyle>
   </p:txStyles>
 </p:sldMaster>
@@ -3095,6 +6504,55 @@
           </a:p>
         </p:txBody>
       </p:sp>
+      <p:sp>
+        <p:nvSpPr>
+          <p:cNvPr id="5" name="2 Marcador de contenido"/>
+          <p:cNvSpPr>
+            <a:spLocks noGrp="1"/>
+          </p:cNvSpPr>
+          <p:nvPr>
+            <p:ph idx="1"/>
+          </p:nvPr>
+        </p:nvSpPr>
+        <p:spPr>
+          <a:xfrm>
+            <a:off x="357158" y="2357430"/>
+            <a:ext cx="3471858" cy="1714512"/>
+          </a:xfrm>
+        </p:spPr>
+        <p:txBody>
+          <a:bodyPr>
+            <a:normAutofit fontScale="92500" lnSpcReduction="20000"/>
+          </a:bodyPr>
+          <a:lstStyle/>
+          <a:p>
+            <a:r>
+              <a:rPr lang="es-ES" dirty="0" smtClean="0"/>
+              <a:t>Recolección </a:t>
+            </a:r>
+          </a:p>
+          <a:p>
+            <a:pPr>
+              <a:buNone/>
+            </a:pPr>
+            <a:r>
+              <a:rPr lang="es-ES" dirty="0" smtClean="0"/>
+              <a:t>    de </a:t>
+            </a:r>
+            <a:r>
+              <a:rPr lang="es-ES" dirty="0" smtClean="0"/>
+              <a:t>datos</a:t>
+            </a:r>
+          </a:p>
+          <a:p>
+            <a:r>
+              <a:rPr lang="es-ES" dirty="0" smtClean="0"/>
+              <a:t>Visualización de información</a:t>
+            </a:r>
+            <a:endParaRPr lang="es-ES" dirty="0"/>
+          </a:p>
+        </p:txBody>
+      </p:sp>
       <p:pic>
         <p:nvPicPr>
           <p:cNvPr id="15362" name="Picture 2" descr="Desde cuándo Centroamérica se llama así? (y qué otros nombres ha tenido) -  BBC News Mundo"/>
@@ -3121,48 +6579,18 @@
           <a:noFill/>
         </p:spPr>
       </p:pic>
-      <p:sp>
-        <p:nvSpPr>
-          <p:cNvPr id="5" name="2 Marcador de contenido"/>
-          <p:cNvSpPr>
-            <a:spLocks noGrp="1"/>
-          </p:cNvSpPr>
-          <p:nvPr>
-            <p:ph idx="1"/>
-          </p:nvPr>
-        </p:nvSpPr>
-        <p:spPr>
-          <a:xfrm>
-            <a:off x="357158" y="2357430"/>
-            <a:ext cx="3471858" cy="1714512"/>
-          </a:xfrm>
-        </p:spPr>
-        <p:txBody>
-          <a:bodyPr/>
-          <a:lstStyle/>
-          <a:p>
-            <a:r>
-              <a:rPr lang="es-ES" dirty="0" smtClean="0"/>
-              <a:t>Recolección </a:t>
-            </a:r>
-          </a:p>
-          <a:p>
-            <a:pPr>
-              <a:buNone/>
-            </a:pPr>
-            <a:r>
-              <a:rPr lang="es-ES" dirty="0" smtClean="0"/>
-              <a:t>    de datos</a:t>
-            </a:r>
-            <a:endParaRPr lang="es-ES" dirty="0"/>
-          </a:p>
-        </p:txBody>
-      </p:sp>
     </p:spTree>
   </p:cSld>
   <p:clrMapOvr>
     <a:masterClrMapping/>
   </p:clrMapOvr>
+  <p:timing>
+    <p:tnLst>
+      <p:par>
+        <p:cTn id="1" dur="indefinite" restart="never" nodeType="tmRoot"/>
+      </p:par>
+    </p:tnLst>
+  </p:timing>
 </p:sld>
 </file>
 
@@ -3267,7 +6695,7 @@
         </p:nvSpPr>
         <p:spPr>
           <a:xfrm>
-            <a:off x="214282" y="2285992"/>
+            <a:off x="1214414" y="1928802"/>
             <a:ext cx="5143536" cy="1714512"/>
           </a:xfrm>
           <a:prstGeom prst="rect">
@@ -3499,8 +6927,8 @@
         </p:blipFill>
         <p:spPr bwMode="auto">
           <a:xfrm>
-            <a:off x="2357422" y="3571876"/>
-            <a:ext cx="4895838" cy="2715991"/>
+            <a:off x="1571604" y="3500438"/>
+            <a:ext cx="5643602" cy="3130817"/>
           </a:xfrm>
           <a:prstGeom prst="rect">
             <a:avLst/>
@@ -3520,6 +6948,13 @@
   <p:clrMapOvr>
     <a:masterClrMapping/>
   </p:clrMapOvr>
+  <p:timing>
+    <p:tnLst>
+      <p:par>
+        <p:cTn id="1" dur="indefinite" restart="never" nodeType="tmRoot"/>
+      </p:par>
+    </p:tnLst>
+  </p:timing>
 </p:sld>
 </file>
 
@@ -3624,7 +7059,7 @@
         </p:nvSpPr>
         <p:spPr>
           <a:xfrm>
-            <a:off x="214282" y="2285992"/>
+            <a:off x="928662" y="2143116"/>
             <a:ext cx="5143536" cy="1714512"/>
           </a:xfrm>
           <a:prstGeom prst="rect">
@@ -3889,6 +7324,13 @@
   <p:clrMapOvr>
     <a:masterClrMapping/>
   </p:clrMapOvr>
+  <p:timing>
+    <p:tnLst>
+      <p:par>
+        <p:cTn id="1" dur="indefinite" restart="never" nodeType="tmRoot"/>
+      </p:par>
+    </p:tnLst>
+  </p:timing>
 </p:sld>
 </file>
 
@@ -3986,8 +7428,8 @@
         </p:blipFill>
         <p:spPr bwMode="auto">
           <a:xfrm>
-            <a:off x="1214414" y="2915897"/>
-            <a:ext cx="6850981" cy="3942103"/>
+            <a:off x="1214414" y="3214686"/>
+            <a:ext cx="6850981" cy="3643314"/>
           </a:xfrm>
           <a:prstGeom prst="rect">
             <a:avLst/>
@@ -4007,6 +7449,13 @@
   <p:clrMapOvr>
     <a:masterClrMapping/>
   </p:clrMapOvr>
+  <p:timing>
+    <p:tnLst>
+      <p:par>
+        <p:cTn id="1" dur="indefinite" restart="never" nodeType="tmRoot"/>
+      </p:par>
+    </p:tnLst>
+  </p:timing>
 </p:sld>
 </file>
 
@@ -4408,6 +7857,13 @@
   <p:clrMapOvr>
     <a:masterClrMapping/>
   </p:clrMapOvr>
+  <p:timing>
+    <p:tnLst>
+      <p:par>
+        <p:cTn id="1" dur="indefinite" restart="never" nodeType="tmRoot"/>
+      </p:par>
+    </p:tnLst>
+  </p:timing>
 </p:sld>
 </file>
 
@@ -4453,6 +7909,40 @@
           </a:p>
         </p:txBody>
       </p:sp>
+      <p:pic>
+        <p:nvPicPr>
+          <p:cNvPr id="16385" name="Picture 1"/>
+          <p:cNvPicPr>
+            <a:picLocks noGrp="1" noChangeAspect="1" noChangeArrowheads="1"/>
+          </p:cNvPicPr>
+          <p:nvPr>
+            <p:ph idx="1"/>
+          </p:nvPr>
+        </p:nvPicPr>
+        <p:blipFill>
+          <a:blip r:embed="rId2" cstate="print"/>
+          <a:stretch>
+            <a:fillRect/>
+          </a:stretch>
+        </p:blipFill>
+        <p:spPr bwMode="auto">
+          <a:xfrm>
+            <a:off x="1428728" y="2857496"/>
+            <a:ext cx="6561423" cy="3670442"/>
+          </a:xfrm>
+          <a:prstGeom prst="rect">
+            <a:avLst/>
+          </a:prstGeom>
+          <a:noFill/>
+          <a:ln w="9525">
+            <a:noFill/>
+            <a:miter lim="800000"/>
+            <a:headEnd/>
+            <a:tailEnd/>
+          </a:ln>
+          <a:effectLst/>
+        </p:spPr>
+      </p:pic>
       <p:sp>
         <p:nvSpPr>
           <p:cNvPr id="4" name="1 Título"/>
@@ -4513,41 +8003,6 @@
           </a:p>
         </p:txBody>
       </p:sp>
-      <p:pic>
-        <p:nvPicPr>
-          <p:cNvPr id="16385" name="Picture 1"/>
-          <p:cNvPicPr>
-            <a:picLocks noGrp="1" noChangeAspect="1" noChangeArrowheads="1"/>
-          </p:cNvPicPr>
-          <p:nvPr>
-            <p:ph idx="1"/>
-          </p:nvPr>
-        </p:nvPicPr>
-        <p:blipFill>
-          <a:blip r:embed="rId2" cstate="print"/>
-          <a:srcRect/>
-          <a:stretch>
-            <a:fillRect/>
-          </a:stretch>
-        </p:blipFill>
-        <p:spPr bwMode="auto">
-          <a:xfrm>
-            <a:off x="3643306" y="3286124"/>
-            <a:ext cx="4688099" cy="2622405"/>
-          </a:xfrm>
-          <a:prstGeom prst="rect">
-            <a:avLst/>
-          </a:prstGeom>
-          <a:noFill/>
-          <a:ln w="9525">
-            <a:noFill/>
-            <a:miter lim="800000"/>
-            <a:headEnd/>
-            <a:tailEnd/>
-          </a:ln>
-          <a:effectLst/>
-        </p:spPr>
-      </p:pic>
       <p:sp>
         <p:nvSpPr>
           <p:cNvPr id="7" name="2 Marcador de contenido"/>
@@ -4558,7 +8013,7 @@
         </p:nvSpPr>
         <p:spPr>
           <a:xfrm>
-            <a:off x="214282" y="2285992"/>
+            <a:off x="857224" y="2000240"/>
             <a:ext cx="5143536" cy="1714512"/>
           </a:xfrm>
           <a:prstGeom prst="rect">
@@ -4590,6 +8045,13 @@
   <p:clrMapOvr>
     <a:masterClrMapping/>
   </p:clrMapOvr>
+  <p:timing>
+    <p:tnLst>
+      <p:par>
+        <p:cTn id="1" dur="indefinite" restart="never" nodeType="tmRoot"/>
+      </p:par>
+    </p:tnLst>
+  </p:timing>
 </p:sld>
 </file>
 
@@ -4705,7 +8167,7 @@
         </p:nvSpPr>
         <p:spPr>
           <a:xfrm>
-            <a:off x="214282" y="2285992"/>
+            <a:off x="714348" y="2214554"/>
             <a:ext cx="5143536" cy="1714512"/>
           </a:xfrm>
           <a:prstGeom prst="rect">
@@ -4868,6 +8330,13 @@
   <p:clrMapOvr>
     <a:masterClrMapping/>
   </p:clrMapOvr>
+  <p:timing>
+    <p:tnLst>
+      <p:par>
+        <p:cTn id="1" dur="indefinite" restart="never" nodeType="tmRoot"/>
+      </p:par>
+    </p:tnLst>
+  </p:timing>
 </p:sld>
 </file>
 
@@ -4983,7 +8452,7 @@
         </p:nvSpPr>
         <p:spPr>
           <a:xfrm>
-            <a:off x="214282" y="2285992"/>
+            <a:off x="928662" y="2143116"/>
             <a:ext cx="5143536" cy="1714512"/>
           </a:xfrm>
           <a:prstGeom prst="rect">
@@ -5141,6 +8610,13 @@
   <p:clrMapOvr>
     <a:masterClrMapping/>
   </p:clrMapOvr>
+  <p:timing>
+    <p:tnLst>
+      <p:par>
+        <p:cTn id="1" dur="indefinite" restart="never" nodeType="tmRoot"/>
+      </p:par>
+    </p:tnLst>
+  </p:timing>
 </p:sld>
 </file>
 
@@ -5256,7 +8732,7 @@
         </p:nvSpPr>
         <p:spPr>
           <a:xfrm>
-            <a:off x="214282" y="2285992"/>
+            <a:off x="785786" y="2143116"/>
             <a:ext cx="5143536" cy="1714512"/>
           </a:xfrm>
           <a:prstGeom prst="rect">
@@ -5407,6 +8883,13 @@
   <p:clrMapOvr>
     <a:masterClrMapping/>
   </p:clrMapOvr>
+  <p:timing>
+    <p:tnLst>
+      <p:par>
+        <p:cTn id="1" dur="indefinite" restart="never" nodeType="tmRoot"/>
+      </p:par>
+    </p:tnLst>
+  </p:timing>
 </p:sld>
 </file>
 
@@ -5522,7 +9005,7 @@
         </p:nvSpPr>
         <p:spPr>
           <a:xfrm>
-            <a:off x="214282" y="2285992"/>
+            <a:off x="642910" y="2071678"/>
             <a:ext cx="5143536" cy="1714512"/>
           </a:xfrm>
           <a:prstGeom prst="rect">
@@ -5543,7 +9026,11 @@
             </a:pPr>
             <a:r>
               <a:rPr lang="es-ES" sz="2400" dirty="0" smtClean="0"/>
-              <a:t>4.  Costos e implementación</a:t>
+              <a:t>5.  </a:t>
+            </a:r>
+            <a:r>
+              <a:rPr lang="es-ES" sz="2400" dirty="0" smtClean="0"/>
+              <a:t>Costos e implementación</a:t>
             </a:r>
             <a:endParaRPr lang="es-ES" sz="2400" dirty="0"/>
           </a:p>
@@ -5707,6 +9194,13 @@
   <p:clrMapOvr>
     <a:masterClrMapping/>
   </p:clrMapOvr>
+  <p:timing>
+    <p:tnLst>
+      <p:par>
+        <p:cTn id="1" dur="indefinite" restart="never" nodeType="tmRoot"/>
+      </p:par>
+    </p:tnLst>
+  </p:timing>
 </p:sld>
 </file>
 
@@ -5815,7 +9309,7 @@
         </p:nvSpPr>
         <p:spPr>
           <a:xfrm>
-            <a:off x="214282" y="2285992"/>
+            <a:off x="785786" y="2143116"/>
             <a:ext cx="5143536" cy="1714512"/>
           </a:xfrm>
           <a:prstGeom prst="rect">
@@ -5996,6 +9490,13 @@
   <p:clrMapOvr>
     <a:masterClrMapping/>
   </p:clrMapOvr>
+  <p:timing>
+    <p:tnLst>
+      <p:par>
+        <p:cTn id="1" dur="indefinite" restart="never" nodeType="tmRoot"/>
+      </p:par>
+    </p:tnLst>
+  </p:timing>
 </p:sld>
 </file>
 
@@ -6104,7 +9605,7 @@
         </p:nvSpPr>
         <p:spPr>
           <a:xfrm>
-            <a:off x="214282" y="2285992"/>
+            <a:off x="785786" y="1928802"/>
             <a:ext cx="5143536" cy="1714512"/>
           </a:xfrm>
           <a:prstGeom prst="rect">
@@ -6260,7 +9761,7 @@
       </p:sp>
       <p:pic>
         <p:nvPicPr>
-          <p:cNvPr id="25602" name="Picture 2" descr="Plantilla de informe de Facebook Orgánico (Insights) para Power BI -  Datasavvy"/>
+          <p:cNvPr id="1026" name="Picture 2"/>
           <p:cNvPicPr>
             <a:picLocks noChangeAspect="1" noChangeArrowheads="1"/>
           </p:cNvPicPr>
@@ -6275,13 +9776,20 @@
         </p:blipFill>
         <p:spPr bwMode="auto">
           <a:xfrm>
-            <a:off x="1285852" y="2857496"/>
-            <a:ext cx="6387039" cy="3571900"/>
+            <a:off x="642910" y="2622656"/>
+            <a:ext cx="7615250" cy="4235344"/>
           </a:xfrm>
           <a:prstGeom prst="rect">
             <a:avLst/>
           </a:prstGeom>
           <a:noFill/>
+          <a:ln w="9525">
+            <a:noFill/>
+            <a:miter lim="800000"/>
+            <a:headEnd/>
+            <a:tailEnd/>
+          </a:ln>
+          <a:effectLst/>
         </p:spPr>
       </p:pic>
     </p:spTree>
@@ -6289,13 +9797,20 @@
   <p:clrMapOvr>
     <a:masterClrMapping/>
   </p:clrMapOvr>
+  <p:timing>
+    <p:tnLst>
+      <p:par>
+        <p:cTn id="1" dur="indefinite" restart="never" nodeType="tmRoot"/>
+      </p:par>
+    </p:tnLst>
+  </p:timing>
 </p:sld>
 </file>
 
 <file path=ppt/theme/theme1.xml><?xml version="1.0" encoding="utf-8"?>
-<a:theme xmlns:a="http://schemas.openxmlformats.org/drawingml/2006/main" name="Tema de Office">
+<a:theme xmlns:a="http://schemas.openxmlformats.org/drawingml/2006/main" name="Metro">
   <a:themeElements>
-    <a:clrScheme name="Office">
+    <a:clrScheme name="Metro">
       <a:dk1>
         <a:sysClr val="windowText" lastClr="000000"/>
       </a:dk1>
@@ -6303,82 +9818,48 @@
         <a:sysClr val="window" lastClr="FFFFFF"/>
       </a:lt1>
       <a:dk2>
-        <a:srgbClr val="1F497D"/>
+        <a:srgbClr val="4E5B6F"/>
       </a:dk2>
       <a:lt2>
-        <a:srgbClr val="EEECE1"/>
+        <a:srgbClr val="D6ECFF"/>
       </a:lt2>
       <a:accent1>
-        <a:srgbClr val="4F81BD"/>
+        <a:srgbClr val="7FD13B"/>
       </a:accent1>
       <a:accent2>
-        <a:srgbClr val="C0504D"/>
+        <a:srgbClr val="EA157A"/>
       </a:accent2>
       <a:accent3>
-        <a:srgbClr val="9BBB59"/>
+        <a:srgbClr val="FEB80A"/>
       </a:accent3>
       <a:accent4>
-        <a:srgbClr val="8064A2"/>
+        <a:srgbClr val="00ADDC"/>
       </a:accent4>
       <a:accent5>
-        <a:srgbClr val="4BACC6"/>
+        <a:srgbClr val="738AC8"/>
       </a:accent5>
       <a:accent6>
-        <a:srgbClr val="F79646"/>
+        <a:srgbClr val="1AB39F"/>
       </a:accent6>
       <a:hlink>
-        <a:srgbClr val="0000FF"/>
+        <a:srgbClr val="EB8803"/>
       </a:hlink>
       <a:folHlink>
-        <a:srgbClr val="800080"/>
+        <a:srgbClr val="5F7791"/>
       </a:folHlink>
     </a:clrScheme>
-    <a:fontScheme name="Office">
+    <a:fontScheme name="Metro">
       <a:majorFont>
-        <a:latin typeface="Calibri"/>
+        <a:latin typeface="Consolas"/>
         <a:ea typeface=""/>
         <a:cs typeface=""/>
-        <a:font script="Jpan" typeface="ＭＳ Ｐゴシック"/>
-        <a:font script="Hang" typeface="맑은 고딕"/>
-        <a:font script="Hans" typeface="宋体"/>
+        <a:font script="Jpan" typeface="HG丸ｺﾞｼｯｸM-PRO"/>
+        <a:font script="Hang" typeface="HY중고딕"/>
+        <a:font script="Hans" typeface="华文楷体"/>
         <a:font script="Hant" typeface="新細明體"/>
-        <a:font script="Arab" typeface="Times New Roman"/>
-        <a:font script="Hebr" typeface="Times New Roman"/>
-        <a:font script="Thai" typeface="Angsana New"/>
-        <a:font script="Ethi" typeface="Nyala"/>
-        <a:font script="Beng" typeface="Vrinda"/>
-        <a:font script="Gujr" typeface="Shruti"/>
-        <a:font script="Khmr" typeface="MoolBoran"/>
-        <a:font script="Knda" typeface="Tunga"/>
-        <a:font script="Guru" typeface="Raavi"/>
-        <a:font script="Cans" typeface="Euphemia"/>
-        <a:font script="Cher" typeface="Plantagenet Cherokee"/>
-        <a:font script="Yiii" typeface="Microsoft Yi Baiti"/>
-        <a:font script="Tibt" typeface="Microsoft Himalaya"/>
-        <a:font script="Thaa" typeface="MV Boli"/>
-        <a:font script="Deva" typeface="Mangal"/>
-        <a:font script="Telu" typeface="Gautami"/>
-        <a:font script="Taml" typeface="Latha"/>
-        <a:font script="Syrc" typeface="Estrangelo Edessa"/>
-        <a:font script="Orya" typeface="Kalinga"/>
-        <a:font script="Mlym" typeface="Kartika"/>
-        <a:font script="Laoo" typeface="DokChampa"/>
-        <a:font script="Sinh" typeface="Iskoola Pota"/>
-        <a:font script="Mong" typeface="Mongolian Baiti"/>
-        <a:font script="Viet" typeface="Times New Roman"/>
-        <a:font script="Uigh" typeface="Microsoft Uighur"/>
-      </a:majorFont>
-      <a:minorFont>
-        <a:latin typeface="Calibri"/>
-        <a:ea typeface=""/>
-        <a:cs typeface=""/>
-        <a:font script="Jpan" typeface="ＭＳ Ｐゴシック"/>
-        <a:font script="Hang" typeface="맑은 고딕"/>
-        <a:font script="Hans" typeface="宋体"/>
-        <a:font script="Hant" typeface="新細明體"/>
-        <a:font script="Arab" typeface="Arial"/>
-        <a:font script="Hebr" typeface="Arial"/>
-        <a:font script="Thai" typeface="Cordia New"/>
+        <a:font script="Arab" typeface="Tahoma"/>
+        <a:font script="Hebr" typeface="Levenim MT"/>
+        <a:font script="Thai" typeface="DilleniaUPC"/>
         <a:font script="Ethi" typeface="Nyala"/>
         <a:font script="Beng" typeface="Vrinda"/>
         <a:font script="Gujr" typeface="Shruti"/>
@@ -6399,11 +9880,45 @@
         <a:font script="Laoo" typeface="DokChampa"/>
         <a:font script="Sinh" typeface="Iskoola Pota"/>
         <a:font script="Mong" typeface="Mongolian Baiti"/>
-        <a:font script="Viet" typeface="Arial"/>
+        <a:font script="Viet" typeface="Tahoma"/>
+        <a:font script="Uigh" typeface="Microsoft Uighur"/>
+      </a:majorFont>
+      <a:minorFont>
+        <a:latin typeface="Corbel"/>
+        <a:ea typeface=""/>
+        <a:cs typeface=""/>
+        <a:font script="Jpan" typeface="HGｺﾞｼｯｸM"/>
+        <a:font script="Hang" typeface="맑은 고딕"/>
+        <a:font script="Hans" typeface="宋体"/>
+        <a:font script="Hant" typeface="新細明體"/>
+        <a:font script="Arab" typeface="Tahoma"/>
+        <a:font script="Hebr" typeface="Miriam"/>
+        <a:font script="Thai" typeface="DilleniaUPC"/>
+        <a:font script="Ethi" typeface="Nyala"/>
+        <a:font script="Beng" typeface="Vrinda"/>
+        <a:font script="Gujr" typeface="Shruti"/>
+        <a:font script="Khmr" typeface="DaunPenh"/>
+        <a:font script="Knda" typeface="Tunga"/>
+        <a:font script="Guru" typeface="Raavi"/>
+        <a:font script="Cans" typeface="Euphemia"/>
+        <a:font script="Cher" typeface="Plantagenet Cherokee"/>
+        <a:font script="Yiii" typeface="Microsoft Yi Baiti"/>
+        <a:font script="Tibt" typeface="Microsoft Himalaya"/>
+        <a:font script="Thaa" typeface="MV Boli"/>
+        <a:font script="Deva" typeface="Mangal"/>
+        <a:font script="Telu" typeface="Gautami"/>
+        <a:font script="Taml" typeface="Latha"/>
+        <a:font script="Syrc" typeface="Estrangelo Edessa"/>
+        <a:font script="Orya" typeface="Kalinga"/>
+        <a:font script="Mlym" typeface="Kartika"/>
+        <a:font script="Laoo" typeface="DokChampa"/>
+        <a:font script="Sinh" typeface="Iskoola Pota"/>
+        <a:font script="Mong" typeface="Mongolian Baiti"/>
+        <a:font script="Viet" typeface="Tahoma"/>
         <a:font script="Uigh" typeface="Microsoft Uighur"/>
       </a:minorFont>
     </a:fontScheme>
-    <a:fmtScheme name="Office">
+    <a:fmtScheme name="Metro">
       <a:fillStyleLst>
         <a:solidFill>
           <a:schemeClr val="phClr"/>
@@ -6412,60 +9927,89 @@
           <a:gsLst>
             <a:gs pos="0">
               <a:schemeClr val="phClr">
-                <a:tint val="50000"/>
-                <a:satMod val="300000"/>
+                <a:tint val="25000"/>
+                <a:satMod val="125000"/>
               </a:schemeClr>
             </a:gs>
-            <a:gs pos="35000">
+            <a:gs pos="40000">
               <a:schemeClr val="phClr">
-                <a:tint val="37000"/>
-                <a:satMod val="300000"/>
+                <a:tint val="55000"/>
+                <a:satMod val="130000"/>
+              </a:schemeClr>
+            </a:gs>
+            <a:gs pos="50000">
+              <a:schemeClr val="phClr">
+                <a:tint val="59000"/>
+                <a:satMod val="130000"/>
+              </a:schemeClr>
+            </a:gs>
+            <a:gs pos="65000">
+              <a:schemeClr val="phClr">
+                <a:tint val="55000"/>
+                <a:satMod val="130000"/>
               </a:schemeClr>
             </a:gs>
             <a:gs pos="100000">
               <a:schemeClr val="phClr">
-                <a:tint val="15000"/>
-                <a:satMod val="350000"/>
+                <a:tint val="20000"/>
+                <a:satMod val="125000"/>
               </a:schemeClr>
             </a:gs>
           </a:gsLst>
-          <a:lin ang="16200000" scaled="1"/>
+          <a:lin ang="5400000" scaled="0"/>
         </a:gradFill>
         <a:gradFill rotWithShape="1">
           <a:gsLst>
             <a:gs pos="0">
               <a:schemeClr val="phClr">
-                <a:shade val="51000"/>
-                <a:satMod val="130000"/>
+                <a:tint val="48000"/>
+                <a:satMod val="138000"/>
               </a:schemeClr>
             </a:gs>
-            <a:gs pos="80000">
+            <a:gs pos="25000">
               <a:schemeClr val="phClr">
-                <a:shade val="93000"/>
-                <a:satMod val="130000"/>
+                <a:tint val="85000"/>
+              </a:schemeClr>
+            </a:gs>
+            <a:gs pos="40000">
+              <a:schemeClr val="phClr">
+                <a:tint val="92000"/>
+              </a:schemeClr>
+            </a:gs>
+            <a:gs pos="50000">
+              <a:schemeClr val="phClr">
+                <a:tint val="93000"/>
+              </a:schemeClr>
+            </a:gs>
+            <a:gs pos="60000">
+              <a:schemeClr val="phClr">
+                <a:tint val="92000"/>
+              </a:schemeClr>
+            </a:gs>
+            <a:gs pos="75000">
+              <a:schemeClr val="phClr">
+                <a:tint val="83000"/>
+                <a:satMod val="108000"/>
               </a:schemeClr>
             </a:gs>
             <a:gs pos="100000">
               <a:schemeClr val="phClr">
-                <a:shade val="94000"/>
-                <a:satMod val="135000"/>
+                <a:tint val="48000"/>
+                <a:satMod val="150000"/>
               </a:schemeClr>
             </a:gs>
           </a:gsLst>
-          <a:lin ang="16200000" scaled="0"/>
+          <a:lin ang="5400000" scaled="0"/>
         </a:gradFill>
       </a:fillStyleLst>
       <a:lnStyleLst>
-        <a:ln w="9525" cap="flat" cmpd="sng" algn="ctr">
+        <a:ln w="12000" cap="flat" cmpd="sng" algn="ctr">
           <a:solidFill>
-            <a:schemeClr val="phClr">
-              <a:shade val="95000"/>
-              <a:satMod val="105000"/>
-            </a:schemeClr>
+            <a:schemeClr val="phClr"/>
           </a:solidFill>
           <a:prstDash val="solid"/>
         </a:ln>
-        <a:ln w="25400" cap="flat" cmpd="sng" algn="ctr">
+        <a:ln w="19050" cap="flat" cmpd="sng" algn="ctr">
           <a:solidFill>
             <a:schemeClr val="phClr"/>
           </a:solidFill>
@@ -6481,40 +10025,62 @@
       <a:effectStyleLst>
         <a:effectStyle>
           <a:effectLst>
-            <a:outerShdw blurRad="40000" dist="20000" dir="5400000" rotWithShape="0">
-              <a:srgbClr val="000000">
-                <a:alpha val="38000"/>
-              </a:srgbClr>
-            </a:outerShdw>
+            <a:glow rad="63500">
+              <a:schemeClr val="phClr">
+                <a:alpha val="45000"/>
+                <a:satMod val="120000"/>
+              </a:schemeClr>
+            </a:glow>
           </a:effectLst>
         </a:effectStyle>
         <a:effectStyle>
           <a:effectLst>
-            <a:outerShdw blurRad="40000" dist="23000" dir="5400000" rotWithShape="0">
-              <a:srgbClr val="000000">
-                <a:alpha val="35000"/>
-              </a:srgbClr>
-            </a:outerShdw>
+            <a:glow rad="63500">
+              <a:schemeClr val="phClr">
+                <a:alpha val="45000"/>
+                <a:satMod val="120000"/>
+              </a:schemeClr>
+            </a:glow>
           </a:effectLst>
+          <a:scene3d>
+            <a:camera prst="orthographicFront" fov="0">
+              <a:rot lat="0" lon="0" rev="0"/>
+            </a:camera>
+            <a:lightRig rig="brightRoom" dir="tl">
+              <a:rot lat="0" lon="0" rev="8700000"/>
+            </a:lightRig>
+          </a:scene3d>
+          <a:sp3d>
+            <a:bevelT w="0" h="0"/>
+            <a:contourClr>
+              <a:schemeClr val="phClr">
+                <a:tint val="70000"/>
+              </a:schemeClr>
+            </a:contourClr>
+          </a:sp3d>
         </a:effectStyle>
         <a:effectStyle>
           <a:effectLst>
-            <a:outerShdw blurRad="40000" dist="23000" dir="5400000" rotWithShape="0">
-              <a:srgbClr val="000000">
-                <a:alpha val="35000"/>
-              </a:srgbClr>
-            </a:outerShdw>
+            <a:glow rad="101500">
+              <a:schemeClr val="phClr">
+                <a:alpha val="42000"/>
+                <a:satMod val="120000"/>
+              </a:schemeClr>
+            </a:glow>
           </a:effectLst>
           <a:scene3d>
-            <a:camera prst="orthographicFront">
+            <a:camera prst="orthographicFront" fov="0">
               <a:rot lat="0" lon="0" rev="0"/>
             </a:camera>
-            <a:lightRig rig="threePt" dir="t">
-              <a:rot lat="0" lon="0" rev="1200000"/>
+            <a:lightRig rig="glow" dir="t">
+              <a:rot lat="0" lon="0" rev="4800000"/>
             </a:lightRig>
           </a:scene3d>
-          <a:sp3d>
-            <a:bevelT w="63500" h="25400"/>
+          <a:sp3d prstMaterial="powder">
+            <a:bevelT w="50800" h="50800"/>
+            <a:contourClr>
+              <a:schemeClr val="phClr"/>
+            </a:contourClr>
           </a:sp3d>
         </a:effectStyle>
       </a:effectStyleLst>
@@ -6525,48 +10091,41 @@
         <a:gradFill rotWithShape="1">
           <a:gsLst>
             <a:gs pos="0">
-              <a:schemeClr val="phClr">
-                <a:tint val="40000"/>
-                <a:satMod val="350000"/>
+              <a:schemeClr val="bg1">
+                <a:shade val="100000"/>
+                <a:satMod val="150000"/>
               </a:schemeClr>
             </a:gs>
-            <a:gs pos="40000">
-              <a:schemeClr val="phClr">
-                <a:tint val="45000"/>
-                <a:shade val="99000"/>
-                <a:satMod val="350000"/>
+            <a:gs pos="65000">
+              <a:schemeClr val="bg1">
+                <a:shade val="90000"/>
+                <a:satMod val="375000"/>
               </a:schemeClr>
             </a:gs>
             <a:gs pos="100000">
               <a:schemeClr val="phClr">
-                <a:shade val="20000"/>
-                <a:satMod val="255000"/>
+                <a:tint val="88000"/>
+                <a:satMod val="400000"/>
               </a:schemeClr>
             </a:gs>
           </a:gsLst>
-          <a:path path="circle">
-            <a:fillToRect l="50000" t="-80000" r="50000" b="180000"/>
-          </a:path>
+          <a:lin ang="5400000" scaled="0"/>
         </a:gradFill>
-        <a:gradFill rotWithShape="1">
-          <a:gsLst>
-            <a:gs pos="0">
+        <a:blipFill>
+          <a:blip xmlns:r="http://schemas.openxmlformats.org/officeDocument/2006/relationships" r:embed="rId1">
+            <a:duotone>
               <a:schemeClr val="phClr">
-                <a:tint val="80000"/>
-                <a:satMod val="300000"/>
+                <a:shade val="40000"/>
+                <a:satMod val="180000"/>
               </a:schemeClr>
-            </a:gs>
-            <a:gs pos="100000">
               <a:schemeClr val="phClr">
-                <a:shade val="30000"/>
+                <a:tint val="90000"/>
                 <a:satMod val="200000"/>
               </a:schemeClr>
-            </a:gs>
-          </a:gsLst>
-          <a:path path="circle">
-            <a:fillToRect l="50000" t="50000" r="50000" b="50000"/>
-          </a:path>
-        </a:gradFill>
+            </a:duotone>
+          </a:blip>
+          <a:tile tx="0" ty="0" sx="80000" sy="80000" flip="none" algn="tl"/>
+        </a:blipFill>
       </a:bgFillStyleLst>
     </a:fmtScheme>
   </a:themeElements>
